--- a/truck/document/Github/Github ��ġ �� ���.pptx
+++ b/truck/document/Github/Github ��ġ �� ���.pptx
@@ -5,11 +5,8 @@
     <p:sldMasterId id="2147483648" r:id="rId1"/>
   </p:sldMasterIdLst>
   <p:notesMasterIdLst>
-    <p:notesMasterId r:id="rId47"/>
+    <p:notesMasterId r:id="rId40"/>
   </p:notesMasterIdLst>
-  <p:handoutMasterIdLst>
-    <p:handoutMasterId r:id="rId48"/>
-  </p:handoutMasterIdLst>
   <p:sldIdLst>
     <p:sldId id="256" r:id="rId2"/>
     <p:sldId id="258" r:id="rId3"/>
@@ -32,30 +29,23 @@
     <p:sldId id="268" r:id="rId20"/>
     <p:sldId id="269" r:id="rId21"/>
     <p:sldId id="276" r:id="rId22"/>
-    <p:sldId id="271" r:id="rId23"/>
-    <p:sldId id="272" r:id="rId24"/>
-    <p:sldId id="273" r:id="rId25"/>
-    <p:sldId id="274" r:id="rId26"/>
-    <p:sldId id="275" r:id="rId27"/>
-    <p:sldId id="281" r:id="rId28"/>
-    <p:sldId id="282" r:id="rId29"/>
-    <p:sldId id="283" r:id="rId30"/>
-    <p:sldId id="284" r:id="rId31"/>
-    <p:sldId id="285" r:id="rId32"/>
-    <p:sldId id="286" r:id="rId33"/>
-    <p:sldId id="290" r:id="rId34"/>
-    <p:sldId id="287" r:id="rId35"/>
-    <p:sldId id="288" r:id="rId36"/>
-    <p:sldId id="291" r:id="rId37"/>
-    <p:sldId id="292" r:id="rId38"/>
-    <p:sldId id="293" r:id="rId39"/>
-    <p:sldId id="294" r:id="rId40"/>
-    <p:sldId id="295" r:id="rId41"/>
-    <p:sldId id="297" r:id="rId42"/>
-    <p:sldId id="298" r:id="rId43"/>
-    <p:sldId id="299" r:id="rId44"/>
-    <p:sldId id="300" r:id="rId45"/>
-    <p:sldId id="301" r:id="rId46"/>
+    <p:sldId id="272" r:id="rId23"/>
+    <p:sldId id="273" r:id="rId24"/>
+    <p:sldId id="274" r:id="rId25"/>
+    <p:sldId id="275" r:id="rId26"/>
+    <p:sldId id="281" r:id="rId27"/>
+    <p:sldId id="282" r:id="rId28"/>
+    <p:sldId id="283" r:id="rId29"/>
+    <p:sldId id="284" r:id="rId30"/>
+    <p:sldId id="285" r:id="rId31"/>
+    <p:sldId id="286" r:id="rId32"/>
+    <p:sldId id="303" r:id="rId33"/>
+    <p:sldId id="287" r:id="rId34"/>
+    <p:sldId id="304" r:id="rId35"/>
+    <p:sldId id="305" r:id="rId36"/>
+    <p:sldId id="306" r:id="rId37"/>
+    <p:sldId id="298" r:id="rId38"/>
+    <p:sldId id="307" r:id="rId39"/>
   </p:sldIdLst>
   <p:sldSz cx="9144000" cy="6858000" type="screen4x3"/>
   <p:notesSz cx="6858000" cy="9144000"/>
@@ -157,166 +147,6 @@
 </p:presentation>
 </file>
 
-<file path=ppt/handoutMasters/handoutMaster1.xml><?xml version="1.0" encoding="utf-8"?>
-<p:handoutMaster xmlns:a="http://schemas.openxmlformats.org/drawingml/2006/main" xmlns:r="http://schemas.openxmlformats.org/officeDocument/2006/relationships" xmlns:p="http://schemas.openxmlformats.org/presentationml/2006/main">
-  <p:cSld>
-    <p:bg>
-      <p:bgRef idx="1001">
-        <a:schemeClr val="bg1"/>
-      </p:bgRef>
-    </p:bg>
-    <p:spTree>
-      <p:nvGrpSpPr>
-        <p:cNvPr id="1" name=""/>
-        <p:cNvGrpSpPr/>
-        <p:nvPr/>
-      </p:nvGrpSpPr>
-      <p:grpSpPr>
-        <a:xfrm>
-          <a:off x="0" y="0"/>
-          <a:ext cx="0" cy="0"/>
-          <a:chOff x="0" y="0"/>
-          <a:chExt cx="0" cy="0"/>
-        </a:xfrm>
-      </p:grpSpPr>
-      <p:sp>
-        <p:nvSpPr>
-          <p:cNvPr id="2" name="머리글 개체 틀 1"/>
-          <p:cNvSpPr>
-            <a:spLocks noGrp="1"/>
-          </p:cNvSpPr>
-          <p:nvPr>
-            <p:ph type="hdr" sz="quarter"/>
-          </p:nvPr>
-        </p:nvSpPr>
-        <p:spPr>
-          <a:xfrm>
-            <a:off x="0" y="0"/>
-            <a:ext cx="2971800" cy="457200"/>
-          </a:xfrm>
-          <a:prstGeom prst="rect">
-            <a:avLst/>
-          </a:prstGeom>
-        </p:spPr>
-        <p:txBody>
-          <a:bodyPr vert="horz" lIns="91440" tIns="45720" rIns="91440" bIns="45720" rtlCol="0"/>
-          <a:lstStyle>
-            <a:lvl1pPr algn="l">
-              <a:defRPr sz="1200"/>
-            </a:lvl1pPr>
-          </a:lstStyle>
-          <a:p>
-            <a:endParaRPr lang="ko-KR" altLang="en-US"/>
-          </a:p>
-        </p:txBody>
-      </p:sp>
-      <p:sp>
-        <p:nvSpPr>
-          <p:cNvPr id="3" name="날짜 개체 틀 2"/>
-          <p:cNvSpPr>
-            <a:spLocks noGrp="1"/>
-          </p:cNvSpPr>
-          <p:nvPr>
-            <p:ph type="dt" sz="quarter" idx="1"/>
-          </p:nvPr>
-        </p:nvSpPr>
-        <p:spPr>
-          <a:xfrm>
-            <a:off x="3884613" y="0"/>
-            <a:ext cx="2971800" cy="457200"/>
-          </a:xfrm>
-          <a:prstGeom prst="rect">
-            <a:avLst/>
-          </a:prstGeom>
-        </p:spPr>
-        <p:txBody>
-          <a:bodyPr vert="horz" lIns="91440" tIns="45720" rIns="91440" bIns="45720" rtlCol="0"/>
-          <a:lstStyle>
-            <a:lvl1pPr algn="r">
-              <a:defRPr sz="1200"/>
-            </a:lvl1pPr>
-          </a:lstStyle>
-          <a:p>
-            <a:fld id="{92569C2B-6F36-4CF3-B835-1BCA80CD0B5E}" type="datetimeFigureOut">
-              <a:rPr lang="ko-KR" altLang="en-US" smtClean="0"/>
-              <a:t>2011-10-07</a:t>
-            </a:fld>
-            <a:endParaRPr lang="ko-KR" altLang="en-US"/>
-          </a:p>
-        </p:txBody>
-      </p:sp>
-      <p:sp>
-        <p:nvSpPr>
-          <p:cNvPr id="4" name="바닥글 개체 틀 3"/>
-          <p:cNvSpPr>
-            <a:spLocks noGrp="1"/>
-          </p:cNvSpPr>
-          <p:nvPr>
-            <p:ph type="ftr" sz="quarter" idx="2"/>
-          </p:nvPr>
-        </p:nvSpPr>
-        <p:spPr>
-          <a:xfrm>
-            <a:off x="0" y="8685213"/>
-            <a:ext cx="2971800" cy="457200"/>
-          </a:xfrm>
-          <a:prstGeom prst="rect">
-            <a:avLst/>
-          </a:prstGeom>
-        </p:spPr>
-        <p:txBody>
-          <a:bodyPr vert="horz" lIns="91440" tIns="45720" rIns="91440" bIns="45720" rtlCol="0" anchor="b"/>
-          <a:lstStyle>
-            <a:lvl1pPr algn="l">
-              <a:defRPr sz="1200"/>
-            </a:lvl1pPr>
-          </a:lstStyle>
-          <a:p>
-            <a:endParaRPr lang="ko-KR" altLang="en-US"/>
-          </a:p>
-        </p:txBody>
-      </p:sp>
-      <p:sp>
-        <p:nvSpPr>
-          <p:cNvPr id="5" name="슬라이드 번호 개체 틀 4"/>
-          <p:cNvSpPr>
-            <a:spLocks noGrp="1"/>
-          </p:cNvSpPr>
-          <p:nvPr>
-            <p:ph type="sldNum" sz="quarter" idx="3"/>
-          </p:nvPr>
-        </p:nvSpPr>
-        <p:spPr>
-          <a:xfrm>
-            <a:off x="3884613" y="8685213"/>
-            <a:ext cx="2971800" cy="457200"/>
-          </a:xfrm>
-          <a:prstGeom prst="rect">
-            <a:avLst/>
-          </a:prstGeom>
-        </p:spPr>
-        <p:txBody>
-          <a:bodyPr vert="horz" lIns="91440" tIns="45720" rIns="91440" bIns="45720" rtlCol="0" anchor="b"/>
-          <a:lstStyle>
-            <a:lvl1pPr algn="r">
-              <a:defRPr sz="1200"/>
-            </a:lvl1pPr>
-          </a:lstStyle>
-          <a:p>
-            <a:fld id="{C0D95E0F-17FB-49F0-869E-FE5DAD29CA4A}" type="slidenum">
-              <a:rPr lang="ko-KR" altLang="en-US" smtClean="0"/>
-              <a:t>‹#›</a:t>
-            </a:fld>
-            <a:endParaRPr lang="ko-KR" altLang="en-US"/>
-          </a:p>
-        </p:txBody>
-      </p:sp>
-    </p:spTree>
-  </p:cSld>
-  <p:clrMap bg1="lt1" tx1="dk1" bg2="lt2" tx2="dk2" accent1="accent1" accent2="accent2" accent3="accent3" accent4="accent4" accent5="accent5" accent6="accent6" hlink="hlink" folHlink="folHlink"/>
-</p:handoutMaster>
-</file>
-
 <file path=ppt/notesMasters/notesMaster1.xml><?xml version="1.0" encoding="utf-8"?>
 <p:notesMaster xmlns:a="http://schemas.openxmlformats.org/drawingml/2006/main" xmlns:r="http://schemas.openxmlformats.org/officeDocument/2006/relationships" xmlns:p="http://schemas.openxmlformats.org/presentationml/2006/main">
   <p:cSld>
@@ -400,7 +230,7 @@
             <a:fld id="{C4830322-72D2-47BF-911B-0289EDDE055F}" type="datetimeFigureOut">
               <a:rPr lang="ko-KR" altLang="en-US" smtClean="0"/>
               <a:pPr/>
-              <a:t>2011-10-07</a:t>
+              <a:t>2011-10-13</a:t>
             </a:fld>
             <a:endParaRPr lang="ko-KR" altLang="en-US"/>
           </a:p>
@@ -734,7 +564,7 @@
             <a:fld id="{3E117BD5-8240-4A98-B2F9-2C1982F9B9C1}" type="slidenum">
               <a:rPr lang="ko-KR" altLang="en-US" smtClean="0"/>
               <a:pPr/>
-              <a:t>24</a:t>
+              <a:t>23</a:t>
             </a:fld>
             <a:endParaRPr lang="ko-KR" altLang="en-US"/>
           </a:p>
@@ -930,7 +760,7 @@
             <a:fld id="{AA9EE29E-734A-46CF-880B-D373735A4571}" type="datetimeFigureOut">
               <a:rPr lang="ko-KR" altLang="en-US" smtClean="0"/>
               <a:pPr/>
-              <a:t>2011-10-07</a:t>
+              <a:t>2011-10-13</a:t>
             </a:fld>
             <a:endParaRPr lang="ko-KR" altLang="en-US"/>
           </a:p>
@@ -1097,7 +927,7 @@
             <a:fld id="{AA9EE29E-734A-46CF-880B-D373735A4571}" type="datetimeFigureOut">
               <a:rPr lang="ko-KR" altLang="en-US" smtClean="0"/>
               <a:pPr/>
-              <a:t>2011-10-07</a:t>
+              <a:t>2011-10-13</a:t>
             </a:fld>
             <a:endParaRPr lang="ko-KR" altLang="en-US"/>
           </a:p>
@@ -1274,7 +1104,7 @@
             <a:fld id="{AA9EE29E-734A-46CF-880B-D373735A4571}" type="datetimeFigureOut">
               <a:rPr lang="ko-KR" altLang="en-US" smtClean="0"/>
               <a:pPr/>
-              <a:t>2011-10-07</a:t>
+              <a:t>2011-10-13</a:t>
             </a:fld>
             <a:endParaRPr lang="ko-KR" altLang="en-US"/>
           </a:p>
@@ -1441,7 +1271,7 @@
             <a:fld id="{AA9EE29E-734A-46CF-880B-D373735A4571}" type="datetimeFigureOut">
               <a:rPr lang="ko-KR" altLang="en-US" smtClean="0"/>
               <a:pPr/>
-              <a:t>2011-10-07</a:t>
+              <a:t>2011-10-13</a:t>
             </a:fld>
             <a:endParaRPr lang="ko-KR" altLang="en-US"/>
           </a:p>
@@ -1684,7 +1514,7 @@
             <a:fld id="{AA9EE29E-734A-46CF-880B-D373735A4571}" type="datetimeFigureOut">
               <a:rPr lang="ko-KR" altLang="en-US" smtClean="0"/>
               <a:pPr/>
-              <a:t>2011-10-07</a:t>
+              <a:t>2011-10-13</a:t>
             </a:fld>
             <a:endParaRPr lang="ko-KR" altLang="en-US"/>
           </a:p>
@@ -1969,7 +1799,7 @@
             <a:fld id="{AA9EE29E-734A-46CF-880B-D373735A4571}" type="datetimeFigureOut">
               <a:rPr lang="ko-KR" altLang="en-US" smtClean="0"/>
               <a:pPr/>
-              <a:t>2011-10-07</a:t>
+              <a:t>2011-10-13</a:t>
             </a:fld>
             <a:endParaRPr lang="ko-KR" altLang="en-US"/>
           </a:p>
@@ -2388,7 +2218,7 @@
             <a:fld id="{AA9EE29E-734A-46CF-880B-D373735A4571}" type="datetimeFigureOut">
               <a:rPr lang="ko-KR" altLang="en-US" smtClean="0"/>
               <a:pPr/>
-              <a:t>2011-10-07</a:t>
+              <a:t>2011-10-13</a:t>
             </a:fld>
             <a:endParaRPr lang="ko-KR" altLang="en-US"/>
           </a:p>
@@ -2503,7 +2333,7 @@
             <a:fld id="{AA9EE29E-734A-46CF-880B-D373735A4571}" type="datetimeFigureOut">
               <a:rPr lang="ko-KR" altLang="en-US" smtClean="0"/>
               <a:pPr/>
-              <a:t>2011-10-07</a:t>
+              <a:t>2011-10-13</a:t>
             </a:fld>
             <a:endParaRPr lang="ko-KR" altLang="en-US"/>
           </a:p>
@@ -2595,7 +2425,7 @@
             <a:fld id="{AA9EE29E-734A-46CF-880B-D373735A4571}" type="datetimeFigureOut">
               <a:rPr lang="ko-KR" altLang="en-US" smtClean="0"/>
               <a:pPr/>
-              <a:t>2011-10-07</a:t>
+              <a:t>2011-10-13</a:t>
             </a:fld>
             <a:endParaRPr lang="ko-KR" altLang="en-US"/>
           </a:p>
@@ -2869,7 +2699,7 @@
             <a:fld id="{AA9EE29E-734A-46CF-880B-D373735A4571}" type="datetimeFigureOut">
               <a:rPr lang="ko-KR" altLang="en-US" smtClean="0"/>
               <a:pPr/>
-              <a:t>2011-10-07</a:t>
+              <a:t>2011-10-13</a:t>
             </a:fld>
             <a:endParaRPr lang="ko-KR" altLang="en-US"/>
           </a:p>
@@ -3119,7 +2949,7 @@
             <a:fld id="{AA9EE29E-734A-46CF-880B-D373735A4571}" type="datetimeFigureOut">
               <a:rPr lang="ko-KR" altLang="en-US" smtClean="0"/>
               <a:pPr/>
-              <a:t>2011-10-07</a:t>
+              <a:t>2011-10-13</a:t>
             </a:fld>
             <a:endParaRPr lang="ko-KR" altLang="en-US"/>
           </a:p>
@@ -3329,7 +3159,7 @@
             <a:fld id="{AA9EE29E-734A-46CF-880B-D373735A4571}" type="datetimeFigureOut">
               <a:rPr lang="ko-KR" altLang="en-US" smtClean="0"/>
               <a:pPr/>
-              <a:t>2011-10-07</a:t>
+              <a:t>2011-10-13</a:t>
             </a:fld>
             <a:endParaRPr lang="ko-KR" altLang="en-US"/>
           </a:p>
@@ -6804,7 +6634,35 @@
             </a:r>
             <a:r>
               <a:rPr lang="ko-KR" altLang="en-US" sz="1400" dirty="0" smtClean="0"/>
-              <a:t>폴더로 이동</a:t>
+              <a:t>폴더 생성          </a:t>
+            </a:r>
+            <a:r>
+              <a:rPr lang="en-US" altLang="ko-KR" sz="1400" dirty="0" smtClean="0"/>
+              <a:t>---</a:t>
+            </a:r>
+            <a:r>
+              <a:rPr lang="en-US" altLang="ko-KR" sz="1400" dirty="0" smtClean="0">
+                <a:sym typeface="Wingdings" pitchFamily="2" charset="2"/>
+              </a:rPr>
+              <a:t> $ </a:t>
+            </a:r>
+            <a:r>
+              <a:rPr lang="en-US" altLang="ko-KR" sz="1400" dirty="0" err="1" smtClean="0">
+                <a:sym typeface="Wingdings" pitchFamily="2" charset="2"/>
+              </a:rPr>
+              <a:t>mkdir</a:t>
+            </a:r>
+            <a:r>
+              <a:rPr lang="en-US" altLang="ko-KR" sz="1400" dirty="0" smtClean="0">
+                <a:sym typeface="Wingdings" pitchFamily="2" charset="2"/>
+              </a:rPr>
+              <a:t> ~/.</a:t>
+            </a:r>
+            <a:r>
+              <a:rPr lang="en-US" altLang="ko-KR" sz="1400" dirty="0" err="1" smtClean="0">
+                <a:sym typeface="Wingdings" pitchFamily="2" charset="2"/>
+              </a:rPr>
+              <a:t>ssh</a:t>
             </a:r>
             <a:endParaRPr lang="en-US" altLang="ko-KR" sz="1400" dirty="0" smtClean="0"/>
           </a:p>
@@ -6814,8 +6672,8 @@
               <a:buChar char="-"/>
             </a:pPr>
             <a:r>
-              <a:rPr lang="en-US" altLang="ko-KR" sz="1400" dirty="0"/>
-              <a:t> </a:t>
+              <a:rPr lang="en-US" altLang="ko-KR" sz="1400" dirty="0" smtClean="0"/>
+              <a:t>  </a:t>
             </a:r>
             <a:r>
               <a:rPr lang="en-US" altLang="ko-KR" sz="1400" dirty="0" err="1" smtClean="0"/>
@@ -6836,6 +6694,22 @@
             <a:r>
               <a:rPr lang="ko-KR" altLang="en-US" sz="1400" dirty="0" smtClean="0"/>
               <a:t>를 입력</a:t>
+            </a:r>
+            <a:r>
+              <a:rPr lang="en-US" altLang="ko-KR" sz="1400" dirty="0" smtClean="0"/>
+              <a:t>	        ---&gt; $ </a:t>
+            </a:r>
+            <a:r>
+              <a:rPr lang="en-US" altLang="ko-KR" sz="1400" dirty="0" err="1" smtClean="0"/>
+              <a:t>cd</a:t>
+            </a:r>
+            <a:r>
+              <a:rPr lang="en-US" altLang="ko-KR" sz="1400" dirty="0" smtClean="0"/>
+              <a:t> ~/.</a:t>
+            </a:r>
+            <a:r>
+              <a:rPr lang="en-US" altLang="ko-KR" sz="1400" dirty="0" err="1" smtClean="0"/>
+              <a:t>ssh</a:t>
             </a:r>
             <a:endParaRPr lang="en-US" altLang="ko-KR" sz="1400" dirty="0" smtClean="0"/>
           </a:p>
@@ -7108,7 +6982,7 @@
         <p:spPr>
           <a:xfrm>
             <a:off x="1259632" y="2060848"/>
-            <a:ext cx="4876656" cy="2769989"/>
+            <a:ext cx="4220579" cy="2492990"/>
           </a:xfrm>
           <a:prstGeom prst="rect">
             <a:avLst/>
@@ -7131,209 +7005,116 @@
             </a:r>
             <a:r>
               <a:rPr lang="en-US" altLang="ko-KR" sz="1600" dirty="0" smtClean="0"/>
-              <a:t>SSH Key</a:t>
+              <a:t>SSH Key </a:t>
             </a:r>
             <a:r>
               <a:rPr lang="ko-KR" altLang="en-US" sz="1600" dirty="0" smtClean="0"/>
-              <a:t>가 이미 있다면 백업을 해두도록 합니다</a:t>
+              <a:t>를 생성해 보자</a:t>
             </a:r>
             <a:r>
               <a:rPr lang="en-US" altLang="ko-KR" sz="1600" dirty="0" smtClean="0"/>
-              <a:t>.</a:t>
-            </a:r>
+              <a:t>!</a:t>
+            </a:r>
+          </a:p>
+          <a:p>
+            <a:r>
+              <a:rPr lang="en-US" altLang="ko-KR" sz="1400" dirty="0"/>
+              <a:t> </a:t>
+            </a:r>
+            <a:endParaRPr lang="en-US" altLang="ko-KR" sz="1400" dirty="0" smtClean="0"/>
           </a:p>
           <a:p>
             <a:pPr>
               <a:buFontTx/>
               <a:buChar char="-"/>
             </a:pPr>
-            <a:endParaRPr lang="en-US" altLang="ko-KR" sz="1600" dirty="0" smtClean="0"/>
+            <a:r>
+              <a:rPr lang="ko-KR" altLang="en-US" sz="1400" dirty="0" smtClean="0"/>
+              <a:t> </a:t>
+            </a:r>
+            <a:r>
+              <a:rPr lang="en-US" altLang="ko-KR" sz="1400" dirty="0" err="1" smtClean="0"/>
+              <a:t>ssh-keygen</a:t>
+            </a:r>
+            <a:r>
+              <a:rPr lang="en-US" altLang="ko-KR" sz="1400" dirty="0" smtClean="0"/>
+              <a:t> –t </a:t>
+            </a:r>
+            <a:r>
+              <a:rPr lang="en-US" altLang="ko-KR" sz="1400" dirty="0" err="1" smtClean="0"/>
+              <a:t>rsa</a:t>
+            </a:r>
+            <a:r>
+              <a:rPr lang="en-US" altLang="ko-KR" sz="1400" dirty="0" smtClean="0"/>
+              <a:t> –C “</a:t>
+            </a:r>
+            <a:r>
+              <a:rPr lang="ko-KR" altLang="en-US" sz="1400" dirty="0" err="1" smtClean="0"/>
+              <a:t>이메일</a:t>
+            </a:r>
+            <a:r>
+              <a:rPr lang="en-US" altLang="ko-KR" sz="1400" dirty="0" smtClean="0"/>
+              <a:t>”</a:t>
+            </a:r>
+          </a:p>
+          <a:p>
+            <a:endParaRPr lang="en-US" altLang="ko-KR" sz="1400" dirty="0" smtClean="0"/>
+          </a:p>
+          <a:p>
+            <a:endParaRPr lang="en-US" altLang="ko-KR" sz="1400" dirty="0"/>
+          </a:p>
+          <a:p>
+            <a:endParaRPr lang="en-US" altLang="ko-KR" sz="1400" dirty="0" smtClean="0"/>
+          </a:p>
+          <a:p>
+            <a:endParaRPr lang="en-US" altLang="ko-KR" sz="1400" dirty="0"/>
+          </a:p>
+          <a:p>
+            <a:endParaRPr lang="en-US" altLang="ko-KR" sz="1400" dirty="0" smtClean="0"/>
+          </a:p>
+          <a:p>
+            <a:endParaRPr lang="en-US" altLang="ko-KR" sz="1400" dirty="0"/>
+          </a:p>
+          <a:p>
+            <a:r>
+              <a:rPr lang="en-US" altLang="ko-KR" sz="1400" dirty="0" smtClean="0"/>
+              <a:t>Ok… .</a:t>
+            </a:r>
+            <a:r>
+              <a:rPr lang="en-US" altLang="ko-KR" sz="1400" dirty="0" err="1" smtClean="0"/>
+              <a:t>ssh</a:t>
+            </a:r>
+            <a:r>
+              <a:rPr lang="en-US" altLang="ko-KR" sz="1400" dirty="0" smtClean="0"/>
+              <a:t> </a:t>
+            </a:r>
+            <a:r>
+              <a:rPr lang="ko-KR" altLang="en-US" sz="1400" dirty="0" smtClean="0"/>
+              <a:t>폴더 하단에 </a:t>
+            </a:r>
+            <a:r>
+              <a:rPr lang="en-US" altLang="ko-KR" sz="1400" dirty="0" err="1" smtClean="0"/>
+              <a:t>id_rsa</a:t>
+            </a:r>
+            <a:r>
+              <a:rPr lang="en-US" altLang="ko-KR" sz="1400" dirty="0" smtClean="0"/>
+              <a:t> </a:t>
+            </a:r>
+            <a:r>
+              <a:rPr lang="ko-KR" altLang="en-US" sz="1400" dirty="0" smtClean="0"/>
+              <a:t>파일이 만들어 졌음</a:t>
+            </a:r>
+            <a:r>
+              <a:rPr lang="en-US" altLang="ko-KR" sz="1400" dirty="0" smtClean="0"/>
+              <a:t>~</a:t>
+            </a:r>
           </a:p>
           <a:p>
             <a:pPr>
               <a:buFontTx/>
               <a:buChar char="-"/>
             </a:pPr>
-            <a:r>
-              <a:rPr lang="en-US" altLang="ko-KR" sz="1600" dirty="0"/>
-              <a:t> </a:t>
-            </a:r>
-            <a:r>
-              <a:rPr lang="ko-KR" altLang="en-US" sz="1600" dirty="0" smtClean="0"/>
-              <a:t>아래와 같이 차례대로 파일 확인</a:t>
-            </a:r>
-            <a:r>
-              <a:rPr lang="en-US" altLang="ko-KR" sz="1600" dirty="0" smtClean="0"/>
-              <a:t>(</a:t>
-            </a:r>
-            <a:r>
-              <a:rPr lang="en-US" altLang="ko-KR" sz="1600" dirty="0" err="1" smtClean="0"/>
-              <a:t>ls</a:t>
-            </a:r>
-            <a:r>
-              <a:rPr lang="en-US" altLang="ko-KR" sz="1600" dirty="0" smtClean="0"/>
-              <a:t>)</a:t>
-            </a:r>
-          </a:p>
-          <a:p>
-            <a:pPr>
-              <a:buFontTx/>
-              <a:buChar char="-"/>
-            </a:pPr>
-            <a:r>
-              <a:rPr lang="en-US" altLang="ko-KR" sz="1600" dirty="0" smtClean="0"/>
-              <a:t> </a:t>
-            </a:r>
-            <a:r>
-              <a:rPr lang="ko-KR" altLang="en-US" sz="1600" dirty="0" smtClean="0"/>
-              <a:t>백업</a:t>
-            </a:r>
-            <a:r>
-              <a:rPr lang="en-US" altLang="ko-KR" sz="1600" dirty="0" smtClean="0"/>
-              <a:t> </a:t>
-            </a:r>
-            <a:r>
-              <a:rPr lang="ko-KR" altLang="en-US" sz="1600" dirty="0" smtClean="0"/>
-              <a:t>폴더 생성</a:t>
-            </a:r>
-            <a:r>
-              <a:rPr lang="en-US" altLang="ko-KR" sz="1600" dirty="0" smtClean="0"/>
-              <a:t>(</a:t>
-            </a:r>
-            <a:r>
-              <a:rPr lang="en-US" altLang="ko-KR" sz="1600" dirty="0" err="1" smtClean="0"/>
-              <a:t>mkdir</a:t>
-            </a:r>
-            <a:r>
-              <a:rPr lang="ko-KR" altLang="en-US" sz="1600" dirty="0" smtClean="0"/>
-              <a:t> </a:t>
-            </a:r>
-            <a:r>
-              <a:rPr lang="en-US" altLang="ko-KR" sz="1600" dirty="0" err="1" smtClean="0"/>
-              <a:t>key_backup</a:t>
-            </a:r>
-            <a:r>
-              <a:rPr lang="en-US" altLang="ko-KR" sz="1600" dirty="0" smtClean="0"/>
-              <a:t>) </a:t>
-            </a:r>
-          </a:p>
-          <a:p>
-            <a:pPr>
-              <a:buFontTx/>
-              <a:buChar char="-"/>
-            </a:pPr>
-            <a:r>
-              <a:rPr lang="ko-KR" altLang="en-US" sz="1600" dirty="0" smtClean="0"/>
-              <a:t> </a:t>
-            </a:r>
-            <a:r>
-              <a:rPr lang="en-US" altLang="ko-KR" sz="1600" dirty="0" smtClean="0"/>
-              <a:t>key</a:t>
-            </a:r>
-            <a:r>
-              <a:rPr lang="ko-KR" altLang="en-US" sz="1600" dirty="0" smtClean="0"/>
-              <a:t> 복사 후 이동</a:t>
-            </a:r>
-            <a:r>
-              <a:rPr lang="en-US" altLang="ko-KR" sz="1600" dirty="0" smtClean="0"/>
-              <a:t>(cp </a:t>
-            </a:r>
-            <a:r>
-              <a:rPr lang="en-US" altLang="ko-KR" sz="1600" dirty="0" err="1" smtClean="0"/>
-              <a:t>id_rsa</a:t>
-            </a:r>
-            <a:r>
-              <a:rPr lang="en-US" altLang="ko-KR" sz="1600" dirty="0" smtClean="0"/>
-              <a:t>* </a:t>
-            </a:r>
-            <a:r>
-              <a:rPr lang="en-US" altLang="ko-KR" sz="1600" dirty="0" err="1" smtClean="0"/>
-              <a:t>key_backup</a:t>
-            </a:r>
-            <a:r>
-              <a:rPr lang="en-US" altLang="ko-KR" sz="1600" dirty="0" smtClean="0"/>
-              <a:t>)</a:t>
-            </a:r>
-          </a:p>
-          <a:p>
-            <a:pPr>
-              <a:buFontTx/>
-              <a:buChar char="-"/>
-            </a:pPr>
-            <a:r>
-              <a:rPr lang="en-US" altLang="ko-KR" sz="1600" dirty="0"/>
-              <a:t> </a:t>
-            </a:r>
-            <a:r>
-              <a:rPr lang="en-US" altLang="ko-KR" sz="1600" dirty="0" smtClean="0"/>
-              <a:t>key </a:t>
-            </a:r>
-            <a:r>
-              <a:rPr lang="ko-KR" altLang="en-US" sz="1600" dirty="0" smtClean="0"/>
-              <a:t>삭제</a:t>
-            </a:r>
-            <a:r>
-              <a:rPr lang="en-US" altLang="ko-KR" sz="1600" dirty="0" smtClean="0"/>
-              <a:t>(</a:t>
-            </a:r>
-            <a:r>
-              <a:rPr lang="en-US" altLang="ko-KR" sz="1600" dirty="0" err="1" smtClean="0"/>
-              <a:t>rm</a:t>
-            </a:r>
-            <a:r>
-              <a:rPr lang="en-US" altLang="ko-KR" sz="1600" dirty="0" smtClean="0"/>
-              <a:t> id </a:t>
-            </a:r>
-            <a:r>
-              <a:rPr lang="en-US" altLang="ko-KR" sz="1600" dirty="0" err="1" smtClean="0"/>
-              <a:t>rsa</a:t>
-            </a:r>
-            <a:r>
-              <a:rPr lang="en-US" altLang="ko-KR" sz="1600" dirty="0" smtClean="0"/>
-              <a:t>*)</a:t>
-            </a:r>
-          </a:p>
-          <a:p>
-            <a:pPr>
-              <a:buFontTx/>
-              <a:buChar char="-"/>
-            </a:pPr>
-            <a:endParaRPr lang="en-US" altLang="ko-KR" sz="1600" dirty="0"/>
-          </a:p>
-          <a:p>
-            <a:r>
-              <a:rPr lang="en-US" altLang="ko-KR" sz="1600" dirty="0" smtClean="0"/>
-              <a:t>++ </a:t>
-            </a:r>
-            <a:r>
-              <a:rPr lang="ko-KR" altLang="en-US" sz="1600" dirty="0" smtClean="0"/>
-              <a:t>그냥 윈도우 탐색기에서 파일 있는지 확인하고 </a:t>
-            </a:r>
-            <a:endParaRPr lang="en-US" altLang="ko-KR" sz="1600" dirty="0" smtClean="0"/>
-          </a:p>
-          <a:p>
-            <a:r>
-              <a:rPr lang="ko-KR" altLang="en-US" sz="1600" dirty="0" smtClean="0"/>
-              <a:t>백업 폴더 만들어서 이동시키면 된다</a:t>
-            </a:r>
-            <a:r>
-              <a:rPr lang="en-US" altLang="ko-KR" sz="1600" dirty="0" smtClean="0"/>
-              <a:t>.</a:t>
-            </a:r>
-          </a:p>
-          <a:p>
-            <a:pPr>
-              <a:buFontTx/>
-              <a:buChar char="-"/>
-            </a:pPr>
-            <a:endParaRPr lang="en-US" altLang="ko-KR" sz="1600" dirty="0" smtClean="0"/>
-          </a:p>
-          <a:p>
-            <a:pPr>
-              <a:buFontTx/>
-              <a:buChar char="-"/>
-            </a:pPr>
-            <a:endParaRPr lang="ko-KR" altLang="en-US" sz="1400" dirty="0" smtClean="0"/>
+            <a:endParaRPr lang="ko-KR" altLang="en-US" sz="1400" dirty="0"/>
           </a:p>
         </p:txBody>
       </p:sp>
@@ -7400,7 +7181,7 @@
       </p:sp>
       <p:pic>
         <p:nvPicPr>
-          <p:cNvPr id="13314" name="Picture 2"/>
+          <p:cNvPr id="14339" name="Picture 3" descr="C:\Documents and Settings\budlbaram\바탕 화면\git hub\github SSH Key generate.jpg"/>
           <p:cNvPicPr>
             <a:picLocks noChangeAspect="1" noChangeArrowheads="1"/>
           </p:cNvPicPr>
@@ -7415,74 +7196,18 @@
         </p:blipFill>
         <p:spPr bwMode="auto">
           <a:xfrm>
-            <a:off x="1331640" y="4725144"/>
-            <a:ext cx="5133975" cy="800100"/>
+            <a:off x="1331640" y="3140968"/>
+            <a:ext cx="6324600" cy="752475"/>
           </a:xfrm>
           <a:prstGeom prst="rect">
             <a:avLst/>
           </a:prstGeom>
           <a:noFill/>
-          <a:ln w="9525">
-            <a:noFill/>
-            <a:miter lim="800000"/>
-            <a:headEnd/>
-            <a:tailEnd/>
-          </a:ln>
         </p:spPr>
       </p:pic>
       <p:sp>
         <p:nvSpPr>
           <p:cNvPr id="9" name="TextBox 8"/>
-          <p:cNvSpPr txBox="1"/>
-          <p:nvPr/>
-        </p:nvSpPr>
-        <p:spPr>
-          <a:xfrm>
-            <a:off x="1259632" y="5589240"/>
-            <a:ext cx="3826689" cy="307777"/>
-          </a:xfrm>
-          <a:prstGeom prst="rect">
-            <a:avLst/>
-          </a:prstGeom>
-          <a:noFill/>
-        </p:spPr>
-        <p:txBody>
-          <a:bodyPr wrap="none" rtlCol="0">
-            <a:spAutoFit/>
-          </a:bodyPr>
-          <a:lstStyle/>
-          <a:p>
-            <a:r>
-              <a:rPr lang="ko-KR" altLang="en-US" sz="1400" dirty="0" smtClean="0"/>
-              <a:t>홈페이지 내용 </a:t>
-            </a:r>
-            <a:r>
-              <a:rPr lang="ko-KR" altLang="en-US" sz="1400" dirty="0" err="1" smtClean="0"/>
-              <a:t>캡처</a:t>
-            </a:r>
-            <a:r>
-              <a:rPr lang="en-US" altLang="ko-KR" sz="1400" dirty="0" smtClean="0"/>
-              <a:t>(</a:t>
-            </a:r>
-            <a:r>
-              <a:rPr lang="ko-KR" altLang="en-US" sz="1400" dirty="0" smtClean="0"/>
-              <a:t>우린 처음이니 </a:t>
-            </a:r>
-            <a:r>
-              <a:rPr lang="ko-KR" altLang="en-US" sz="1400" dirty="0" err="1" smtClean="0"/>
-              <a:t>필요없다</a:t>
-            </a:r>
-            <a:r>
-              <a:rPr lang="en-US" altLang="ko-KR" sz="1400" dirty="0" smtClean="0"/>
-              <a:t>!)</a:t>
-            </a:r>
-            <a:endParaRPr lang="ko-KR" altLang="en-US" sz="1400" dirty="0"/>
-          </a:p>
-        </p:txBody>
-      </p:sp>
-      <p:sp>
-        <p:nvSpPr>
-          <p:cNvPr id="10" name="TextBox 9"/>
           <p:cNvSpPr txBox="1"/>
           <p:nvPr/>
         </p:nvSpPr>
@@ -7567,7 +7292,7 @@
         <p:spPr>
           <a:xfrm>
             <a:off x="1259632" y="2060848"/>
-            <a:ext cx="4220579" cy="2492990"/>
+            <a:ext cx="5184433" cy="2708434"/>
           </a:xfrm>
           <a:prstGeom prst="rect">
             <a:avLst/>
@@ -7590,16 +7315,17 @@
             </a:r>
             <a:r>
               <a:rPr lang="en-US" altLang="ko-KR" sz="1600" dirty="0" smtClean="0"/>
-              <a:t>SSH Key </a:t>
+              <a:t>passphrase </a:t>
             </a:r>
             <a:r>
               <a:rPr lang="ko-KR" altLang="en-US" sz="1600" dirty="0" smtClean="0"/>
-              <a:t>를 생성해 보자</a:t>
-            </a:r>
-            <a:r>
-              <a:rPr lang="en-US" altLang="ko-KR" sz="1600" dirty="0" smtClean="0"/>
-              <a:t>!</a:t>
-            </a:r>
+              <a:t>입</a:t>
+            </a:r>
+            <a:r>
+              <a:rPr lang="ko-KR" altLang="en-US" sz="1600" dirty="0"/>
+              <a:t>력</a:t>
+            </a:r>
+            <a:endParaRPr lang="en-US" altLang="ko-KR" sz="1600" dirty="0" smtClean="0"/>
           </a:p>
           <a:p>
             <a:r>
@@ -7614,92 +7340,128 @@
               <a:buChar char="-"/>
             </a:pPr>
             <a:r>
+              <a:rPr lang="en-US" altLang="ko-KR" sz="1400" dirty="0" smtClean="0"/>
+              <a:t> </a:t>
+            </a:r>
+            <a:r>
               <a:rPr lang="ko-KR" altLang="en-US" sz="1400" dirty="0" smtClean="0"/>
-              <a:t> </a:t>
-            </a:r>
-            <a:r>
-              <a:rPr lang="en-US" altLang="ko-KR" sz="1400" dirty="0" err="1" smtClean="0"/>
-              <a:t>ssh-keygen</a:t>
-            </a:r>
-            <a:r>
-              <a:rPr lang="en-US" altLang="ko-KR" sz="1400" dirty="0" smtClean="0"/>
-              <a:t> –t </a:t>
-            </a:r>
-            <a:r>
-              <a:rPr lang="en-US" altLang="ko-KR" sz="1400" dirty="0" err="1" smtClean="0"/>
-              <a:t>rsa</a:t>
-            </a:r>
-            <a:r>
-              <a:rPr lang="en-US" altLang="ko-KR" sz="1400" dirty="0" smtClean="0"/>
-              <a:t> –C “</a:t>
+              <a:t>비밀번호에 해당하는 </a:t>
             </a:r>
             <a:r>
               <a:rPr lang="ko-KR" altLang="en-US" sz="1400" dirty="0" err="1" smtClean="0"/>
-              <a:t>이메일</a:t>
-            </a:r>
-            <a:r>
-              <a:rPr lang="en-US" altLang="ko-KR" sz="1400" dirty="0" smtClean="0"/>
-              <a:t>”</a:t>
-            </a:r>
-          </a:p>
-          <a:p>
+              <a:t>패스프레즈</a:t>
+            </a:r>
+            <a:r>
+              <a:rPr lang="ko-KR" altLang="en-US" sz="1400" dirty="0" smtClean="0"/>
+              <a:t> 입력 </a:t>
+            </a:r>
             <a:endParaRPr lang="en-US" altLang="ko-KR" sz="1400" dirty="0" smtClean="0"/>
-          </a:p>
-          <a:p>
-            <a:endParaRPr lang="en-US" altLang="ko-KR" sz="1400" dirty="0"/>
-          </a:p>
-          <a:p>
-            <a:endParaRPr lang="en-US" altLang="ko-KR" sz="1400" dirty="0" smtClean="0"/>
-          </a:p>
-          <a:p>
-            <a:endParaRPr lang="en-US" altLang="ko-KR" sz="1400" dirty="0"/>
-          </a:p>
-          <a:p>
-            <a:endParaRPr lang="en-US" altLang="ko-KR" sz="1400" dirty="0" smtClean="0"/>
-          </a:p>
-          <a:p>
-            <a:endParaRPr lang="en-US" altLang="ko-KR" sz="1400" dirty="0"/>
-          </a:p>
-          <a:p>
-            <a:r>
-              <a:rPr lang="en-US" altLang="ko-KR" sz="1400" dirty="0" smtClean="0"/>
-              <a:t>Ok… .</a:t>
-            </a:r>
-            <a:r>
-              <a:rPr lang="en-US" altLang="ko-KR" sz="1400" dirty="0" err="1" smtClean="0"/>
-              <a:t>ssh</a:t>
-            </a:r>
-            <a:r>
-              <a:rPr lang="en-US" altLang="ko-KR" sz="1400" dirty="0" smtClean="0"/>
-              <a:t> </a:t>
-            </a:r>
-            <a:r>
-              <a:rPr lang="ko-KR" altLang="en-US" sz="1400" dirty="0" smtClean="0"/>
-              <a:t>폴더 하단에 </a:t>
-            </a:r>
-            <a:r>
-              <a:rPr lang="en-US" altLang="ko-KR" sz="1400" dirty="0" err="1" smtClean="0"/>
-              <a:t>id_rsa</a:t>
-            </a:r>
-            <a:r>
-              <a:rPr lang="en-US" altLang="ko-KR" sz="1400" dirty="0" smtClean="0"/>
-              <a:t> </a:t>
-            </a:r>
-            <a:r>
-              <a:rPr lang="ko-KR" altLang="en-US" sz="1400" dirty="0" smtClean="0"/>
-              <a:t>파일이 만들어 졌음</a:t>
-            </a:r>
-            <a:r>
-              <a:rPr lang="en-US" altLang="ko-KR" sz="1400" dirty="0" smtClean="0"/>
-              <a:t>~</a:t>
-            </a:r>
           </a:p>
           <a:p>
             <a:pPr>
               <a:buFontTx/>
               <a:buChar char="-"/>
             </a:pPr>
-            <a:endParaRPr lang="ko-KR" altLang="en-US" sz="1400" dirty="0"/>
+            <a:r>
+              <a:rPr lang="en-US" altLang="ko-KR" sz="1400" dirty="0">
+                <a:solidFill>
+                  <a:srgbClr val="FF0000"/>
+                </a:solidFill>
+              </a:rPr>
+              <a:t> </a:t>
+            </a:r>
+            <a:r>
+              <a:rPr lang="ko-KR" altLang="en-US" sz="1400" dirty="0" err="1" smtClean="0">
+                <a:solidFill>
+                  <a:srgbClr val="FF0000"/>
+                </a:solidFill>
+              </a:rPr>
+              <a:t>엔터만</a:t>
+            </a:r>
+            <a:r>
+              <a:rPr lang="ko-KR" altLang="en-US" sz="1400" dirty="0" smtClean="0">
+                <a:solidFill>
+                  <a:srgbClr val="FF0000"/>
+                </a:solidFill>
+              </a:rPr>
+              <a:t> 쳐도 </a:t>
+            </a:r>
+            <a:r>
+              <a:rPr lang="ko-KR" altLang="en-US" sz="1400" dirty="0" err="1" smtClean="0">
+                <a:solidFill>
+                  <a:srgbClr val="FF0000"/>
+                </a:solidFill>
+              </a:rPr>
+              <a:t>되긴한답니다</a:t>
+            </a:r>
+            <a:r>
+              <a:rPr lang="en-US" altLang="ko-KR" sz="1400" dirty="0" smtClean="0">
+                <a:solidFill>
+                  <a:srgbClr val="FF0000"/>
+                </a:solidFill>
+              </a:rPr>
+              <a:t>.</a:t>
+            </a:r>
+          </a:p>
+          <a:p>
+            <a:pPr>
+              <a:buFontTx/>
+              <a:buChar char="-"/>
+            </a:pPr>
+            <a:r>
+              <a:rPr lang="en-US" altLang="ko-KR" sz="1400" dirty="0"/>
+              <a:t> </a:t>
+            </a:r>
+            <a:r>
+              <a:rPr lang="ko-KR" altLang="en-US" sz="1400" dirty="0" err="1" smtClean="0"/>
+              <a:t>압호쳐도</a:t>
+            </a:r>
+            <a:r>
+              <a:rPr lang="ko-KR" altLang="en-US" sz="1400" dirty="0" smtClean="0"/>
+              <a:t> 화면에 표시되지 않으니 당황하지 않길 </a:t>
+            </a:r>
+            <a:r>
+              <a:rPr lang="ko-KR" altLang="en-US" sz="1400" dirty="0" err="1" smtClean="0"/>
+              <a:t>바랍니데이</a:t>
+            </a:r>
+            <a:endParaRPr lang="en-US" altLang="ko-KR" sz="1400" dirty="0" smtClean="0"/>
+          </a:p>
+          <a:p>
+            <a:endParaRPr lang="en-US" altLang="ko-KR" sz="1400" dirty="0" smtClean="0"/>
+          </a:p>
+          <a:p>
+            <a:endParaRPr lang="en-US" altLang="ko-KR" sz="1400" dirty="0"/>
+          </a:p>
+          <a:p>
+            <a:endParaRPr lang="en-US" altLang="ko-KR" sz="1400" dirty="0" smtClean="0"/>
+          </a:p>
+          <a:p>
+            <a:endParaRPr lang="en-US" altLang="ko-KR" sz="1400" dirty="0" smtClean="0"/>
+          </a:p>
+          <a:p>
+            <a:r>
+              <a:rPr lang="en-US" altLang="ko-KR" sz="1400" dirty="0" smtClean="0"/>
+              <a:t>- </a:t>
+            </a:r>
+            <a:r>
+              <a:rPr lang="ko-KR" altLang="en-US" sz="1400" dirty="0" err="1" smtClean="0"/>
+              <a:t>오메나</a:t>
+            </a:r>
+            <a:r>
+              <a:rPr lang="ko-KR" altLang="en-US" sz="1400" dirty="0" smtClean="0"/>
+              <a:t> 생성 완료</a:t>
+            </a:r>
+            <a:r>
+              <a:rPr lang="en-US" altLang="ko-KR" sz="1400" dirty="0" smtClean="0"/>
+              <a:t>!</a:t>
+            </a:r>
+            <a:endParaRPr lang="en-US" altLang="ko-KR" sz="1400" dirty="0"/>
+          </a:p>
+          <a:p>
+            <a:endParaRPr lang="en-US" altLang="ko-KR" sz="1400" dirty="0" smtClean="0"/>
+          </a:p>
+          <a:p>
+            <a:endParaRPr lang="en-US" altLang="ko-KR" sz="1400" dirty="0" smtClean="0"/>
           </a:p>
         </p:txBody>
       </p:sp>
@@ -7766,14 +7528,14 @@
       </p:sp>
       <p:pic>
         <p:nvPicPr>
-          <p:cNvPr id="14339" name="Picture 3" descr="C:\Documents and Settings\budlbaram\바탕 화면\git hub\github SSH Key generate.jpg"/>
+          <p:cNvPr id="15362" name="Picture 2" descr="C:\Documents and Settings\budlbaram\바탕 화면\git hub\github need passphrase.jpg"/>
           <p:cNvPicPr>
             <a:picLocks noChangeAspect="1" noChangeArrowheads="1"/>
           </p:cNvPicPr>
           <p:nvPr/>
         </p:nvPicPr>
         <p:blipFill>
-          <a:blip r:embed="rId2" cstate="print"/>
+          <a:blip r:embed="rId3" cstate="print"/>
           <a:srcRect/>
           <a:stretch>
             <a:fillRect/>
@@ -7781,8 +7543,34 @@
         </p:blipFill>
         <p:spPr bwMode="auto">
           <a:xfrm>
-            <a:off x="1331640" y="3140968"/>
-            <a:ext cx="6324600" cy="752475"/>
+            <a:off x="1331640" y="3429000"/>
+            <a:ext cx="6248400" cy="323850"/>
+          </a:xfrm>
+          <a:prstGeom prst="rect">
+            <a:avLst/>
+          </a:prstGeom>
+          <a:noFill/>
+        </p:spPr>
+      </p:pic>
+      <p:pic>
+        <p:nvPicPr>
+          <p:cNvPr id="15363" name="Picture 3" descr="C:\Documents and Settings\budlbaram\바탕 화면\git hub\github SSH Key generate finish.jpg"/>
+          <p:cNvPicPr>
+            <a:picLocks noChangeAspect="1" noChangeArrowheads="1"/>
+          </p:cNvPicPr>
+          <p:nvPr/>
+        </p:nvPicPr>
+        <p:blipFill>
+          <a:blip r:embed="rId4" cstate="print"/>
+          <a:srcRect/>
+          <a:stretch>
+            <a:fillRect/>
+          </a:stretch>
+        </p:blipFill>
+        <p:spPr bwMode="auto">
+          <a:xfrm>
+            <a:off x="1331640" y="4434433"/>
+            <a:ext cx="6315075" cy="866775"/>
           </a:xfrm>
           <a:prstGeom prst="rect">
             <a:avLst/>
@@ -7852,359 +7640,6 @@
 </file>
 
 <file path=ppt/slides/slide24.xml><?xml version="1.0" encoding="utf-8"?>
-<p:sld xmlns:a="http://schemas.openxmlformats.org/drawingml/2006/main" xmlns:r="http://schemas.openxmlformats.org/officeDocument/2006/relationships" xmlns:p="http://schemas.openxmlformats.org/presentationml/2006/main">
-  <p:cSld>
-    <p:spTree>
-      <p:nvGrpSpPr>
-        <p:cNvPr id="1" name=""/>
-        <p:cNvGrpSpPr/>
-        <p:nvPr/>
-      </p:nvGrpSpPr>
-      <p:grpSpPr>
-        <a:xfrm>
-          <a:off x="0" y="0"/>
-          <a:ext cx="0" cy="0"/>
-          <a:chOff x="0" y="0"/>
-          <a:chExt cx="0" cy="0"/>
-        </a:xfrm>
-      </p:grpSpPr>
-      <p:sp>
-        <p:nvSpPr>
-          <p:cNvPr id="7" name="TextBox 6"/>
-          <p:cNvSpPr txBox="1"/>
-          <p:nvPr/>
-        </p:nvSpPr>
-        <p:spPr>
-          <a:xfrm>
-            <a:off x="1259632" y="2060848"/>
-            <a:ext cx="5184433" cy="2708434"/>
-          </a:xfrm>
-          <a:prstGeom prst="rect">
-            <a:avLst/>
-          </a:prstGeom>
-          <a:noFill/>
-        </p:spPr>
-        <p:txBody>
-          <a:bodyPr wrap="none" rtlCol="0">
-            <a:spAutoFit/>
-          </a:bodyPr>
-          <a:lstStyle/>
-          <a:p>
-            <a:pPr>
-              <a:buFontTx/>
-              <a:buChar char="-"/>
-            </a:pPr>
-            <a:r>
-              <a:rPr lang="ko-KR" altLang="en-US" sz="1600" dirty="0" smtClean="0"/>
-              <a:t> </a:t>
-            </a:r>
-            <a:r>
-              <a:rPr lang="en-US" altLang="ko-KR" sz="1600" dirty="0" smtClean="0"/>
-              <a:t>passphrase </a:t>
-            </a:r>
-            <a:r>
-              <a:rPr lang="ko-KR" altLang="en-US" sz="1600" dirty="0" smtClean="0"/>
-              <a:t>입</a:t>
-            </a:r>
-            <a:r>
-              <a:rPr lang="ko-KR" altLang="en-US" sz="1600" dirty="0"/>
-              <a:t>력</a:t>
-            </a:r>
-            <a:endParaRPr lang="en-US" altLang="ko-KR" sz="1600" dirty="0" smtClean="0"/>
-          </a:p>
-          <a:p>
-            <a:r>
-              <a:rPr lang="en-US" altLang="ko-KR" sz="1400" dirty="0"/>
-              <a:t> </a:t>
-            </a:r>
-            <a:endParaRPr lang="en-US" altLang="ko-KR" sz="1400" dirty="0" smtClean="0"/>
-          </a:p>
-          <a:p>
-            <a:pPr>
-              <a:buFontTx/>
-              <a:buChar char="-"/>
-            </a:pPr>
-            <a:r>
-              <a:rPr lang="en-US" altLang="ko-KR" sz="1400" dirty="0" smtClean="0"/>
-              <a:t> </a:t>
-            </a:r>
-            <a:r>
-              <a:rPr lang="ko-KR" altLang="en-US" sz="1400" dirty="0" smtClean="0"/>
-              <a:t>비밀번호에 해당하는 </a:t>
-            </a:r>
-            <a:r>
-              <a:rPr lang="ko-KR" altLang="en-US" sz="1400" dirty="0" err="1" smtClean="0"/>
-              <a:t>패스프레즈</a:t>
-            </a:r>
-            <a:r>
-              <a:rPr lang="ko-KR" altLang="en-US" sz="1400" dirty="0" smtClean="0"/>
-              <a:t> 입력 </a:t>
-            </a:r>
-            <a:endParaRPr lang="en-US" altLang="ko-KR" sz="1400" dirty="0" smtClean="0"/>
-          </a:p>
-          <a:p>
-            <a:pPr>
-              <a:buFontTx/>
-              <a:buChar char="-"/>
-            </a:pPr>
-            <a:r>
-              <a:rPr lang="en-US" altLang="ko-KR" sz="1400" dirty="0"/>
-              <a:t> </a:t>
-            </a:r>
-            <a:r>
-              <a:rPr lang="ko-KR" altLang="en-US" sz="1400" dirty="0" err="1" smtClean="0"/>
-              <a:t>엔터만</a:t>
-            </a:r>
-            <a:r>
-              <a:rPr lang="ko-KR" altLang="en-US" sz="1400" dirty="0" smtClean="0"/>
-              <a:t> 쳐도 </a:t>
-            </a:r>
-            <a:r>
-              <a:rPr lang="ko-KR" altLang="en-US" sz="1400" dirty="0" err="1" smtClean="0"/>
-              <a:t>되긴한답니다</a:t>
-            </a:r>
-            <a:r>
-              <a:rPr lang="en-US" altLang="ko-KR" sz="1400" dirty="0" smtClean="0"/>
-              <a:t>.</a:t>
-            </a:r>
-          </a:p>
-          <a:p>
-            <a:pPr>
-              <a:buFontTx/>
-              <a:buChar char="-"/>
-            </a:pPr>
-            <a:r>
-              <a:rPr lang="en-US" altLang="ko-KR" sz="1400" dirty="0"/>
-              <a:t> </a:t>
-            </a:r>
-            <a:r>
-              <a:rPr lang="ko-KR" altLang="en-US" sz="1400" dirty="0" err="1" smtClean="0"/>
-              <a:t>압호쳐도</a:t>
-            </a:r>
-            <a:r>
-              <a:rPr lang="ko-KR" altLang="en-US" sz="1400" dirty="0" smtClean="0"/>
-              <a:t> 화면에 표시되지 않으니 당황하지 않길 </a:t>
-            </a:r>
-            <a:r>
-              <a:rPr lang="ko-KR" altLang="en-US" sz="1400" dirty="0" err="1" smtClean="0"/>
-              <a:t>바랍니데이</a:t>
-            </a:r>
-            <a:endParaRPr lang="en-US" altLang="ko-KR" sz="1400" dirty="0" smtClean="0"/>
-          </a:p>
-          <a:p>
-            <a:endParaRPr lang="en-US" altLang="ko-KR" sz="1400" dirty="0" smtClean="0"/>
-          </a:p>
-          <a:p>
-            <a:endParaRPr lang="en-US" altLang="ko-KR" sz="1400" dirty="0"/>
-          </a:p>
-          <a:p>
-            <a:endParaRPr lang="en-US" altLang="ko-KR" sz="1400" dirty="0" smtClean="0"/>
-          </a:p>
-          <a:p>
-            <a:endParaRPr lang="en-US" altLang="ko-KR" sz="1400" dirty="0" smtClean="0"/>
-          </a:p>
-          <a:p>
-            <a:r>
-              <a:rPr lang="en-US" altLang="ko-KR" sz="1400" dirty="0" smtClean="0"/>
-              <a:t>- </a:t>
-            </a:r>
-            <a:r>
-              <a:rPr lang="ko-KR" altLang="en-US" sz="1400" dirty="0" err="1" smtClean="0"/>
-              <a:t>오메나</a:t>
-            </a:r>
-            <a:r>
-              <a:rPr lang="ko-KR" altLang="en-US" sz="1400" dirty="0" smtClean="0"/>
-              <a:t> 생성 완료</a:t>
-            </a:r>
-            <a:r>
-              <a:rPr lang="en-US" altLang="ko-KR" sz="1400" dirty="0" smtClean="0"/>
-              <a:t>!</a:t>
-            </a:r>
-            <a:endParaRPr lang="en-US" altLang="ko-KR" sz="1400" dirty="0"/>
-          </a:p>
-          <a:p>
-            <a:endParaRPr lang="en-US" altLang="ko-KR" sz="1400" dirty="0" smtClean="0"/>
-          </a:p>
-          <a:p>
-            <a:endParaRPr lang="en-US" altLang="ko-KR" sz="1400" dirty="0" smtClean="0"/>
-          </a:p>
-        </p:txBody>
-      </p:sp>
-      <p:sp>
-        <p:nvSpPr>
-          <p:cNvPr id="2" name="제목 1"/>
-          <p:cNvSpPr>
-            <a:spLocks noGrp="1"/>
-          </p:cNvSpPr>
-          <p:nvPr>
-            <p:ph type="title"/>
-          </p:nvPr>
-        </p:nvSpPr>
-        <p:spPr/>
-        <p:txBody>
-          <a:bodyPr/>
-          <a:lstStyle/>
-          <a:p>
-            <a:r>
-              <a:rPr lang="en-US" altLang="ko-KR" dirty="0" err="1" smtClean="0"/>
-              <a:t>Github</a:t>
-            </a:r>
-            <a:r>
-              <a:rPr lang="en-US" altLang="ko-KR" dirty="0" smtClean="0"/>
-              <a:t> </a:t>
-            </a:r>
-            <a:r>
-              <a:rPr lang="ko-KR" altLang="en-US" dirty="0" smtClean="0"/>
-              <a:t>설치</a:t>
-            </a:r>
-            <a:endParaRPr lang="ko-KR" altLang="en-US" dirty="0"/>
-          </a:p>
-        </p:txBody>
-      </p:sp>
-      <p:sp>
-        <p:nvSpPr>
-          <p:cNvPr id="8" name="TextBox 7"/>
-          <p:cNvSpPr txBox="1"/>
-          <p:nvPr/>
-        </p:nvSpPr>
-        <p:spPr>
-          <a:xfrm>
-            <a:off x="971600" y="1628800"/>
-            <a:ext cx="1723485" cy="369332"/>
-          </a:xfrm>
-          <a:prstGeom prst="rect">
-            <a:avLst/>
-          </a:prstGeom>
-          <a:noFill/>
-        </p:spPr>
-        <p:txBody>
-          <a:bodyPr wrap="none" rtlCol="0">
-            <a:spAutoFit/>
-          </a:bodyPr>
-          <a:lstStyle/>
-          <a:p>
-            <a:r>
-              <a:rPr lang="en-US" altLang="ko-KR" dirty="0" smtClean="0"/>
-              <a:t>2. Set SSH Key</a:t>
-            </a:r>
-            <a:endParaRPr lang="ko-KR" altLang="en-US" dirty="0"/>
-          </a:p>
-        </p:txBody>
-      </p:sp>
-      <p:pic>
-        <p:nvPicPr>
-          <p:cNvPr id="15362" name="Picture 2" descr="C:\Documents and Settings\budlbaram\바탕 화면\git hub\github need passphrase.jpg"/>
-          <p:cNvPicPr>
-            <a:picLocks noChangeAspect="1" noChangeArrowheads="1"/>
-          </p:cNvPicPr>
-          <p:nvPr/>
-        </p:nvPicPr>
-        <p:blipFill>
-          <a:blip r:embed="rId3" cstate="print"/>
-          <a:srcRect/>
-          <a:stretch>
-            <a:fillRect/>
-          </a:stretch>
-        </p:blipFill>
-        <p:spPr bwMode="auto">
-          <a:xfrm>
-            <a:off x="1331640" y="3429000"/>
-            <a:ext cx="6248400" cy="323850"/>
-          </a:xfrm>
-          <a:prstGeom prst="rect">
-            <a:avLst/>
-          </a:prstGeom>
-          <a:noFill/>
-        </p:spPr>
-      </p:pic>
-      <p:pic>
-        <p:nvPicPr>
-          <p:cNvPr id="15363" name="Picture 3" descr="C:\Documents and Settings\budlbaram\바탕 화면\git hub\github SSH Key generate finish.jpg"/>
-          <p:cNvPicPr>
-            <a:picLocks noChangeAspect="1" noChangeArrowheads="1"/>
-          </p:cNvPicPr>
-          <p:nvPr/>
-        </p:nvPicPr>
-        <p:blipFill>
-          <a:blip r:embed="rId4" cstate="print"/>
-          <a:srcRect/>
-          <a:stretch>
-            <a:fillRect/>
-          </a:stretch>
-        </p:blipFill>
-        <p:spPr bwMode="auto">
-          <a:xfrm>
-            <a:off x="1331640" y="4434433"/>
-            <a:ext cx="6315075" cy="866775"/>
-          </a:xfrm>
-          <a:prstGeom prst="rect">
-            <a:avLst/>
-          </a:prstGeom>
-          <a:noFill/>
-        </p:spPr>
-      </p:pic>
-      <p:sp>
-        <p:nvSpPr>
-          <p:cNvPr id="9" name="TextBox 8"/>
-          <p:cNvSpPr txBox="1"/>
-          <p:nvPr/>
-        </p:nvSpPr>
-        <p:spPr>
-          <a:xfrm>
-            <a:off x="971600" y="1268760"/>
-            <a:ext cx="2245102" cy="369332"/>
-          </a:xfrm>
-          <a:prstGeom prst="rect">
-            <a:avLst/>
-          </a:prstGeom>
-          <a:noFill/>
-        </p:spPr>
-        <p:txBody>
-          <a:bodyPr wrap="none" rtlCol="0">
-            <a:spAutoFit/>
-          </a:bodyPr>
-          <a:lstStyle/>
-          <a:p>
-            <a:r>
-              <a:rPr lang="en-US" altLang="ko-KR" b="1" dirty="0" smtClean="0"/>
-              <a:t>Step</a:t>
-            </a:r>
-            <a:r>
-              <a:rPr lang="ko-KR" altLang="en-US" b="1" dirty="0" smtClean="0"/>
-              <a:t> </a:t>
-            </a:r>
-            <a:r>
-              <a:rPr lang="en-US" altLang="ko-KR" b="1" dirty="0" smtClean="0"/>
-              <a:t>1. Set Up </a:t>
-            </a:r>
-            <a:r>
-              <a:rPr lang="en-US" altLang="ko-KR" b="1" dirty="0" err="1" smtClean="0"/>
-              <a:t>Git</a:t>
-            </a:r>
-            <a:r>
-              <a:rPr lang="ko-KR" altLang="en-US" b="1" dirty="0" smtClean="0"/>
-              <a:t> </a:t>
-            </a:r>
-            <a:endParaRPr lang="ko-KR" altLang="en-US" sz="1600" b="1" dirty="0"/>
-          </a:p>
-        </p:txBody>
-      </p:sp>
-    </p:spTree>
-  </p:cSld>
-  <p:clrMapOvr>
-    <a:masterClrMapping/>
-  </p:clrMapOvr>
-  <p:timing>
-    <p:tnLst>
-      <p:par>
-        <p:cTn id="1" dur="indefinite" restart="never" nodeType="tmRoot"/>
-      </p:par>
-    </p:tnLst>
-  </p:timing>
-</p:sld>
-</file>
-
-<file path=ppt/slides/slide25.xml><?xml version="1.0" encoding="utf-8"?>
 <p:sld xmlns:a="http://schemas.openxmlformats.org/drawingml/2006/main" xmlns:r="http://schemas.openxmlformats.org/officeDocument/2006/relationships" xmlns:p="http://schemas.openxmlformats.org/presentationml/2006/main">
   <p:cSld>
     <p:spTree>
@@ -8661,6 +8096,254 @@
 </p:sld>
 </file>
 
+<file path=ppt/slides/slide25.xml><?xml version="1.0" encoding="utf-8"?>
+<p:sld xmlns:a="http://schemas.openxmlformats.org/drawingml/2006/main" xmlns:r="http://schemas.openxmlformats.org/officeDocument/2006/relationships" xmlns:p="http://schemas.openxmlformats.org/presentationml/2006/main">
+  <p:cSld>
+    <p:spTree>
+      <p:nvGrpSpPr>
+        <p:cNvPr id="1" name=""/>
+        <p:cNvGrpSpPr/>
+        <p:nvPr/>
+      </p:nvGrpSpPr>
+      <p:grpSpPr>
+        <a:xfrm>
+          <a:off x="0" y="0"/>
+          <a:ext cx="0" cy="0"/>
+          <a:chOff x="0" y="0"/>
+          <a:chExt cx="0" cy="0"/>
+        </a:xfrm>
+      </p:grpSpPr>
+      <p:sp>
+        <p:nvSpPr>
+          <p:cNvPr id="7" name="TextBox 6"/>
+          <p:cNvSpPr txBox="1"/>
+          <p:nvPr/>
+        </p:nvSpPr>
+        <p:spPr>
+          <a:xfrm>
+            <a:off x="1259632" y="2060848"/>
+            <a:ext cx="5585568" cy="769441"/>
+          </a:xfrm>
+          <a:prstGeom prst="rect">
+            <a:avLst/>
+          </a:prstGeom>
+          <a:noFill/>
+        </p:spPr>
+        <p:txBody>
+          <a:bodyPr wrap="none" rtlCol="0">
+            <a:spAutoFit/>
+          </a:bodyPr>
+          <a:lstStyle/>
+          <a:p>
+            <a:pPr>
+              <a:buFontTx/>
+              <a:buChar char="-"/>
+            </a:pPr>
+            <a:r>
+              <a:rPr lang="ko-KR" altLang="en-US" sz="1600" dirty="0" smtClean="0"/>
+              <a:t> 그럼 이제 만들어진 </a:t>
+            </a:r>
+            <a:r>
+              <a:rPr lang="en-US" altLang="ko-KR" sz="1600" dirty="0" smtClean="0"/>
+              <a:t>SSH key </a:t>
+            </a:r>
+            <a:r>
+              <a:rPr lang="ko-KR" altLang="en-US" sz="1600" dirty="0" smtClean="0"/>
+              <a:t>를 </a:t>
+            </a:r>
+            <a:r>
+              <a:rPr lang="en-US" altLang="ko-KR" sz="1600" dirty="0" err="1" smtClean="0"/>
+              <a:t>Github</a:t>
+            </a:r>
+            <a:r>
+              <a:rPr lang="en-US" altLang="ko-KR" sz="1600" dirty="0" smtClean="0"/>
+              <a:t> </a:t>
+            </a:r>
+            <a:r>
+              <a:rPr lang="ko-KR" altLang="en-US" sz="1600" dirty="0" smtClean="0"/>
+              <a:t>에게 알려 볼까나</a:t>
+            </a:r>
+            <a:endParaRPr lang="en-US" altLang="ko-KR" sz="1600" dirty="0"/>
+          </a:p>
+          <a:p>
+            <a:r>
+              <a:rPr lang="en-US" altLang="ko-KR" sz="1400" dirty="0" smtClean="0"/>
+              <a:t> </a:t>
+            </a:r>
+          </a:p>
+          <a:p>
+            <a:pPr>
+              <a:buFontTx/>
+              <a:buChar char="-"/>
+            </a:pPr>
+            <a:r>
+              <a:rPr lang="en-US" altLang="ko-KR" sz="1400" dirty="0" smtClean="0"/>
+              <a:t> </a:t>
+            </a:r>
+            <a:r>
+              <a:rPr lang="ko-KR" altLang="en-US" sz="1400" dirty="0" smtClean="0"/>
+              <a:t>좌측에 </a:t>
+            </a:r>
+            <a:r>
+              <a:rPr lang="en-US" altLang="ko-KR" sz="1400" dirty="0" smtClean="0"/>
+              <a:t>SSH Public Keys </a:t>
+            </a:r>
+            <a:r>
+              <a:rPr lang="ko-KR" altLang="en-US" sz="1400" dirty="0" smtClean="0"/>
+              <a:t>를 클릭</a:t>
+            </a:r>
+            <a:endParaRPr lang="en-US" altLang="ko-KR" sz="1400" dirty="0" smtClean="0"/>
+          </a:p>
+        </p:txBody>
+      </p:sp>
+      <p:sp>
+        <p:nvSpPr>
+          <p:cNvPr id="2" name="제목 1"/>
+          <p:cNvSpPr>
+            <a:spLocks noGrp="1"/>
+          </p:cNvSpPr>
+          <p:nvPr>
+            <p:ph type="title"/>
+          </p:nvPr>
+        </p:nvSpPr>
+        <p:spPr/>
+        <p:txBody>
+          <a:bodyPr/>
+          <a:lstStyle/>
+          <a:p>
+            <a:r>
+              <a:rPr lang="en-US" altLang="ko-KR" dirty="0" err="1" smtClean="0"/>
+              <a:t>Github</a:t>
+            </a:r>
+            <a:r>
+              <a:rPr lang="en-US" altLang="ko-KR" dirty="0" smtClean="0"/>
+              <a:t> </a:t>
+            </a:r>
+            <a:r>
+              <a:rPr lang="ko-KR" altLang="en-US" dirty="0" smtClean="0"/>
+              <a:t>설치</a:t>
+            </a:r>
+            <a:endParaRPr lang="ko-KR" altLang="en-US" dirty="0"/>
+          </a:p>
+        </p:txBody>
+      </p:sp>
+      <p:sp>
+        <p:nvSpPr>
+          <p:cNvPr id="8" name="TextBox 7"/>
+          <p:cNvSpPr txBox="1"/>
+          <p:nvPr/>
+        </p:nvSpPr>
+        <p:spPr>
+          <a:xfrm>
+            <a:off x="971600" y="1628800"/>
+            <a:ext cx="1723485" cy="369332"/>
+          </a:xfrm>
+          <a:prstGeom prst="rect">
+            <a:avLst/>
+          </a:prstGeom>
+          <a:noFill/>
+        </p:spPr>
+        <p:txBody>
+          <a:bodyPr wrap="none" rtlCol="0">
+            <a:spAutoFit/>
+          </a:bodyPr>
+          <a:lstStyle/>
+          <a:p>
+            <a:r>
+              <a:rPr lang="en-US" altLang="ko-KR" dirty="0" smtClean="0"/>
+              <a:t>2. Set SSH Key</a:t>
+            </a:r>
+            <a:endParaRPr lang="ko-KR" altLang="en-US" dirty="0"/>
+          </a:p>
+        </p:txBody>
+      </p:sp>
+      <p:sp>
+        <p:nvSpPr>
+          <p:cNvPr id="12" name="TextBox 11"/>
+          <p:cNvSpPr txBox="1"/>
+          <p:nvPr/>
+        </p:nvSpPr>
+        <p:spPr>
+          <a:xfrm>
+            <a:off x="971600" y="1268760"/>
+            <a:ext cx="2245102" cy="369332"/>
+          </a:xfrm>
+          <a:prstGeom prst="rect">
+            <a:avLst/>
+          </a:prstGeom>
+          <a:noFill/>
+        </p:spPr>
+        <p:txBody>
+          <a:bodyPr wrap="none" rtlCol="0">
+            <a:spAutoFit/>
+          </a:bodyPr>
+          <a:lstStyle/>
+          <a:p>
+            <a:r>
+              <a:rPr lang="en-US" altLang="ko-KR" b="1" dirty="0" smtClean="0"/>
+              <a:t>Step</a:t>
+            </a:r>
+            <a:r>
+              <a:rPr lang="ko-KR" altLang="en-US" b="1" dirty="0" smtClean="0"/>
+              <a:t> </a:t>
+            </a:r>
+            <a:r>
+              <a:rPr lang="en-US" altLang="ko-KR" b="1" dirty="0" smtClean="0"/>
+              <a:t>1. Set Up </a:t>
+            </a:r>
+            <a:r>
+              <a:rPr lang="en-US" altLang="ko-KR" b="1" dirty="0" err="1" smtClean="0"/>
+              <a:t>Git</a:t>
+            </a:r>
+            <a:r>
+              <a:rPr lang="ko-KR" altLang="en-US" b="1" dirty="0" smtClean="0"/>
+              <a:t> </a:t>
+            </a:r>
+            <a:endParaRPr lang="ko-KR" altLang="en-US" sz="1600" b="1" dirty="0"/>
+          </a:p>
+        </p:txBody>
+      </p:sp>
+      <p:pic>
+        <p:nvPicPr>
+          <p:cNvPr id="17411" name="Picture 3" descr="C:\Documents and Settings\budlbaram\바탕 화면\git hub\github homepage_select SSH Public Keys.jpg"/>
+          <p:cNvPicPr>
+            <a:picLocks noChangeAspect="1" noChangeArrowheads="1"/>
+          </p:cNvPicPr>
+          <p:nvPr/>
+        </p:nvPicPr>
+        <p:blipFill>
+          <a:blip r:embed="rId2" cstate="print"/>
+          <a:srcRect/>
+          <a:stretch>
+            <a:fillRect/>
+          </a:stretch>
+        </p:blipFill>
+        <p:spPr bwMode="auto">
+          <a:xfrm>
+            <a:off x="1331640" y="3356992"/>
+            <a:ext cx="4896544" cy="3212247"/>
+          </a:xfrm>
+          <a:prstGeom prst="rect">
+            <a:avLst/>
+          </a:prstGeom>
+          <a:noFill/>
+        </p:spPr>
+      </p:pic>
+    </p:spTree>
+  </p:cSld>
+  <p:clrMapOvr>
+    <a:masterClrMapping/>
+  </p:clrMapOvr>
+  <p:timing>
+    <p:tnLst>
+      <p:par>
+        <p:cTn id="1" dur="indefinite" restart="never" nodeType="tmRoot"/>
+      </p:par>
+    </p:tnLst>
+  </p:timing>
+</p:sld>
+</file>
+
 <file path=ppt/slides/slide26.xml><?xml version="1.0" encoding="utf-8"?>
 <p:sld xmlns:a="http://schemas.openxmlformats.org/drawingml/2006/main" xmlns:r="http://schemas.openxmlformats.org/officeDocument/2006/relationships" xmlns:p="http://schemas.openxmlformats.org/presentationml/2006/main">
   <p:cSld>
@@ -8747,11 +8430,11 @@
             </a:r>
             <a:r>
               <a:rPr lang="ko-KR" altLang="en-US" sz="1400" dirty="0" smtClean="0"/>
-              <a:t>좌측에 </a:t>
+              <a:t>가운데 </a:t>
             </a:r>
             <a:r>
               <a:rPr lang="en-US" altLang="ko-KR" sz="1400" dirty="0" smtClean="0"/>
-              <a:t>SSH Public Keys </a:t>
+              <a:t>Add another public key </a:t>
             </a:r>
             <a:r>
               <a:rPr lang="ko-KR" altLang="en-US" sz="1400" dirty="0" smtClean="0"/>
@@ -8870,7 +8553,7 @@
       </p:sp>
       <p:pic>
         <p:nvPicPr>
-          <p:cNvPr id="17411" name="Picture 3" descr="C:\Documents and Settings\budlbaram\바탕 화면\git hub\github homepage_select SSH Public Keys.jpg"/>
+          <p:cNvPr id="22531" name="Picture 3" descr="C:\Documents and Settings\budlbaram\바탕 화면\git hub\github homepage_select SSH Public Keys_add another key.jpg"/>
           <p:cNvPicPr>
             <a:picLocks noChangeAspect="1" noChangeArrowheads="1"/>
           </p:cNvPicPr>
@@ -8885,8 +8568,8 @@
         </p:blipFill>
         <p:spPr bwMode="auto">
           <a:xfrm>
-            <a:off x="1331640" y="3356992"/>
-            <a:ext cx="4896544" cy="3212247"/>
+            <a:off x="1114629" y="3060082"/>
+            <a:ext cx="6610350" cy="3333750"/>
           </a:xfrm>
           <a:prstGeom prst="rect">
             <a:avLst/>
@@ -8894,6 +8577,56 @@
           <a:noFill/>
         </p:spPr>
       </p:pic>
+      <p:sp>
+        <p:nvSpPr>
+          <p:cNvPr id="9" name="직사각형 8"/>
+          <p:cNvSpPr/>
+          <p:nvPr/>
+        </p:nvSpPr>
+        <p:spPr>
+          <a:xfrm>
+            <a:off x="3518514" y="4266462"/>
+            <a:ext cx="1728192" cy="216024"/>
+          </a:xfrm>
+          <a:prstGeom prst="rect">
+            <a:avLst/>
+          </a:prstGeom>
+          <a:solidFill>
+            <a:schemeClr val="accent1">
+              <a:alpha val="0"/>
+            </a:schemeClr>
+          </a:solidFill>
+          <a:ln w="12700">
+            <a:solidFill>
+              <a:srgbClr val="FF0000"/>
+            </a:solidFill>
+          </a:ln>
+        </p:spPr>
+        <p:style>
+          <a:lnRef idx="2">
+            <a:schemeClr val="accent1">
+              <a:shade val="50000"/>
+            </a:schemeClr>
+          </a:lnRef>
+          <a:fillRef idx="1">
+            <a:schemeClr val="accent1"/>
+          </a:fillRef>
+          <a:effectRef idx="0">
+            <a:schemeClr val="accent1"/>
+          </a:effectRef>
+          <a:fontRef idx="minor">
+            <a:schemeClr val="lt1"/>
+          </a:fontRef>
+        </p:style>
+        <p:txBody>
+          <a:bodyPr rtlCol="0" anchor="ctr"/>
+          <a:lstStyle/>
+          <a:p>
+            <a:pPr algn="ctr"/>
+            <a:endParaRPr lang="ko-KR" altLang="en-US"/>
+          </a:p>
+        </p:txBody>
+      </p:sp>
     </p:spTree>
   </p:cSld>
   <p:clrMapOvr>
@@ -8935,7 +8668,7 @@
         <p:spPr>
           <a:xfrm>
             <a:off x="1259632" y="2060848"/>
-            <a:ext cx="5585568" cy="769441"/>
+            <a:ext cx="5222263" cy="769441"/>
           </a:xfrm>
           <a:prstGeom prst="rect">
             <a:avLst/>
@@ -8954,35 +8687,13 @@
             </a:pPr>
             <a:r>
               <a:rPr lang="ko-KR" altLang="en-US" sz="1600" dirty="0" smtClean="0"/>
-              <a:t> 그럼 이제 만들어진 </a:t>
+              <a:t> 키를 업데이트 하도록 합시다</a:t>
             </a:r>
             <a:r>
               <a:rPr lang="en-US" altLang="ko-KR" sz="1600" dirty="0" smtClean="0"/>
-              <a:t>SSH key </a:t>
-            </a:r>
-            <a:r>
-              <a:rPr lang="ko-KR" altLang="en-US" sz="1600" dirty="0" smtClean="0"/>
-              <a:t>를 </a:t>
-            </a:r>
-            <a:r>
-              <a:rPr lang="en-US" altLang="ko-KR" sz="1600" dirty="0" err="1" smtClean="0"/>
-              <a:t>Github</a:t>
-            </a:r>
-            <a:r>
-              <a:rPr lang="en-US" altLang="ko-KR" sz="1600" dirty="0" smtClean="0"/>
-              <a:t> </a:t>
-            </a:r>
-            <a:r>
-              <a:rPr lang="ko-KR" altLang="en-US" sz="1600" dirty="0" smtClean="0"/>
-              <a:t>에게 알려 볼까나</a:t>
+              <a:t>.</a:t>
             </a:r>
             <a:endParaRPr lang="en-US" altLang="ko-KR" sz="1600" dirty="0"/>
-          </a:p>
-          <a:p>
-            <a:r>
-              <a:rPr lang="en-US" altLang="ko-KR" sz="1400" dirty="0" smtClean="0"/>
-              <a:t> </a:t>
-            </a:r>
           </a:p>
           <a:p>
             <a:pPr>
@@ -8990,22 +8701,48 @@
               <a:buChar char="-"/>
             </a:pPr>
             <a:r>
+              <a:rPr lang="ko-KR" altLang="en-US" sz="1400" dirty="0" smtClean="0"/>
+              <a:t> 이름은 적당히 정하고 </a:t>
+            </a:r>
+            <a:r>
               <a:rPr lang="en-US" altLang="ko-KR" sz="1400" dirty="0" smtClean="0"/>
-              <a:t> </a:t>
+              <a:t>key </a:t>
             </a:r>
             <a:r>
               <a:rPr lang="ko-KR" altLang="en-US" sz="1400" dirty="0" smtClean="0"/>
-              <a:t>가운데 </a:t>
+              <a:t>에 해당하는 부분에</a:t>
+            </a:r>
+            <a:r>
+              <a:rPr lang="en-US" altLang="ko-KR" sz="1400" dirty="0"/>
+              <a:t> </a:t>
+            </a:r>
+            <a:r>
+              <a:rPr lang="ko-KR" altLang="en-US" sz="1400" dirty="0" err="1" smtClean="0"/>
+              <a:t>공개키를</a:t>
+            </a:r>
+            <a:r>
+              <a:rPr lang="ko-KR" altLang="en-US" sz="1400" dirty="0" smtClean="0"/>
+              <a:t> 입력</a:t>
+            </a:r>
+            <a:endParaRPr lang="en-US" altLang="ko-KR" sz="1400" dirty="0" smtClean="0"/>
+          </a:p>
+          <a:p>
+            <a:pPr>
+              <a:buFontTx/>
+              <a:buChar char="-"/>
+            </a:pPr>
+            <a:r>
+              <a:rPr lang="en-US" altLang="ko-KR" sz="1400" dirty="0"/>
+              <a:t> </a:t>
+            </a:r>
+            <a:r>
+              <a:rPr lang="ko-KR" altLang="en-US" sz="1400" dirty="0" smtClean="0"/>
+              <a:t>키 값의 변경 없이 그래도 </a:t>
             </a:r>
             <a:r>
               <a:rPr lang="en-US" altLang="ko-KR" sz="1400" dirty="0" smtClean="0"/>
-              <a:t>Add another public key </a:t>
-            </a:r>
-            <a:r>
-              <a:rPr lang="ko-KR" altLang="en-US" sz="1400" dirty="0" smtClean="0"/>
-              <a:t>를 클릭</a:t>
-            </a:r>
-            <a:endParaRPr lang="en-US" altLang="ko-KR" sz="1400" dirty="0" smtClean="0"/>
+              <a:t>Ctrl+ C &amp; Ctrl + V</a:t>
+            </a:r>
           </a:p>
         </p:txBody>
       </p:sp>
@@ -9118,7 +8855,7 @@
       </p:sp>
       <p:pic>
         <p:nvPicPr>
-          <p:cNvPr id="22531" name="Picture 3" descr="C:\Documents and Settings\budlbaram\바탕 화면\git hub\github homepage_select SSH Public Keys_add another key.jpg"/>
+          <p:cNvPr id="23554" name="Picture 2" descr="C:\Documents and Settings\budlbaram\바탕 화면\git hub\github homepage_select SSH Public Keys_finish.jpg"/>
           <p:cNvPicPr>
             <a:picLocks noChangeAspect="1" noChangeArrowheads="1"/>
           </p:cNvPicPr>
@@ -9133,8 +8870,8 @@
         </p:blipFill>
         <p:spPr bwMode="auto">
           <a:xfrm>
-            <a:off x="1114629" y="3060082"/>
-            <a:ext cx="6610350" cy="3333750"/>
+            <a:off x="1043608" y="2803351"/>
+            <a:ext cx="6524625" cy="4010025"/>
           </a:xfrm>
           <a:prstGeom prst="rect">
             <a:avLst/>
@@ -9142,23 +8879,61 @@
           <a:noFill/>
         </p:spPr>
       </p:pic>
-      <p:sp>
-        <p:nvSpPr>
-          <p:cNvPr id="9" name="직사각형 8"/>
+      <p:cxnSp>
+        <p:nvCxnSpPr>
+          <p:cNvPr id="10" name="직선 화살표 연결선 9"/>
+          <p:cNvCxnSpPr>
+            <a:stCxn id="11" idx="2"/>
+          </p:cNvCxnSpPr>
+          <p:nvPr/>
+        </p:nvCxnSpPr>
+        <p:spPr>
+          <a:xfrm rot="5400000">
+            <a:off x="6030162" y="3915054"/>
+            <a:ext cx="1584176" cy="2196244"/>
+          </a:xfrm>
+          <a:prstGeom prst="straightConnector1">
+            <a:avLst/>
+          </a:prstGeom>
+          <a:ln>
+            <a:solidFill>
+              <a:srgbClr val="FF0000"/>
+            </a:solidFill>
+            <a:tailEnd type="arrow"/>
+          </a:ln>
+        </p:spPr>
+        <p:style>
+          <a:lnRef idx="1">
+            <a:schemeClr val="accent1"/>
+          </a:lnRef>
+          <a:fillRef idx="0">
+            <a:schemeClr val="accent1"/>
+          </a:fillRef>
+          <a:effectRef idx="0">
+            <a:schemeClr val="accent1"/>
+          </a:effectRef>
+          <a:fontRef idx="minor">
+            <a:schemeClr val="tx1"/>
+          </a:fontRef>
+        </p:style>
+      </p:cxnSp>
+      <p:sp>
+        <p:nvSpPr>
+          <p:cNvPr id="11" name="모서리가 둥근 직사각형 10"/>
           <p:cNvSpPr/>
           <p:nvPr/>
         </p:nvSpPr>
         <p:spPr>
           <a:xfrm>
-            <a:off x="3518514" y="4266462"/>
-            <a:ext cx="1728192" cy="216024"/>
-          </a:xfrm>
-          <a:prstGeom prst="rect">
+            <a:off x="7452320" y="3501008"/>
+            <a:ext cx="936104" cy="720080"/>
+          </a:xfrm>
+          <a:prstGeom prst="roundRect">
             <a:avLst/>
           </a:prstGeom>
           <a:solidFill>
             <a:schemeClr val="accent1">
-              <a:alpha val="0"/>
+              <a:alpha val="18000"/>
             </a:schemeClr>
           </a:solidFill>
           <a:ln w="12700">
@@ -9188,7 +8963,19 @@
           <a:lstStyle/>
           <a:p>
             <a:pPr algn="ctr"/>
-            <a:endParaRPr lang="ko-KR" altLang="en-US"/>
+            <a:r>
+              <a:rPr lang="ko-KR" altLang="en-US" dirty="0" smtClean="0">
+                <a:solidFill>
+                  <a:schemeClr val="tx1"/>
+                </a:solidFill>
+              </a:rPr>
+              <a:t>요기</a:t>
+            </a:r>
+            <a:endParaRPr lang="ko-KR" altLang="en-US" dirty="0">
+              <a:solidFill>
+                <a:schemeClr val="tx1"/>
+              </a:solidFill>
+            </a:endParaRPr>
           </a:p>
         </p:txBody>
       </p:sp>
@@ -9233,7 +9020,7 @@
         <p:spPr>
           <a:xfrm>
             <a:off x="1259632" y="2060848"/>
-            <a:ext cx="5222263" cy="769441"/>
+            <a:ext cx="5482591" cy="1231106"/>
           </a:xfrm>
           <a:prstGeom prst="rect">
             <a:avLst/>
@@ -9252,44 +9039,19 @@
             </a:pPr>
             <a:r>
               <a:rPr lang="ko-KR" altLang="en-US" sz="1600" dirty="0" smtClean="0"/>
-              <a:t> 키를 업데이트 하도록 합시다</a:t>
+              <a:t> 그 전에 키 값을 가져와야 하겠지요</a:t>
             </a:r>
             <a:r>
               <a:rPr lang="en-US" altLang="ko-KR" sz="1600" dirty="0" smtClean="0"/>
-              <a:t>.</a:t>
-            </a:r>
-            <a:endParaRPr lang="en-US" altLang="ko-KR" sz="1600" dirty="0"/>
+              <a:t>?</a:t>
+            </a:r>
           </a:p>
           <a:p>
             <a:pPr>
               <a:buFontTx/>
               <a:buChar char="-"/>
             </a:pPr>
-            <a:r>
-              <a:rPr lang="ko-KR" altLang="en-US" sz="1400" dirty="0" smtClean="0"/>
-              <a:t> 이름은 적당히 정하고 </a:t>
-            </a:r>
-            <a:r>
-              <a:rPr lang="en-US" altLang="ko-KR" sz="1400" dirty="0" smtClean="0"/>
-              <a:t>key </a:t>
-            </a:r>
-            <a:r>
-              <a:rPr lang="ko-KR" altLang="en-US" sz="1400" dirty="0" smtClean="0"/>
-              <a:t>에 해당하는 부분에</a:t>
-            </a:r>
-            <a:r>
-              <a:rPr lang="en-US" altLang="ko-KR" sz="1400" dirty="0"/>
-              <a:t> </a:t>
-            </a:r>
-            <a:r>
-              <a:rPr lang="ko-KR" altLang="en-US" sz="1400" dirty="0" err="1" smtClean="0"/>
-              <a:t>공개키를</a:t>
-            </a:r>
-            <a:r>
-              <a:rPr lang="ko-KR" altLang="en-US" sz="1400" dirty="0" smtClean="0"/>
-              <a:t> 입력</a:t>
-            </a:r>
-            <a:endParaRPr lang="en-US" altLang="ko-KR" sz="1400" dirty="0" smtClean="0"/>
+            <a:endParaRPr lang="en-US" altLang="ko-KR" sz="1600" dirty="0"/>
           </a:p>
           <a:p>
             <a:pPr>
@@ -9297,17 +9059,115 @@
               <a:buChar char="-"/>
             </a:pPr>
             <a:r>
+              <a:rPr lang="en-US" altLang="ko-KR" sz="1400" dirty="0" smtClean="0"/>
+              <a:t> </a:t>
+            </a:r>
+            <a:r>
+              <a:rPr lang="ko-KR" altLang="en-US" sz="1400" dirty="0" err="1" smtClean="0"/>
+              <a:t>크랙</a:t>
+            </a:r>
+            <a:r>
+              <a:rPr lang="ko-KR" altLang="en-US" sz="1400" dirty="0" smtClean="0"/>
+              <a:t> 좀 써봤다 싶은 사람은 다 </a:t>
+            </a:r>
+            <a:r>
+              <a:rPr lang="ko-KR" altLang="en-US" sz="1400" dirty="0" err="1" smtClean="0"/>
+              <a:t>알겄지요</a:t>
+            </a:r>
+            <a:r>
+              <a:rPr lang="en-US" altLang="ko-KR" sz="1400" dirty="0" smtClean="0"/>
+              <a:t>… </a:t>
+            </a:r>
+            <a:r>
+              <a:rPr lang="ko-KR" altLang="en-US" sz="1400" dirty="0" smtClean="0"/>
+              <a:t>슬프지만 현실입니다</a:t>
+            </a:r>
+            <a:r>
+              <a:rPr lang="en-US" altLang="ko-KR" sz="1400" dirty="0" smtClean="0"/>
+              <a:t>.</a:t>
+            </a:r>
+          </a:p>
+          <a:p>
+            <a:pPr>
+              <a:buFontTx/>
+              <a:buChar char="-"/>
+            </a:pPr>
+            <a:r>
               <a:rPr lang="en-US" altLang="ko-KR" sz="1400" dirty="0"/>
               <a:t> </a:t>
             </a:r>
             <a:r>
+              <a:rPr lang="en-US" altLang="ko-KR" sz="1400" dirty="0" smtClean="0"/>
+              <a:t>C:\Documents and Settings\</a:t>
+            </a:r>
+            <a:r>
+              <a:rPr lang="en-US" altLang="ko-KR" sz="1400" dirty="0" err="1" smtClean="0"/>
+              <a:t>UserID</a:t>
+            </a:r>
+            <a:r>
+              <a:rPr lang="en-US" altLang="ko-KR" sz="1400" dirty="0" smtClean="0"/>
+              <a:t>\.</a:t>
+            </a:r>
+            <a:r>
+              <a:rPr lang="en-US" altLang="ko-KR" sz="1400" dirty="0" err="1" smtClean="0"/>
+              <a:t>ssh</a:t>
+            </a:r>
+            <a:r>
+              <a:rPr lang="en-US" altLang="ko-KR" sz="1400" dirty="0" smtClean="0"/>
+              <a:t> </a:t>
+            </a:r>
+            <a:r>
               <a:rPr lang="ko-KR" altLang="en-US" sz="1400" dirty="0" smtClean="0"/>
-              <a:t>키 값의 변경 없이 그래도 </a:t>
+              <a:t>로 이동</a:t>
+            </a:r>
+            <a:endParaRPr lang="en-US" altLang="ko-KR" sz="1400" dirty="0" smtClean="0"/>
+          </a:p>
+          <a:p>
+            <a:pPr>
+              <a:buFontTx/>
+              <a:buChar char="-"/>
+            </a:pPr>
+            <a:r>
+              <a:rPr lang="en-US" altLang="ko-KR" sz="1400" dirty="0"/>
+              <a:t> </a:t>
+            </a:r>
+            <a:r>
+              <a:rPr lang="ko-KR" altLang="en-US" sz="1400" dirty="0" err="1" smtClean="0"/>
+              <a:t>공개키인</a:t>
+            </a:r>
+            <a:r>
+              <a:rPr lang="ko-KR" altLang="en-US" sz="1400" dirty="0" smtClean="0"/>
+              <a:t> </a:t>
             </a:r>
             <a:r>
               <a:rPr lang="en-US" altLang="ko-KR" sz="1400" dirty="0" smtClean="0"/>
-              <a:t>Ctrl+ C &amp; Ctrl + V</a:t>
-            </a:r>
+              <a:t>id_rsa.pub </a:t>
+            </a:r>
+            <a:r>
+              <a:rPr lang="ko-KR" altLang="en-US" sz="1400" dirty="0" smtClean="0"/>
+              <a:t>파일을 </a:t>
+            </a:r>
+            <a:r>
+              <a:rPr lang="ko-KR" altLang="en-US" sz="1400" dirty="0" smtClean="0">
+                <a:solidFill>
+                  <a:srgbClr val="FF0000"/>
+                </a:solidFill>
+              </a:rPr>
+              <a:t>메모장으로 오픈</a:t>
+            </a:r>
+            <a:r>
+              <a:rPr lang="en-US" altLang="ko-KR" sz="1400" dirty="0" smtClean="0">
+                <a:solidFill>
+                  <a:srgbClr val="FF0000"/>
+                </a:solidFill>
+              </a:rPr>
+              <a:t>!</a:t>
+            </a:r>
+            <a:endParaRPr lang="en-US" altLang="ko-KR" sz="1200" dirty="0" smtClean="0">
+              <a:solidFill>
+                <a:srgbClr val="FF0000"/>
+              </a:solidFill>
+            </a:endParaRPr>
           </a:p>
         </p:txBody>
       </p:sp>
@@ -9420,7 +9280,7 @@
       </p:sp>
       <p:pic>
         <p:nvPicPr>
-          <p:cNvPr id="23554" name="Picture 2" descr="C:\Documents and Settings\budlbaram\바탕 화면\git hub\github homepage_select SSH Public Keys_finish.jpg"/>
+          <p:cNvPr id="24578" name="Picture 2"/>
           <p:cNvPicPr>
             <a:picLocks noChangeAspect="1" noChangeArrowheads="1"/>
           </p:cNvPicPr>
@@ -9435,70 +9295,38 @@
         </p:blipFill>
         <p:spPr bwMode="auto">
           <a:xfrm>
-            <a:off x="1043608" y="2803351"/>
-            <a:ext cx="6524625" cy="4010025"/>
+            <a:off x="827584" y="3501008"/>
+            <a:ext cx="7553325" cy="1666875"/>
           </a:xfrm>
           <a:prstGeom prst="rect">
             <a:avLst/>
           </a:prstGeom>
           <a:noFill/>
+          <a:ln w="9525">
+            <a:noFill/>
+            <a:miter lim="800000"/>
+            <a:headEnd/>
+            <a:tailEnd/>
+          </a:ln>
         </p:spPr>
       </p:pic>
-      <p:cxnSp>
-        <p:nvCxnSpPr>
-          <p:cNvPr id="10" name="직선 화살표 연결선 9"/>
-          <p:cNvCxnSpPr>
-            <a:stCxn id="11" idx="2"/>
-          </p:cNvCxnSpPr>
-          <p:nvPr/>
-        </p:nvCxnSpPr>
-        <p:spPr>
-          <a:xfrm rot="5400000">
-            <a:off x="6030162" y="3915054"/>
-            <a:ext cx="1584176" cy="2196244"/>
-          </a:xfrm>
-          <a:prstGeom prst="straightConnector1">
-            <a:avLst/>
-          </a:prstGeom>
-          <a:ln>
-            <a:solidFill>
-              <a:srgbClr val="FF0000"/>
-            </a:solidFill>
-            <a:tailEnd type="arrow"/>
-          </a:ln>
-        </p:spPr>
-        <p:style>
-          <a:lnRef idx="1">
-            <a:schemeClr val="accent1"/>
-          </a:lnRef>
-          <a:fillRef idx="0">
-            <a:schemeClr val="accent1"/>
-          </a:fillRef>
-          <a:effectRef idx="0">
-            <a:schemeClr val="accent1"/>
-          </a:effectRef>
-          <a:fontRef idx="minor">
-            <a:schemeClr val="tx1"/>
-          </a:fontRef>
-        </p:style>
-      </p:cxnSp>
-      <p:sp>
-        <p:nvSpPr>
-          <p:cNvPr id="11" name="모서리가 둥근 직사각형 10"/>
+      <p:sp>
+        <p:nvSpPr>
+          <p:cNvPr id="9" name="직사각형 8"/>
           <p:cNvSpPr/>
           <p:nvPr/>
         </p:nvSpPr>
         <p:spPr>
           <a:xfrm>
-            <a:off x="7452320" y="3501008"/>
-            <a:ext cx="936104" cy="720080"/>
-          </a:xfrm>
-          <a:prstGeom prst="roundRect">
+            <a:off x="5364088" y="4581128"/>
+            <a:ext cx="2304256" cy="576064"/>
+          </a:xfrm>
+          <a:prstGeom prst="rect">
             <a:avLst/>
           </a:prstGeom>
           <a:solidFill>
             <a:schemeClr val="accent1">
-              <a:alpha val="18000"/>
+              <a:alpha val="0"/>
             </a:schemeClr>
           </a:solidFill>
           <a:ln w="12700">
@@ -9528,13 +9356,150 @@
           <a:lstStyle/>
           <a:p>
             <a:pPr algn="ctr"/>
+            <a:endParaRPr lang="ko-KR" altLang="en-US"/>
+          </a:p>
+        </p:txBody>
+      </p:sp>
+      <p:cxnSp>
+        <p:nvCxnSpPr>
+          <p:cNvPr id="10" name="직선 화살표 연결선 9"/>
+          <p:cNvCxnSpPr>
+            <a:stCxn id="11" idx="2"/>
+            <a:endCxn id="9" idx="3"/>
+          </p:cNvCxnSpPr>
+          <p:nvPr/>
+        </p:nvCxnSpPr>
+        <p:spPr>
+          <a:xfrm rot="5400000">
+            <a:off x="7200292" y="3681028"/>
+            <a:ext cx="1656184" cy="720080"/>
+          </a:xfrm>
+          <a:prstGeom prst="straightConnector1">
+            <a:avLst/>
+          </a:prstGeom>
+          <a:ln>
+            <a:solidFill>
+              <a:srgbClr val="FF0000"/>
+            </a:solidFill>
+            <a:tailEnd type="arrow"/>
+          </a:ln>
+        </p:spPr>
+        <p:style>
+          <a:lnRef idx="1">
+            <a:schemeClr val="accent1"/>
+          </a:lnRef>
+          <a:fillRef idx="0">
+            <a:schemeClr val="accent1"/>
+          </a:fillRef>
+          <a:effectRef idx="0">
+            <a:schemeClr val="accent1"/>
+          </a:effectRef>
+          <a:fontRef idx="minor">
+            <a:schemeClr val="tx1"/>
+          </a:fontRef>
+        </p:style>
+      </p:cxnSp>
+      <p:sp>
+        <p:nvSpPr>
+          <p:cNvPr id="11" name="모서리가 둥근 직사각형 10"/>
+          <p:cNvSpPr/>
+          <p:nvPr/>
+        </p:nvSpPr>
+        <p:spPr>
+          <a:xfrm>
+            <a:off x="7884368" y="2276872"/>
+            <a:ext cx="1008112" cy="936104"/>
+          </a:xfrm>
+          <a:prstGeom prst="roundRect">
+            <a:avLst/>
+          </a:prstGeom>
+          <a:solidFill>
+            <a:schemeClr val="accent1">
+              <a:alpha val="18000"/>
+            </a:schemeClr>
+          </a:solidFill>
+          <a:ln w="12700">
+            <a:solidFill>
+              <a:srgbClr val="FF0000"/>
+            </a:solidFill>
+          </a:ln>
+        </p:spPr>
+        <p:style>
+          <a:lnRef idx="2">
+            <a:schemeClr val="accent1">
+              <a:shade val="50000"/>
+            </a:schemeClr>
+          </a:lnRef>
+          <a:fillRef idx="1">
+            <a:schemeClr val="accent1"/>
+          </a:fillRef>
+          <a:effectRef idx="0">
+            <a:schemeClr val="accent1"/>
+          </a:effectRef>
+          <a:fontRef idx="minor">
+            <a:schemeClr val="lt1"/>
+          </a:fontRef>
+        </p:style>
+        <p:txBody>
+          <a:bodyPr rtlCol="0" anchor="ctr"/>
+          <a:lstStyle/>
+          <a:p>
+            <a:pPr algn="ctr"/>
             <a:r>
               <a:rPr lang="ko-KR" altLang="en-US" dirty="0" smtClean="0">
                 <a:solidFill>
                   <a:schemeClr val="tx1"/>
                 </a:solidFill>
               </a:rPr>
-              <a:t>요기</a:t>
+              <a:t>요놈 </a:t>
+            </a:r>
+            <a:endParaRPr lang="en-US" altLang="ko-KR" dirty="0" smtClean="0">
+              <a:solidFill>
+                <a:schemeClr val="tx1"/>
+              </a:solidFill>
+            </a:endParaRPr>
+          </a:p>
+          <a:p>
+            <a:pPr algn="ctr"/>
+            <a:r>
+              <a:rPr lang="ko-KR" altLang="en-US" dirty="0" err="1" smtClean="0">
+                <a:solidFill>
+                  <a:schemeClr val="tx1"/>
+                </a:solidFill>
+              </a:rPr>
+              <a:t>이즈</a:t>
+            </a:r>
+            <a:r>
+              <a:rPr lang="ko-KR" altLang="en-US" dirty="0" smtClean="0">
+                <a:solidFill>
+                  <a:schemeClr val="tx1"/>
+                </a:solidFill>
+              </a:rPr>
+              <a:t> </a:t>
+            </a:r>
+            <a:endParaRPr lang="en-US" altLang="ko-KR" dirty="0" smtClean="0">
+              <a:solidFill>
+                <a:schemeClr val="tx1"/>
+              </a:solidFill>
+            </a:endParaRPr>
+          </a:p>
+          <a:p>
+            <a:pPr algn="ctr"/>
+            <a:r>
+              <a:rPr lang="ko-KR" altLang="en-US" dirty="0" err="1" smtClean="0">
+                <a:solidFill>
+                  <a:schemeClr val="tx1"/>
+                </a:solidFill>
+              </a:rPr>
+              <a:t>롸이트</a:t>
+            </a:r>
+            <a:r>
+              <a:rPr lang="en-US" altLang="ko-KR" dirty="0" smtClean="0">
+                <a:solidFill>
+                  <a:schemeClr val="tx1"/>
+                </a:solidFill>
+              </a:rPr>
+              <a:t>!</a:t>
             </a:r>
             <a:endParaRPr lang="ko-KR" altLang="en-US" dirty="0">
               <a:solidFill>
@@ -9585,7 +9550,7 @@
         <p:spPr>
           <a:xfrm>
             <a:off x="1259632" y="2060848"/>
-            <a:ext cx="5482591" cy="1231106"/>
+            <a:ext cx="2860078" cy="338554"/>
           </a:xfrm>
           <a:prstGeom prst="rect">
             <a:avLst/>
@@ -9603,120 +9568,18 @@
               <a:buChar char="-"/>
             </a:pPr>
             <a:r>
+              <a:rPr lang="en-US" altLang="ko-KR" sz="1600" dirty="0" smtClean="0"/>
+              <a:t> </a:t>
+            </a:r>
+            <a:r>
               <a:rPr lang="ko-KR" altLang="en-US" sz="1600" dirty="0" smtClean="0"/>
-              <a:t> 그 전에 키 값을 가져와야 하겠지요</a:t>
+              <a:t>아래와 같이 집어 넣습니다</a:t>
             </a:r>
             <a:r>
               <a:rPr lang="en-US" altLang="ko-KR" sz="1600" dirty="0" smtClean="0"/>
-              <a:t>?</a:t>
-            </a:r>
-          </a:p>
-          <a:p>
-            <a:pPr>
-              <a:buFontTx/>
-              <a:buChar char="-"/>
-            </a:pPr>
-            <a:endParaRPr lang="en-US" altLang="ko-KR" sz="1600" dirty="0"/>
-          </a:p>
-          <a:p>
-            <a:pPr>
-              <a:buFontTx/>
-              <a:buChar char="-"/>
-            </a:pPr>
-            <a:r>
-              <a:rPr lang="en-US" altLang="ko-KR" sz="1400" dirty="0" smtClean="0"/>
-              <a:t> </a:t>
-            </a:r>
-            <a:r>
-              <a:rPr lang="ko-KR" altLang="en-US" sz="1400" dirty="0" err="1" smtClean="0"/>
-              <a:t>크랙</a:t>
-            </a:r>
-            <a:r>
-              <a:rPr lang="ko-KR" altLang="en-US" sz="1400" dirty="0" smtClean="0"/>
-              <a:t> 좀 써봤다 싶은 사람은 다 </a:t>
-            </a:r>
-            <a:r>
-              <a:rPr lang="ko-KR" altLang="en-US" sz="1400" dirty="0" err="1" smtClean="0"/>
-              <a:t>알겄지요</a:t>
-            </a:r>
-            <a:r>
-              <a:rPr lang="en-US" altLang="ko-KR" sz="1400" dirty="0" smtClean="0"/>
-              <a:t>… </a:t>
-            </a:r>
-            <a:r>
-              <a:rPr lang="ko-KR" altLang="en-US" sz="1400" dirty="0" smtClean="0"/>
-              <a:t>슬프지만 현실입니다</a:t>
-            </a:r>
-            <a:r>
-              <a:rPr lang="en-US" altLang="ko-KR" sz="1400" dirty="0" smtClean="0"/>
               <a:t>.</a:t>
             </a:r>
-          </a:p>
-          <a:p>
-            <a:pPr>
-              <a:buFontTx/>
-              <a:buChar char="-"/>
-            </a:pPr>
-            <a:r>
-              <a:rPr lang="en-US" altLang="ko-KR" sz="1400" dirty="0"/>
-              <a:t> </a:t>
-            </a:r>
-            <a:r>
-              <a:rPr lang="en-US" altLang="ko-KR" sz="1400" dirty="0" smtClean="0"/>
-              <a:t>C:\Documents and Settings\</a:t>
-            </a:r>
-            <a:r>
-              <a:rPr lang="en-US" altLang="ko-KR" sz="1400" dirty="0" err="1" smtClean="0"/>
-              <a:t>UserID</a:t>
-            </a:r>
-            <a:r>
-              <a:rPr lang="en-US" altLang="ko-KR" sz="1400" dirty="0" smtClean="0"/>
-              <a:t>\.</a:t>
-            </a:r>
-            <a:r>
-              <a:rPr lang="en-US" altLang="ko-KR" sz="1400" dirty="0" err="1" smtClean="0"/>
-              <a:t>ssh</a:t>
-            </a:r>
-            <a:r>
-              <a:rPr lang="en-US" altLang="ko-KR" sz="1400" dirty="0" smtClean="0"/>
-              <a:t> </a:t>
-            </a:r>
-            <a:r>
-              <a:rPr lang="ko-KR" altLang="en-US" sz="1400" dirty="0" smtClean="0"/>
-              <a:t>로 이동</a:t>
-            </a:r>
             <a:endParaRPr lang="en-US" altLang="ko-KR" sz="1400" dirty="0" smtClean="0"/>
-          </a:p>
-          <a:p>
-            <a:pPr>
-              <a:buFontTx/>
-              <a:buChar char="-"/>
-            </a:pPr>
-            <a:r>
-              <a:rPr lang="en-US" altLang="ko-KR" sz="1400" dirty="0"/>
-              <a:t> </a:t>
-            </a:r>
-            <a:r>
-              <a:rPr lang="ko-KR" altLang="en-US" sz="1400" dirty="0" err="1" smtClean="0"/>
-              <a:t>공개키인</a:t>
-            </a:r>
-            <a:r>
-              <a:rPr lang="ko-KR" altLang="en-US" sz="1400" dirty="0" smtClean="0"/>
-              <a:t> </a:t>
-            </a:r>
-            <a:r>
-              <a:rPr lang="en-US" altLang="ko-KR" sz="1400" dirty="0" smtClean="0"/>
-              <a:t>id_rsa.pub </a:t>
-            </a:r>
-            <a:r>
-              <a:rPr lang="ko-KR" altLang="en-US" sz="1400" dirty="0" smtClean="0"/>
-              <a:t>파일을 메모장으로 오픈</a:t>
-            </a:r>
-            <a:r>
-              <a:rPr lang="en-US" altLang="ko-KR" sz="1400" dirty="0" smtClean="0"/>
-              <a:t>!</a:t>
-            </a:r>
-            <a:endParaRPr lang="en-US" altLang="ko-KR" sz="1200" dirty="0" smtClean="0"/>
           </a:p>
         </p:txBody>
       </p:sp>
@@ -9829,7 +9692,7 @@
       </p:sp>
       <p:pic>
         <p:nvPicPr>
-          <p:cNvPr id="24578" name="Picture 2"/>
+          <p:cNvPr id="25602" name="Picture 2"/>
           <p:cNvPicPr>
             <a:picLocks noChangeAspect="1" noChangeArrowheads="1"/>
           </p:cNvPicPr>
@@ -9844,8 +9707,8 @@
         </p:blipFill>
         <p:spPr bwMode="auto">
           <a:xfrm>
-            <a:off x="827584" y="3501008"/>
-            <a:ext cx="7553325" cy="1666875"/>
+            <a:off x="1115615" y="2492896"/>
+            <a:ext cx="5400601" cy="4002680"/>
           </a:xfrm>
           <a:prstGeom prst="rect">
             <a:avLst/>
@@ -9861,200 +9724,35 @@
       </p:pic>
       <p:sp>
         <p:nvSpPr>
-          <p:cNvPr id="9" name="직사각형 8"/>
-          <p:cNvSpPr/>
-          <p:nvPr/>
-        </p:nvSpPr>
-        <p:spPr>
-          <a:xfrm>
-            <a:off x="5364088" y="4581128"/>
-            <a:ext cx="2304256" cy="576064"/>
-          </a:xfrm>
-          <a:prstGeom prst="rect">
-            <a:avLst/>
-          </a:prstGeom>
-          <a:solidFill>
-            <a:schemeClr val="accent1">
-              <a:alpha val="0"/>
-            </a:schemeClr>
-          </a:solidFill>
-          <a:ln w="12700">
-            <a:solidFill>
-              <a:srgbClr val="FF0000"/>
-            </a:solidFill>
-          </a:ln>
-        </p:spPr>
-        <p:style>
-          <a:lnRef idx="2">
-            <a:schemeClr val="accent1">
-              <a:shade val="50000"/>
-            </a:schemeClr>
-          </a:lnRef>
-          <a:fillRef idx="1">
-            <a:schemeClr val="accent1"/>
-          </a:fillRef>
-          <a:effectRef idx="0">
-            <a:schemeClr val="accent1"/>
-          </a:effectRef>
-          <a:fontRef idx="minor">
-            <a:schemeClr val="lt1"/>
-          </a:fontRef>
-        </p:style>
-        <p:txBody>
-          <a:bodyPr rtlCol="0" anchor="ctr"/>
-          <a:lstStyle/>
-          <a:p>
-            <a:pPr algn="ctr"/>
-            <a:endParaRPr lang="ko-KR" altLang="en-US"/>
-          </a:p>
-        </p:txBody>
-      </p:sp>
-      <p:cxnSp>
-        <p:nvCxnSpPr>
-          <p:cNvPr id="10" name="직선 화살표 연결선 9"/>
-          <p:cNvCxnSpPr>
-            <a:stCxn id="11" idx="2"/>
-            <a:endCxn id="9" idx="3"/>
-          </p:cNvCxnSpPr>
-          <p:nvPr/>
-        </p:nvCxnSpPr>
-        <p:spPr>
-          <a:xfrm rot="5400000">
-            <a:off x="7200292" y="3681028"/>
-            <a:ext cx="1656184" cy="720080"/>
-          </a:xfrm>
-          <a:prstGeom prst="straightConnector1">
-            <a:avLst/>
-          </a:prstGeom>
-          <a:ln>
-            <a:solidFill>
-              <a:srgbClr val="FF0000"/>
-            </a:solidFill>
-            <a:tailEnd type="arrow"/>
-          </a:ln>
-        </p:spPr>
-        <p:style>
-          <a:lnRef idx="1">
-            <a:schemeClr val="accent1"/>
-          </a:lnRef>
-          <a:fillRef idx="0">
-            <a:schemeClr val="accent1"/>
-          </a:fillRef>
-          <a:effectRef idx="0">
-            <a:schemeClr val="accent1"/>
-          </a:effectRef>
-          <a:fontRef idx="minor">
-            <a:schemeClr val="tx1"/>
-          </a:fontRef>
-        </p:style>
-      </p:cxnSp>
-      <p:sp>
-        <p:nvSpPr>
-          <p:cNvPr id="11" name="모서리가 둥근 직사각형 10"/>
-          <p:cNvSpPr/>
-          <p:nvPr/>
-        </p:nvSpPr>
-        <p:spPr>
-          <a:xfrm>
-            <a:off x="7884368" y="2276872"/>
-            <a:ext cx="1008112" cy="936104"/>
-          </a:xfrm>
-          <a:prstGeom prst="roundRect">
-            <a:avLst/>
-          </a:prstGeom>
-          <a:solidFill>
-            <a:schemeClr val="accent1">
-              <a:alpha val="18000"/>
-            </a:schemeClr>
-          </a:solidFill>
-          <a:ln w="12700">
-            <a:solidFill>
-              <a:srgbClr val="FF0000"/>
-            </a:solidFill>
-          </a:ln>
-        </p:spPr>
-        <p:style>
-          <a:lnRef idx="2">
-            <a:schemeClr val="accent1">
-              <a:shade val="50000"/>
-            </a:schemeClr>
-          </a:lnRef>
-          <a:fillRef idx="1">
-            <a:schemeClr val="accent1"/>
-          </a:fillRef>
-          <a:effectRef idx="0">
-            <a:schemeClr val="accent1"/>
-          </a:effectRef>
-          <a:fontRef idx="minor">
-            <a:schemeClr val="lt1"/>
-          </a:fontRef>
-        </p:style>
-        <p:txBody>
-          <a:bodyPr rtlCol="0" anchor="ctr"/>
-          <a:lstStyle/>
-          <a:p>
-            <a:pPr algn="ctr"/>
-            <a:r>
-              <a:rPr lang="ko-KR" altLang="en-US" dirty="0" smtClean="0">
-                <a:solidFill>
-                  <a:schemeClr val="tx1"/>
-                </a:solidFill>
-              </a:rPr>
-              <a:t>요놈 </a:t>
-            </a:r>
-            <a:endParaRPr lang="en-US" altLang="ko-KR" dirty="0" smtClean="0">
-              <a:solidFill>
-                <a:schemeClr val="tx1"/>
-              </a:solidFill>
-            </a:endParaRPr>
-          </a:p>
-          <a:p>
-            <a:pPr algn="ctr"/>
-            <a:r>
-              <a:rPr lang="ko-KR" altLang="en-US" dirty="0" err="1" smtClean="0">
-                <a:solidFill>
-                  <a:schemeClr val="tx1"/>
-                </a:solidFill>
-              </a:rPr>
-              <a:t>이즈</a:t>
-            </a:r>
-            <a:r>
-              <a:rPr lang="ko-KR" altLang="en-US" dirty="0" smtClean="0">
-                <a:solidFill>
-                  <a:schemeClr val="tx1"/>
-                </a:solidFill>
-              </a:rPr>
-              <a:t> </a:t>
-            </a:r>
-            <a:endParaRPr lang="en-US" altLang="ko-KR" dirty="0" smtClean="0">
-              <a:solidFill>
-                <a:schemeClr val="tx1"/>
-              </a:solidFill>
-            </a:endParaRPr>
-          </a:p>
-          <a:p>
-            <a:pPr algn="ctr"/>
-            <a:r>
-              <a:rPr lang="ko-KR" altLang="en-US" dirty="0" err="1" smtClean="0">
-                <a:solidFill>
-                  <a:schemeClr val="tx1"/>
-                </a:solidFill>
-              </a:rPr>
-              <a:t>롸이트</a:t>
-            </a:r>
-            <a:r>
-              <a:rPr lang="en-US" altLang="ko-KR" dirty="0" smtClean="0">
-                <a:solidFill>
-                  <a:schemeClr val="tx1"/>
-                </a:solidFill>
-              </a:rPr>
-              <a:t>!</a:t>
-            </a:r>
-            <a:endParaRPr lang="ko-KR" altLang="en-US" dirty="0">
-              <a:solidFill>
-                <a:schemeClr val="tx1"/>
-              </a:solidFill>
-            </a:endParaRPr>
+          <p:cNvPr id="13" name="TextBox 12"/>
+          <p:cNvSpPr txBox="1"/>
+          <p:nvPr/>
+        </p:nvSpPr>
+        <p:spPr>
+          <a:xfrm>
+            <a:off x="1763688" y="6453336"/>
+            <a:ext cx="1745991" cy="307777"/>
+          </a:xfrm>
+          <a:prstGeom prst="rect">
+            <a:avLst/>
+          </a:prstGeom>
+          <a:noFill/>
+        </p:spPr>
+        <p:txBody>
+          <a:bodyPr wrap="none" rtlCol="0">
+            <a:spAutoFit/>
+          </a:bodyPr>
+          <a:lstStyle/>
+          <a:p>
+            <a:r>
+              <a:rPr lang="ko-KR" altLang="en-US" sz="1400" dirty="0" smtClean="0"/>
+              <a:t>홈페이지 내용 </a:t>
+            </a:r>
+            <a:r>
+              <a:rPr lang="ko-KR" altLang="en-US" sz="1400" dirty="0" err="1" smtClean="0"/>
+              <a:t>캡처</a:t>
+            </a:r>
+            <a:endParaRPr lang="ko-KR" altLang="en-US" sz="1400" dirty="0"/>
           </a:p>
         </p:txBody>
       </p:sp>
@@ -10401,7 +10099,7 @@
         <p:spPr>
           <a:xfrm>
             <a:off x="1259632" y="2060848"/>
-            <a:ext cx="2860078" cy="338554"/>
+            <a:ext cx="2977097" cy="800219"/>
           </a:xfrm>
           <a:prstGeom prst="rect">
             <a:avLst/>
@@ -10424,11 +10122,63 @@
             </a:r>
             <a:r>
               <a:rPr lang="ko-KR" altLang="en-US" sz="1600" dirty="0" smtClean="0"/>
-              <a:t>아래와 같이 집어 넣습니다</a:t>
+              <a:t>제대로 됐나 확인해 봅시다</a:t>
+            </a:r>
+            <a:endParaRPr lang="en-US" altLang="ko-KR" sz="1600" dirty="0" smtClean="0"/>
+          </a:p>
+          <a:p>
+            <a:pPr>
+              <a:buFontTx/>
+              <a:buChar char="-"/>
+            </a:pPr>
+            <a:r>
+              <a:rPr lang="en-US" altLang="ko-KR" sz="1600" dirty="0"/>
+              <a:t> </a:t>
+            </a:r>
+            <a:r>
+              <a:rPr lang="en-US" altLang="ko-KR" sz="1600" dirty="0" err="1" smtClean="0"/>
+              <a:t>ssh</a:t>
             </a:r>
             <a:r>
               <a:rPr lang="en-US" altLang="ko-KR" sz="1600" dirty="0" smtClean="0"/>
-              <a:t>.</a:t>
+              <a:t> –T </a:t>
+            </a:r>
+            <a:r>
+              <a:rPr lang="en-US" altLang="ko-KR" sz="1600" dirty="0" smtClean="0">
+                <a:hlinkClick r:id="rId2"/>
+              </a:rPr>
+              <a:t>git@github.com</a:t>
+            </a:r>
+            <a:r>
+              <a:rPr lang="en-US" altLang="ko-KR" sz="1600" dirty="0"/>
+              <a:t> </a:t>
+            </a:r>
+            <a:r>
+              <a:rPr lang="ko-KR" altLang="en-US" sz="1600" dirty="0" smtClean="0"/>
+              <a:t>입력</a:t>
+            </a:r>
+            <a:endParaRPr lang="en-US" altLang="ko-KR" sz="1600" dirty="0" smtClean="0"/>
+          </a:p>
+          <a:p>
+            <a:pPr>
+              <a:buFontTx/>
+              <a:buChar char="-"/>
+            </a:pPr>
+            <a:r>
+              <a:rPr lang="en-US" altLang="ko-KR" sz="1400" dirty="0" smtClean="0"/>
+              <a:t> </a:t>
+            </a:r>
+            <a:r>
+              <a:rPr lang="ko-KR" altLang="en-US" sz="1400" dirty="0" smtClean="0"/>
+              <a:t>그리고 </a:t>
+            </a:r>
+            <a:r>
+              <a:rPr lang="en-US" altLang="ko-KR" sz="1400" dirty="0" smtClean="0"/>
+              <a:t>yes </a:t>
+            </a:r>
+            <a:r>
+              <a:rPr lang="ko-KR" altLang="en-US" sz="1400" dirty="0" smtClean="0"/>
+              <a:t>입력</a:t>
             </a:r>
             <a:endParaRPr lang="en-US" altLang="ko-KR" sz="1400" dirty="0" smtClean="0"/>
           </a:p>
@@ -10543,14 +10293,14 @@
       </p:sp>
       <p:pic>
         <p:nvPicPr>
-          <p:cNvPr id="25602" name="Picture 2"/>
+          <p:cNvPr id="26628" name="Picture 4" descr="C:\Documents and Settings\budlbaram\바탕 화면\git hub\test_setup.jpg"/>
           <p:cNvPicPr>
             <a:picLocks noChangeAspect="1" noChangeArrowheads="1"/>
           </p:cNvPicPr>
           <p:nvPr/>
         </p:nvPicPr>
         <p:blipFill>
-          <a:blip r:embed="rId2" cstate="print"/>
+          <a:blip r:embed="rId3" cstate="print"/>
           <a:srcRect/>
           <a:stretch>
             <a:fillRect/>
@@ -10558,31 +10308,51 @@
         </p:blipFill>
         <p:spPr bwMode="auto">
           <a:xfrm>
-            <a:off x="1115615" y="2492896"/>
-            <a:ext cx="5400601" cy="4002680"/>
+            <a:off x="971600" y="2996952"/>
+            <a:ext cx="6315076" cy="781050"/>
           </a:xfrm>
           <a:prstGeom prst="rect">
             <a:avLst/>
           </a:prstGeom>
           <a:noFill/>
-          <a:ln w="9525">
-            <a:noFill/>
-            <a:miter lim="800000"/>
-            <a:headEnd/>
-            <a:tailEnd/>
-          </a:ln>
         </p:spPr>
       </p:pic>
-      <p:sp>
-        <p:nvSpPr>
-          <p:cNvPr id="13" name="TextBox 12"/>
+      <p:pic>
+        <p:nvPicPr>
+          <p:cNvPr id="26629" name="Picture 5" descr="C:\Documents and Settings\budlbaram\바탕 화면\git hub\test_setup_enter passphrase.jpg"/>
+          <p:cNvPicPr>
+            <a:picLocks noChangeAspect="1" noChangeArrowheads="1"/>
+          </p:cNvPicPr>
+          <p:nvPr/>
+        </p:nvPicPr>
+        <p:blipFill>
+          <a:blip r:embed="rId4" cstate="print"/>
+          <a:srcRect/>
+          <a:stretch>
+            <a:fillRect/>
+          </a:stretch>
+        </p:blipFill>
+        <p:spPr bwMode="auto">
+          <a:xfrm>
+            <a:off x="971600" y="4437112"/>
+            <a:ext cx="6315075" cy="409575"/>
+          </a:xfrm>
+          <a:prstGeom prst="rect">
+            <a:avLst/>
+          </a:prstGeom>
+          <a:noFill/>
+        </p:spPr>
+      </p:pic>
+      <p:sp>
+        <p:nvSpPr>
+          <p:cNvPr id="14" name="TextBox 13"/>
           <p:cNvSpPr txBox="1"/>
           <p:nvPr/>
         </p:nvSpPr>
         <p:spPr>
           <a:xfrm>
-            <a:off x="1763688" y="6453336"/>
-            <a:ext cx="1745991" cy="307777"/>
+            <a:off x="1259632" y="3954542"/>
+            <a:ext cx="2055371" cy="338554"/>
           </a:xfrm>
           <a:prstGeom prst="rect">
             <a:avLst/>
@@ -10595,15 +10365,99 @@
           </a:bodyPr>
           <a:lstStyle/>
           <a:p>
-            <a:r>
-              <a:rPr lang="ko-KR" altLang="en-US" sz="1400" dirty="0" smtClean="0"/>
-              <a:t>홈페이지 내용 </a:t>
-            </a:r>
-            <a:r>
-              <a:rPr lang="ko-KR" altLang="en-US" sz="1400" dirty="0" err="1" smtClean="0"/>
-              <a:t>캡처</a:t>
-            </a:r>
-            <a:endParaRPr lang="ko-KR" altLang="en-US" sz="1400" dirty="0"/>
+            <a:pPr>
+              <a:buFontTx/>
+              <a:buChar char="-"/>
+            </a:pPr>
+            <a:r>
+              <a:rPr lang="en-US" altLang="ko-KR" sz="1600" smtClean="0"/>
+              <a:t> </a:t>
+            </a:r>
+            <a:r>
+              <a:rPr lang="ko-KR" altLang="en-US" sz="1600" dirty="0" err="1" smtClean="0"/>
+              <a:t>패스프레이즈</a:t>
+            </a:r>
+            <a:r>
+              <a:rPr lang="ko-KR" altLang="en-US" sz="1600" dirty="0" smtClean="0"/>
+              <a:t> 입력</a:t>
+            </a:r>
+            <a:endParaRPr lang="en-US" altLang="ko-KR" sz="1400" dirty="0" smtClean="0"/>
+          </a:p>
+        </p:txBody>
+      </p:sp>
+      <p:pic>
+        <p:nvPicPr>
+          <p:cNvPr id="26630" name="Picture 6" descr="C:\Documents and Settings\budlbaram\바탕 화면\git hub\test_setup_is done.jpg"/>
+          <p:cNvPicPr>
+            <a:picLocks noChangeAspect="1" noChangeArrowheads="1"/>
+          </p:cNvPicPr>
+          <p:nvPr/>
+        </p:nvPicPr>
+        <p:blipFill>
+          <a:blip r:embed="rId5" cstate="print"/>
+          <a:srcRect/>
+          <a:stretch>
+            <a:fillRect/>
+          </a:stretch>
+        </p:blipFill>
+        <p:spPr bwMode="auto">
+          <a:xfrm>
+            <a:off x="971600" y="5517232"/>
+            <a:ext cx="6315076" cy="342900"/>
+          </a:xfrm>
+          <a:prstGeom prst="rect">
+            <a:avLst/>
+          </a:prstGeom>
+          <a:noFill/>
+        </p:spPr>
+      </p:pic>
+      <p:sp>
+        <p:nvSpPr>
+          <p:cNvPr id="15" name="TextBox 14"/>
+          <p:cNvSpPr txBox="1"/>
+          <p:nvPr/>
+        </p:nvSpPr>
+        <p:spPr>
+          <a:xfrm>
+            <a:off x="1259632" y="5013176"/>
+            <a:ext cx="3297698" cy="338554"/>
+          </a:xfrm>
+          <a:prstGeom prst="rect">
+            <a:avLst/>
+          </a:prstGeom>
+          <a:noFill/>
+        </p:spPr>
+        <p:txBody>
+          <a:bodyPr wrap="none" rtlCol="0">
+            <a:spAutoFit/>
+          </a:bodyPr>
+          <a:lstStyle/>
+          <a:p>
+            <a:pPr>
+              <a:buFontTx/>
+              <a:buChar char="-"/>
+            </a:pPr>
+            <a:r>
+              <a:rPr lang="en-US" altLang="ko-KR" sz="1600" dirty="0" smtClean="0"/>
+              <a:t> </a:t>
+            </a:r>
+            <a:r>
+              <a:rPr lang="ko-KR" altLang="en-US" sz="1600" dirty="0" smtClean="0"/>
+              <a:t>내 아이디 </a:t>
+            </a:r>
+            <a:r>
+              <a:rPr lang="ko-KR" altLang="en-US" sz="1600" dirty="0" err="1" smtClean="0"/>
+              <a:t>나오는거</a:t>
+            </a:r>
+            <a:r>
+              <a:rPr lang="ko-KR" altLang="en-US" sz="1600" dirty="0" smtClean="0"/>
+              <a:t> 보이 </a:t>
+            </a:r>
+            <a:r>
+              <a:rPr lang="ko-KR" altLang="en-US" sz="1600" dirty="0" err="1" smtClean="0"/>
+              <a:t>맞구먼</a:t>
+            </a:r>
+            <a:endParaRPr lang="en-US" altLang="ko-KR" sz="1400" dirty="0" smtClean="0"/>
           </a:p>
         </p:txBody>
       </p:sp>
@@ -10648,7 +10502,7 @@
         <p:spPr>
           <a:xfrm>
             <a:off x="1259632" y="2060848"/>
-            <a:ext cx="2977097" cy="800219"/>
+            <a:ext cx="3079689" cy="338554"/>
           </a:xfrm>
           <a:prstGeom prst="rect">
             <a:avLst/>
@@ -10671,63 +10525,15 @@
             </a:r>
             <a:r>
               <a:rPr lang="ko-KR" altLang="en-US" sz="1600" dirty="0" smtClean="0"/>
-              <a:t>제대로 됐나 확인해 봅시다</a:t>
-            </a:r>
-            <a:endParaRPr lang="en-US" altLang="ko-KR" sz="1600" dirty="0" smtClean="0"/>
-          </a:p>
-          <a:p>
-            <a:pPr>
-              <a:buFontTx/>
-              <a:buChar char="-"/>
-            </a:pPr>
-            <a:r>
-              <a:rPr lang="en-US" altLang="ko-KR" sz="1600" dirty="0"/>
-              <a:t> </a:t>
-            </a:r>
-            <a:r>
-              <a:rPr lang="en-US" altLang="ko-KR" sz="1600" dirty="0" err="1" smtClean="0"/>
-              <a:t>ssh</a:t>
+              <a:t>내 정보를 넣어보자</a:t>
             </a:r>
             <a:r>
               <a:rPr lang="en-US" altLang="ko-KR" sz="1600" dirty="0" smtClean="0"/>
-              <a:t> –T </a:t>
-            </a:r>
-            <a:r>
-              <a:rPr lang="en-US" altLang="ko-KR" sz="1600" dirty="0" smtClean="0">
-                <a:hlinkClick r:id="rId2"/>
-              </a:rPr>
-              <a:t>git@github.com</a:t>
-            </a:r>
-            <a:r>
-              <a:rPr lang="en-US" altLang="ko-KR" sz="1600" dirty="0"/>
-              <a:t> </a:t>
-            </a:r>
-            <a:r>
-              <a:rPr lang="ko-KR" altLang="en-US" sz="1600" dirty="0" smtClean="0"/>
-              <a:t>입력</a:t>
-            </a:r>
-            <a:endParaRPr lang="en-US" altLang="ko-KR" sz="1600" dirty="0" smtClean="0"/>
-          </a:p>
-          <a:p>
-            <a:pPr>
-              <a:buFontTx/>
-              <a:buChar char="-"/>
-            </a:pPr>
-            <a:r>
-              <a:rPr lang="en-US" altLang="ko-KR" sz="1400" dirty="0" smtClean="0"/>
-              <a:t> </a:t>
-            </a:r>
-            <a:r>
-              <a:rPr lang="ko-KR" altLang="en-US" sz="1400" dirty="0" smtClean="0"/>
-              <a:t>그리고 </a:t>
-            </a:r>
-            <a:r>
-              <a:rPr lang="en-US" altLang="ko-KR" sz="1400" dirty="0" smtClean="0"/>
-              <a:t>yes </a:t>
-            </a:r>
-            <a:r>
-              <a:rPr lang="ko-KR" altLang="en-US" sz="1400" dirty="0" smtClean="0"/>
-              <a:t>입력</a:t>
+              <a:t>! </a:t>
+            </a:r>
+            <a:r>
+              <a:rPr lang="ko-KR" altLang="en-US" sz="1600" dirty="0" err="1" smtClean="0"/>
+              <a:t>아래코롬</a:t>
             </a:r>
             <a:endParaRPr lang="en-US" altLang="ko-KR" sz="1400" dirty="0" smtClean="0"/>
           </a:p>
@@ -10842,7 +10648,33 @@
       </p:sp>
       <p:pic>
         <p:nvPicPr>
-          <p:cNvPr id="26628" name="Picture 4" descr="C:\Documents and Settings\budlbaram\바탕 화면\git hub\test_setup.jpg"/>
+          <p:cNvPr id="27650" name="Picture 2" descr="C:\Documents and Settings\budlbaram\바탕 화면\git hub\user_info_update_email.jpg"/>
+          <p:cNvPicPr>
+            <a:picLocks noChangeAspect="1" noChangeArrowheads="1"/>
+          </p:cNvPicPr>
+          <p:nvPr/>
+        </p:nvPicPr>
+        <p:blipFill>
+          <a:blip r:embed="rId2" cstate="print"/>
+          <a:srcRect/>
+          <a:stretch>
+            <a:fillRect/>
+          </a:stretch>
+        </p:blipFill>
+        <p:spPr bwMode="auto">
+          <a:xfrm>
+            <a:off x="1115616" y="3068960"/>
+            <a:ext cx="6296025" cy="219075"/>
+          </a:xfrm>
+          <a:prstGeom prst="rect">
+            <a:avLst/>
+          </a:prstGeom>
+          <a:noFill/>
+        </p:spPr>
+      </p:pic>
+      <p:pic>
+        <p:nvPicPr>
+          <p:cNvPr id="27651" name="Picture 3" descr="C:\Documents and Settings\budlbaram\바탕 화면\git hub\user_info_update_name.jpg"/>
           <p:cNvPicPr>
             <a:picLocks noChangeAspect="1" noChangeArrowheads="1"/>
           </p:cNvPicPr>
@@ -10857,8 +10689,8 @@
         </p:blipFill>
         <p:spPr bwMode="auto">
           <a:xfrm>
-            <a:off x="971600" y="2996952"/>
-            <a:ext cx="6315076" cy="781050"/>
+            <a:off x="1115616" y="2708920"/>
+            <a:ext cx="6162675" cy="219075"/>
           </a:xfrm>
           <a:prstGeom prst="rect">
             <a:avLst/>
@@ -10866,9 +10698,59 @@
           <a:noFill/>
         </p:spPr>
       </p:pic>
+      <p:sp>
+        <p:nvSpPr>
+          <p:cNvPr id="13" name="TextBox 12"/>
+          <p:cNvSpPr txBox="1"/>
+          <p:nvPr/>
+        </p:nvSpPr>
+        <p:spPr>
+          <a:xfrm>
+            <a:off x="1259632" y="3501008"/>
+            <a:ext cx="7452681" cy="338554"/>
+          </a:xfrm>
+          <a:prstGeom prst="rect">
+            <a:avLst/>
+          </a:prstGeom>
+          <a:noFill/>
+        </p:spPr>
+        <p:txBody>
+          <a:bodyPr wrap="none" rtlCol="0">
+            <a:spAutoFit/>
+          </a:bodyPr>
+          <a:lstStyle/>
+          <a:p>
+            <a:pPr>
+              <a:buFontTx/>
+              <a:buChar char="-"/>
+            </a:pPr>
+            <a:r>
+              <a:rPr lang="en-US" altLang="ko-KR" sz="1600" dirty="0" smtClean="0"/>
+              <a:t> </a:t>
+            </a:r>
+            <a:r>
+              <a:rPr lang="ko-KR" altLang="en-US" sz="1600" dirty="0" smtClean="0"/>
+              <a:t>만일 내 컴퓨터에서 내 이름 및 </a:t>
+            </a:r>
+            <a:r>
+              <a:rPr lang="ko-KR" altLang="en-US" sz="1600" dirty="0" err="1" smtClean="0"/>
+              <a:t>이메일을</a:t>
+            </a:r>
+            <a:r>
+              <a:rPr lang="ko-KR" altLang="en-US" sz="1600" dirty="0" smtClean="0"/>
+              <a:t> 다르게 주어야 할 경우 아래와 같이</a:t>
+            </a:r>
+            <a:r>
+              <a:rPr lang="en-US" altLang="ko-KR" sz="1600" dirty="0" smtClean="0"/>
+              <a:t>…</a:t>
+            </a:r>
+            <a:endParaRPr lang="en-US" altLang="ko-KR" sz="1400" dirty="0" smtClean="0"/>
+          </a:p>
+        </p:txBody>
+      </p:sp>
       <p:pic>
         <p:nvPicPr>
-          <p:cNvPr id="26629" name="Picture 5" descr="C:\Documents and Settings\budlbaram\바탕 화면\git hub\test_setup_enter passphrase.jpg"/>
+          <p:cNvPr id="27652" name="Picture 4"/>
           <p:cNvPicPr>
             <a:picLocks noChangeAspect="1" noChangeArrowheads="1"/>
           </p:cNvPicPr>
@@ -10883,25 +10765,31 @@
         </p:blipFill>
         <p:spPr bwMode="auto">
           <a:xfrm>
-            <a:off x="971600" y="4437112"/>
-            <a:ext cx="6315075" cy="409575"/>
+            <a:off x="1115616" y="3933056"/>
+            <a:ext cx="4495800" cy="571500"/>
           </a:xfrm>
           <a:prstGeom prst="rect">
             <a:avLst/>
           </a:prstGeom>
           <a:noFill/>
+          <a:ln w="9525">
+            <a:noFill/>
+            <a:miter lim="800000"/>
+            <a:headEnd/>
+            <a:tailEnd/>
+          </a:ln>
         </p:spPr>
       </p:pic>
       <p:sp>
         <p:nvSpPr>
-          <p:cNvPr id="14" name="TextBox 13"/>
+          <p:cNvPr id="16" name="TextBox 15"/>
           <p:cNvSpPr txBox="1"/>
           <p:nvPr/>
         </p:nvSpPr>
         <p:spPr>
           <a:xfrm>
-            <a:off x="1259632" y="3954542"/>
-            <a:ext cx="2055371" cy="338554"/>
+            <a:off x="1115616" y="4509120"/>
+            <a:ext cx="1289135" cy="307777"/>
           </a:xfrm>
           <a:prstGeom prst="rect">
             <a:avLst/>
@@ -10914,99 +10802,15 @@
           </a:bodyPr>
           <a:lstStyle/>
           <a:p>
-            <a:pPr>
-              <a:buFontTx/>
-              <a:buChar char="-"/>
-            </a:pPr>
-            <a:r>
-              <a:rPr lang="en-US" altLang="ko-KR" sz="1600" smtClean="0"/>
-              <a:t> </a:t>
-            </a:r>
-            <a:r>
-              <a:rPr lang="ko-KR" altLang="en-US" sz="1600" dirty="0" err="1" smtClean="0"/>
-              <a:t>패스프레이즈</a:t>
-            </a:r>
-            <a:r>
-              <a:rPr lang="ko-KR" altLang="en-US" sz="1600" dirty="0" smtClean="0"/>
-              <a:t> 입력</a:t>
-            </a:r>
-            <a:endParaRPr lang="en-US" altLang="ko-KR" sz="1400" dirty="0" smtClean="0"/>
-          </a:p>
-        </p:txBody>
-      </p:sp>
-      <p:pic>
-        <p:nvPicPr>
-          <p:cNvPr id="26630" name="Picture 6" descr="C:\Documents and Settings\budlbaram\바탕 화면\git hub\test_setup_is done.jpg"/>
-          <p:cNvPicPr>
-            <a:picLocks noChangeAspect="1" noChangeArrowheads="1"/>
-          </p:cNvPicPr>
-          <p:nvPr/>
-        </p:nvPicPr>
-        <p:blipFill>
-          <a:blip r:embed="rId5" cstate="print"/>
-          <a:srcRect/>
-          <a:stretch>
-            <a:fillRect/>
-          </a:stretch>
-        </p:blipFill>
-        <p:spPr bwMode="auto">
-          <a:xfrm>
-            <a:off x="971600" y="5517232"/>
-            <a:ext cx="6315076" cy="342900"/>
-          </a:xfrm>
-          <a:prstGeom prst="rect">
-            <a:avLst/>
-          </a:prstGeom>
-          <a:noFill/>
-        </p:spPr>
-      </p:pic>
-      <p:sp>
-        <p:nvSpPr>
-          <p:cNvPr id="15" name="TextBox 14"/>
-          <p:cNvSpPr txBox="1"/>
-          <p:nvPr/>
-        </p:nvSpPr>
-        <p:spPr>
-          <a:xfrm>
-            <a:off x="1259632" y="5013176"/>
-            <a:ext cx="3297698" cy="338554"/>
-          </a:xfrm>
-          <a:prstGeom prst="rect">
-            <a:avLst/>
-          </a:prstGeom>
-          <a:noFill/>
-        </p:spPr>
-        <p:txBody>
-          <a:bodyPr wrap="none" rtlCol="0">
-            <a:spAutoFit/>
-          </a:bodyPr>
-          <a:lstStyle/>
-          <a:p>
-            <a:pPr>
-              <a:buFontTx/>
-              <a:buChar char="-"/>
-            </a:pPr>
-            <a:r>
-              <a:rPr lang="en-US" altLang="ko-KR" sz="1600" dirty="0" smtClean="0"/>
-              <a:t> </a:t>
-            </a:r>
-            <a:r>
-              <a:rPr lang="ko-KR" altLang="en-US" sz="1600" dirty="0" smtClean="0"/>
-              <a:t>내 아이디 </a:t>
-            </a:r>
-            <a:r>
-              <a:rPr lang="ko-KR" altLang="en-US" sz="1600" dirty="0" err="1" smtClean="0"/>
-              <a:t>나오는거</a:t>
-            </a:r>
-            <a:r>
-              <a:rPr lang="ko-KR" altLang="en-US" sz="1600" dirty="0" smtClean="0"/>
-              <a:t> 보이 </a:t>
-            </a:r>
-            <a:r>
-              <a:rPr lang="ko-KR" altLang="en-US" sz="1600" dirty="0" err="1" smtClean="0"/>
-              <a:t>맞구먼</a:t>
-            </a:r>
-            <a:endParaRPr lang="en-US" altLang="ko-KR" sz="1400" dirty="0" smtClean="0"/>
+            <a:r>
+              <a:rPr lang="ko-KR" altLang="en-US" sz="1400" dirty="0" smtClean="0"/>
+              <a:t>홈페이지 </a:t>
+            </a:r>
+            <a:r>
+              <a:rPr lang="en-US" altLang="ko-KR" sz="1400" dirty="0" smtClean="0"/>
+              <a:t>said</a:t>
+            </a:r>
+            <a:endParaRPr lang="ko-KR" altLang="en-US" sz="1400" dirty="0"/>
           </a:p>
         </p:txBody>
       </p:sp>
@@ -11044,52 +10848,6 @@
       </p:grpSpPr>
       <p:sp>
         <p:nvSpPr>
-          <p:cNvPr id="7" name="TextBox 6"/>
-          <p:cNvSpPr txBox="1"/>
-          <p:nvPr/>
-        </p:nvSpPr>
-        <p:spPr>
-          <a:xfrm>
-            <a:off x="1259632" y="2060848"/>
-            <a:ext cx="3079689" cy="338554"/>
-          </a:xfrm>
-          <a:prstGeom prst="rect">
-            <a:avLst/>
-          </a:prstGeom>
-          <a:noFill/>
-        </p:spPr>
-        <p:txBody>
-          <a:bodyPr wrap="none" rtlCol="0">
-            <a:spAutoFit/>
-          </a:bodyPr>
-          <a:lstStyle/>
-          <a:p>
-            <a:pPr>
-              <a:buFontTx/>
-              <a:buChar char="-"/>
-            </a:pPr>
-            <a:r>
-              <a:rPr lang="en-US" altLang="ko-KR" sz="1600" dirty="0" smtClean="0"/>
-              <a:t> </a:t>
-            </a:r>
-            <a:r>
-              <a:rPr lang="ko-KR" altLang="en-US" sz="1600" dirty="0" smtClean="0"/>
-              <a:t>내 정보를 넣어보자</a:t>
-            </a:r>
-            <a:r>
-              <a:rPr lang="en-US" altLang="ko-KR" sz="1600" dirty="0" smtClean="0"/>
-              <a:t>! </a:t>
-            </a:r>
-            <a:r>
-              <a:rPr lang="ko-KR" altLang="en-US" sz="1600" dirty="0" err="1" smtClean="0"/>
-              <a:t>아래코롬</a:t>
-            </a:r>
-            <a:endParaRPr lang="en-US" altLang="ko-KR" sz="1400" dirty="0" smtClean="0"/>
-          </a:p>
-        </p:txBody>
-      </p:sp>
-      <p:sp>
-        <p:nvSpPr>
           <p:cNvPr id="2" name="제목 1"/>
           <p:cNvSpPr>
             <a:spLocks noGrp="1"/>
@@ -11121,14 +10879,14 @@
       </p:sp>
       <p:sp>
         <p:nvSpPr>
-          <p:cNvPr id="8" name="TextBox 7"/>
+          <p:cNvPr id="12" name="TextBox 11"/>
           <p:cNvSpPr txBox="1"/>
           <p:nvPr/>
         </p:nvSpPr>
         <p:spPr>
           <a:xfrm>
-            <a:off x="971600" y="1628800"/>
-            <a:ext cx="1723485" cy="369332"/>
+            <a:off x="971600" y="1268760"/>
+            <a:ext cx="2259529" cy="369332"/>
           </a:xfrm>
           <a:prstGeom prst="rect">
             <a:avLst/>
@@ -11142,36 +10900,6 @@
           <a:lstStyle/>
           <a:p>
             <a:r>
-              <a:rPr lang="en-US" altLang="ko-KR" dirty="0" smtClean="0"/>
-              <a:t>2. Set SSH Key</a:t>
-            </a:r>
-            <a:endParaRPr lang="ko-KR" altLang="en-US" dirty="0"/>
-          </a:p>
-        </p:txBody>
-      </p:sp>
-      <p:sp>
-        <p:nvSpPr>
-          <p:cNvPr id="12" name="TextBox 11"/>
-          <p:cNvSpPr txBox="1"/>
-          <p:nvPr/>
-        </p:nvSpPr>
-        <p:spPr>
-          <a:xfrm>
-            <a:off x="971600" y="1268760"/>
-            <a:ext cx="2245102" cy="369332"/>
-          </a:xfrm>
-          <a:prstGeom prst="rect">
-            <a:avLst/>
-          </a:prstGeom>
-          <a:noFill/>
-        </p:spPr>
-        <p:txBody>
-          <a:bodyPr wrap="none" rtlCol="0">
-            <a:spAutoFit/>
-          </a:bodyPr>
-          <a:lstStyle/>
-          <a:p>
-            <a:r>
               <a:rPr lang="en-US" altLang="ko-KR" b="1" dirty="0" smtClean="0"/>
               <a:t>Step</a:t>
             </a:r>
@@ -11181,23 +10909,97 @@
             </a:r>
             <a:r>
               <a:rPr lang="en-US" altLang="ko-KR" b="1" dirty="0" smtClean="0"/>
-              <a:t>1. Set Up </a:t>
-            </a:r>
-            <a:r>
-              <a:rPr lang="en-US" altLang="ko-KR" b="1" dirty="0" err="1" smtClean="0"/>
-              <a:t>Git</a:t>
+              <a:t>2. </a:t>
             </a:r>
             <a:r>
               <a:rPr lang="ko-KR" altLang="en-US" b="1" dirty="0" smtClean="0"/>
-              <a:t> </a:t>
-            </a:r>
-            <a:endParaRPr lang="ko-KR" altLang="en-US" sz="1600" b="1" dirty="0"/>
+              <a:t>저장소 복사</a:t>
+            </a:r>
+            <a:endParaRPr lang="en-US" altLang="ko-KR" b="1" dirty="0"/>
+          </a:p>
+        </p:txBody>
+      </p:sp>
+      <p:sp>
+        <p:nvSpPr>
+          <p:cNvPr id="18" name="모서리가 둥근 직사각형 17"/>
+          <p:cNvSpPr/>
+          <p:nvPr/>
+        </p:nvSpPr>
+        <p:spPr>
+          <a:xfrm>
+            <a:off x="6228184" y="1340768"/>
+            <a:ext cx="1872208" cy="576064"/>
+          </a:xfrm>
+          <a:prstGeom prst="roundRect">
+            <a:avLst/>
+          </a:prstGeom>
+          <a:solidFill>
+            <a:schemeClr val="accent1">
+              <a:alpha val="18000"/>
+            </a:schemeClr>
+          </a:solidFill>
+          <a:ln w="12700">
+            <a:solidFill>
+              <a:srgbClr val="FF0000"/>
+            </a:solidFill>
+          </a:ln>
+        </p:spPr>
+        <p:style>
+          <a:lnRef idx="2">
+            <a:schemeClr val="accent1">
+              <a:shade val="50000"/>
+            </a:schemeClr>
+          </a:lnRef>
+          <a:fillRef idx="1">
+            <a:schemeClr val="accent1"/>
+          </a:fillRef>
+          <a:effectRef idx="0">
+            <a:schemeClr val="accent1"/>
+          </a:effectRef>
+          <a:fontRef idx="minor">
+            <a:schemeClr val="lt1"/>
+          </a:fontRef>
+        </p:style>
+        <p:txBody>
+          <a:bodyPr rtlCol="0" anchor="ctr"/>
+          <a:lstStyle/>
+          <a:p>
+            <a:pPr algn="ctr"/>
+            <a:r>
+              <a:rPr lang="en-US" altLang="ko-KR" dirty="0" err="1" smtClean="0">
+                <a:solidFill>
+                  <a:schemeClr val="tx1"/>
+                </a:solidFill>
+              </a:rPr>
+              <a:t>JueSungMun</a:t>
+            </a:r>
+            <a:r>
+              <a:rPr lang="en-US" altLang="ko-KR" dirty="0" smtClean="0">
+                <a:solidFill>
+                  <a:schemeClr val="tx1"/>
+                </a:solidFill>
+              </a:rPr>
+              <a:t> </a:t>
+            </a:r>
+            <a:r>
+              <a:rPr lang="ko-KR" altLang="en-US" dirty="0" smtClean="0">
+                <a:solidFill>
+                  <a:schemeClr val="tx1"/>
+                </a:solidFill>
+              </a:rPr>
+              <a:t>입력</a:t>
+            </a:r>
+            <a:endParaRPr lang="ko-KR" altLang="en-US" dirty="0">
+              <a:solidFill>
+                <a:schemeClr val="tx1"/>
+              </a:solidFill>
+            </a:endParaRPr>
           </a:p>
         </p:txBody>
       </p:sp>
       <p:pic>
         <p:nvPicPr>
-          <p:cNvPr id="27650" name="Picture 2" descr="C:\Documents and Settings\budlbaram\바탕 화면\git hub\user_info_update_email.jpg"/>
+          <p:cNvPr id="1026" name="Picture 2" descr="C:\Users\Sung-Moon\Desktop\1.png"/>
           <p:cNvPicPr>
             <a:picLocks noChangeAspect="1" noChangeArrowheads="1"/>
           </p:cNvPicPr>
@@ -11212,8 +11014,8 @@
         </p:blipFill>
         <p:spPr bwMode="auto">
           <a:xfrm>
-            <a:off x="1115616" y="3068960"/>
-            <a:ext cx="6296025" cy="219075"/>
+            <a:off x="827584" y="2420888"/>
+            <a:ext cx="7488832" cy="4109689"/>
           </a:xfrm>
           <a:prstGeom prst="rect">
             <a:avLst/>
@@ -11221,148 +11023,44 @@
           <a:noFill/>
         </p:spPr>
       </p:pic>
-      <p:pic>
-        <p:nvPicPr>
-          <p:cNvPr id="27651" name="Picture 3" descr="C:\Documents and Settings\budlbaram\바탕 화면\git hub\user_info_update_name.jpg"/>
-          <p:cNvPicPr>
-            <a:picLocks noChangeAspect="1" noChangeArrowheads="1"/>
-          </p:cNvPicPr>
-          <p:nvPr/>
-        </p:nvPicPr>
-        <p:blipFill>
-          <a:blip r:embed="rId3" cstate="print"/>
-          <a:srcRect/>
-          <a:stretch>
-            <a:fillRect/>
-          </a:stretch>
-        </p:blipFill>
-        <p:spPr bwMode="auto">
-          <a:xfrm>
-            <a:off x="1115616" y="2708920"/>
-            <a:ext cx="6162675" cy="219075"/>
-          </a:xfrm>
-          <a:prstGeom prst="rect">
-            <a:avLst/>
-          </a:prstGeom>
-          <a:noFill/>
-        </p:spPr>
-      </p:pic>
-      <p:sp>
-        <p:nvSpPr>
-          <p:cNvPr id="13" name="TextBox 12"/>
-          <p:cNvSpPr txBox="1"/>
-          <p:nvPr/>
-        </p:nvSpPr>
-        <p:spPr>
-          <a:xfrm>
-            <a:off x="1259632" y="3501008"/>
-            <a:ext cx="7452681" cy="338554"/>
-          </a:xfrm>
-          <a:prstGeom prst="rect">
-            <a:avLst/>
-          </a:prstGeom>
-          <a:noFill/>
-        </p:spPr>
-        <p:txBody>
-          <a:bodyPr wrap="none" rtlCol="0">
-            <a:spAutoFit/>
-          </a:bodyPr>
-          <a:lstStyle/>
-          <a:p>
-            <a:pPr>
-              <a:buFontTx/>
-              <a:buChar char="-"/>
-            </a:pPr>
-            <a:r>
-              <a:rPr lang="en-US" altLang="ko-KR" sz="1600" dirty="0" smtClean="0"/>
-              <a:t> </a:t>
-            </a:r>
-            <a:r>
-              <a:rPr lang="ko-KR" altLang="en-US" sz="1600" dirty="0" smtClean="0"/>
-              <a:t>만일 내 컴퓨터에서 내 이름 및 </a:t>
-            </a:r>
-            <a:r>
-              <a:rPr lang="ko-KR" altLang="en-US" sz="1600" dirty="0" err="1" smtClean="0"/>
-              <a:t>이메일을</a:t>
-            </a:r>
-            <a:r>
-              <a:rPr lang="ko-KR" altLang="en-US" sz="1600" dirty="0" smtClean="0"/>
-              <a:t> 다르게 주어야 할 경우 아래와 같이</a:t>
-            </a:r>
-            <a:r>
-              <a:rPr lang="en-US" altLang="ko-KR" sz="1600" dirty="0" smtClean="0"/>
-              <a:t>…</a:t>
-            </a:r>
-            <a:endParaRPr lang="en-US" altLang="ko-KR" sz="1400" dirty="0" smtClean="0"/>
-          </a:p>
-        </p:txBody>
-      </p:sp>
-      <p:pic>
-        <p:nvPicPr>
-          <p:cNvPr id="27652" name="Picture 4"/>
-          <p:cNvPicPr>
-            <a:picLocks noChangeAspect="1" noChangeArrowheads="1"/>
-          </p:cNvPicPr>
-          <p:nvPr/>
-        </p:nvPicPr>
-        <p:blipFill>
-          <a:blip r:embed="rId4" cstate="print"/>
-          <a:srcRect/>
-          <a:stretch>
-            <a:fillRect/>
-          </a:stretch>
-        </p:blipFill>
-        <p:spPr bwMode="auto">
-          <a:xfrm>
-            <a:off x="1115616" y="3933056"/>
-            <a:ext cx="4495800" cy="571500"/>
-          </a:xfrm>
-          <a:prstGeom prst="rect">
-            <a:avLst/>
-          </a:prstGeom>
-          <a:noFill/>
-          <a:ln w="9525">
-            <a:noFill/>
-            <a:miter lim="800000"/>
-            <a:headEnd/>
-            <a:tailEnd/>
+      <p:cxnSp>
+        <p:nvCxnSpPr>
+          <p:cNvPr id="17" name="직선 화살표 연결선 16"/>
+          <p:cNvCxnSpPr>
+            <a:stCxn id="18" idx="2"/>
+          </p:cNvCxnSpPr>
+          <p:nvPr/>
+        </p:nvCxnSpPr>
+        <p:spPr>
+          <a:xfrm>
+            <a:off x="7164288" y="1916832"/>
+            <a:ext cx="720080" cy="792088"/>
+          </a:xfrm>
+          <a:prstGeom prst="straightConnector1">
+            <a:avLst/>
+          </a:prstGeom>
+          <a:ln>
+            <a:solidFill>
+              <a:srgbClr val="FF0000"/>
+            </a:solidFill>
+            <a:tailEnd type="arrow"/>
           </a:ln>
         </p:spPr>
-      </p:pic>
-      <p:sp>
-        <p:nvSpPr>
-          <p:cNvPr id="16" name="TextBox 15"/>
-          <p:cNvSpPr txBox="1"/>
-          <p:nvPr/>
-        </p:nvSpPr>
-        <p:spPr>
-          <a:xfrm>
-            <a:off x="1115616" y="4509120"/>
-            <a:ext cx="1289135" cy="307777"/>
-          </a:xfrm>
-          <a:prstGeom prst="rect">
-            <a:avLst/>
-          </a:prstGeom>
-          <a:noFill/>
-        </p:spPr>
-        <p:txBody>
-          <a:bodyPr wrap="none" rtlCol="0">
-            <a:spAutoFit/>
-          </a:bodyPr>
-          <a:lstStyle/>
-          <a:p>
-            <a:r>
-              <a:rPr lang="ko-KR" altLang="en-US" sz="1400" dirty="0" smtClean="0"/>
-              <a:t>홈페이지 </a:t>
-            </a:r>
-            <a:r>
-              <a:rPr lang="en-US" altLang="ko-KR" sz="1400" dirty="0" smtClean="0"/>
-              <a:t>said</a:t>
-            </a:r>
-            <a:endParaRPr lang="ko-KR" altLang="en-US" sz="1400" dirty="0"/>
-          </a:p>
-        </p:txBody>
-      </p:sp>
+        <p:style>
+          <a:lnRef idx="1">
+            <a:schemeClr val="accent1"/>
+          </a:lnRef>
+          <a:fillRef idx="0">
+            <a:schemeClr val="accent1"/>
+          </a:fillRef>
+          <a:effectRef idx="0">
+            <a:schemeClr val="accent1"/>
+          </a:effectRef>
+          <a:fontRef idx="minor">
+            <a:schemeClr val="tx1"/>
+          </a:fontRef>
+        </p:style>
+      </p:cxnSp>
     </p:spTree>
   </p:cSld>
   <p:clrMapOvr>
@@ -11420,7 +11118,7 @@
             </a:r>
             <a:r>
               <a:rPr lang="ko-KR" altLang="en-US" dirty="0" smtClean="0"/>
-              <a:t>사용</a:t>
+              <a:t>설치</a:t>
             </a:r>
             <a:endParaRPr lang="ko-KR" altLang="en-US" dirty="0"/>
           </a:p>
@@ -11428,52 +11126,131 @@
       </p:sp>
       <p:sp>
         <p:nvSpPr>
-          <p:cNvPr id="5" name="직사각형 4"/>
-          <p:cNvSpPr/>
-          <p:nvPr/>
-        </p:nvSpPr>
-        <p:spPr>
-          <a:xfrm>
-            <a:off x="1043608" y="5733256"/>
-            <a:ext cx="5544616" cy="369332"/>
-          </a:xfrm>
-          <a:prstGeom prst="rect">
-            <a:avLst/>
-          </a:prstGeom>
-        </p:spPr>
-        <p:txBody>
-          <a:bodyPr wrap="square">
+          <p:cNvPr id="12" name="TextBox 11"/>
+          <p:cNvSpPr txBox="1"/>
+          <p:nvPr/>
+        </p:nvSpPr>
+        <p:spPr>
+          <a:xfrm>
+            <a:off x="971600" y="1268760"/>
+            <a:ext cx="2259529" cy="369332"/>
+          </a:xfrm>
+          <a:prstGeom prst="rect">
+            <a:avLst/>
+          </a:prstGeom>
+          <a:noFill/>
+        </p:spPr>
+        <p:txBody>
+          <a:bodyPr wrap="none" rtlCol="0">
             <a:spAutoFit/>
           </a:bodyPr>
           <a:lstStyle/>
           <a:p>
             <a:r>
-              <a:rPr lang="en-US" altLang="ko-KR" dirty="0" smtClean="0">
-                <a:hlinkClick r:id="rId2"/>
-              </a:rPr>
-              <a:t>http://code.google.com/p/msysgit/downloads/list</a:t>
-            </a:r>
-            <a:endParaRPr lang="ko-KR" altLang="en-US" dirty="0"/>
-          </a:p>
-        </p:txBody>
-      </p:sp>
-      <p:sp>
-        <p:nvSpPr>
-          <p:cNvPr id="6" name="직사각형 5"/>
+              <a:rPr lang="en-US" altLang="ko-KR" b="1" dirty="0" smtClean="0"/>
+              <a:t>Step</a:t>
+            </a:r>
+            <a:r>
+              <a:rPr lang="ko-KR" altLang="en-US" b="1" dirty="0" smtClean="0"/>
+              <a:t> </a:t>
+            </a:r>
+            <a:r>
+              <a:rPr lang="en-US" altLang="ko-KR" b="1" dirty="0" smtClean="0"/>
+              <a:t>2. </a:t>
+            </a:r>
+            <a:r>
+              <a:rPr lang="ko-KR" altLang="en-US" b="1" dirty="0" smtClean="0"/>
+              <a:t>저장소 복사</a:t>
+            </a:r>
+            <a:endParaRPr lang="en-US" altLang="ko-KR" b="1" dirty="0"/>
+          </a:p>
+        </p:txBody>
+      </p:sp>
+      <p:pic>
+        <p:nvPicPr>
+          <p:cNvPr id="2050" name="Picture 2"/>
+          <p:cNvPicPr>
+            <a:picLocks noChangeAspect="1" noChangeArrowheads="1"/>
+          </p:cNvPicPr>
+          <p:nvPr/>
+        </p:nvPicPr>
+        <p:blipFill>
+          <a:blip r:embed="rId2" cstate="print"/>
+          <a:srcRect/>
+          <a:stretch>
+            <a:fillRect/>
+          </a:stretch>
+        </p:blipFill>
+        <p:spPr bwMode="auto">
+          <a:xfrm>
+            <a:off x="899592" y="2204864"/>
+            <a:ext cx="6840760" cy="3888432"/>
+          </a:xfrm>
+          <a:prstGeom prst="rect">
+            <a:avLst/>
+          </a:prstGeom>
+          <a:noFill/>
+          <a:ln w="9525">
+            <a:noFill/>
+            <a:miter lim="800000"/>
+            <a:headEnd/>
+            <a:tailEnd/>
+          </a:ln>
+        </p:spPr>
+      </p:pic>
+      <p:cxnSp>
+        <p:nvCxnSpPr>
+          <p:cNvPr id="11" name="직선 화살표 연결선 10"/>
+          <p:cNvCxnSpPr/>
+          <p:nvPr/>
+        </p:nvCxnSpPr>
+        <p:spPr>
+          <a:xfrm flipH="1">
+            <a:off x="5724128" y="2420888"/>
+            <a:ext cx="1152128" cy="1494412"/>
+          </a:xfrm>
+          <a:prstGeom prst="straightConnector1">
+            <a:avLst/>
+          </a:prstGeom>
+          <a:ln>
+            <a:solidFill>
+              <a:srgbClr val="FF0000"/>
+            </a:solidFill>
+            <a:tailEnd type="arrow"/>
+          </a:ln>
+        </p:spPr>
+        <p:style>
+          <a:lnRef idx="1">
+            <a:schemeClr val="accent1"/>
+          </a:lnRef>
+          <a:fillRef idx="0">
+            <a:schemeClr val="accent1"/>
+          </a:fillRef>
+          <a:effectRef idx="0">
+            <a:schemeClr val="accent1"/>
+          </a:effectRef>
+          <a:fontRef idx="minor">
+            <a:schemeClr val="tx1"/>
+          </a:fontRef>
+        </p:style>
+      </p:cxnSp>
+      <p:sp>
+        <p:nvSpPr>
+          <p:cNvPr id="13" name="모서리가 둥근 직사각형 12"/>
           <p:cNvSpPr/>
           <p:nvPr/>
         </p:nvSpPr>
         <p:spPr>
           <a:xfrm>
-            <a:off x="3707904" y="5301208"/>
-            <a:ext cx="1008112" cy="144016"/>
-          </a:xfrm>
-          <a:prstGeom prst="rect">
+            <a:off x="6372200" y="1844824"/>
+            <a:ext cx="1224136" cy="576064"/>
+          </a:xfrm>
+          <a:prstGeom prst="roundRect">
             <a:avLst/>
           </a:prstGeom>
           <a:solidFill>
             <a:schemeClr val="accent1">
-              <a:alpha val="0"/>
+              <a:alpha val="18000"/>
             </a:schemeClr>
           </a:solidFill>
           <a:ln w="12700">
@@ -11503,233 +11280,19 @@
           <a:lstStyle/>
           <a:p>
             <a:pPr algn="ctr"/>
-            <a:endParaRPr lang="ko-KR" altLang="en-US"/>
-          </a:p>
-        </p:txBody>
-      </p:sp>
-      <p:cxnSp>
-        <p:nvCxnSpPr>
-          <p:cNvPr id="8" name="직선 화살표 연결선 7"/>
-          <p:cNvCxnSpPr>
-            <a:stCxn id="10" idx="1"/>
-            <a:endCxn id="6" idx="3"/>
-          </p:cNvCxnSpPr>
-          <p:nvPr/>
-        </p:nvCxnSpPr>
-        <p:spPr>
-          <a:xfrm rot="10800000" flipV="1">
-            <a:off x="4716016" y="4869160"/>
-            <a:ext cx="1944216" cy="504056"/>
-          </a:xfrm>
-          <a:prstGeom prst="straightConnector1">
-            <a:avLst/>
-          </a:prstGeom>
-          <a:ln>
-            <a:solidFill>
-              <a:srgbClr val="FF0000"/>
-            </a:solidFill>
-            <a:tailEnd type="arrow"/>
-          </a:ln>
-        </p:spPr>
-        <p:style>
-          <a:lnRef idx="1">
-            <a:schemeClr val="accent1"/>
-          </a:lnRef>
-          <a:fillRef idx="0">
-            <a:schemeClr val="accent1"/>
-          </a:fillRef>
-          <a:effectRef idx="0">
-            <a:schemeClr val="accent1"/>
-          </a:effectRef>
-          <a:fontRef idx="minor">
-            <a:schemeClr val="tx1"/>
-          </a:fontRef>
-        </p:style>
-      </p:cxnSp>
-      <p:sp>
-        <p:nvSpPr>
-          <p:cNvPr id="10" name="모서리가 둥근 직사각형 9"/>
-          <p:cNvSpPr/>
-          <p:nvPr/>
-        </p:nvSpPr>
-        <p:spPr>
-          <a:xfrm>
-            <a:off x="6660232" y="4437112"/>
-            <a:ext cx="1152128" cy="864096"/>
-          </a:xfrm>
-          <a:prstGeom prst="roundRect">
-            <a:avLst/>
-          </a:prstGeom>
-          <a:solidFill>
-            <a:schemeClr val="accent1">
-              <a:alpha val="18000"/>
-            </a:schemeClr>
-          </a:solidFill>
-          <a:ln w="12700">
-            <a:solidFill>
-              <a:srgbClr val="FF0000"/>
-            </a:solidFill>
-          </a:ln>
-        </p:spPr>
-        <p:style>
-          <a:lnRef idx="2">
-            <a:schemeClr val="accent1">
-              <a:shade val="50000"/>
-            </a:schemeClr>
-          </a:lnRef>
-          <a:fillRef idx="1">
-            <a:schemeClr val="accent1"/>
-          </a:fillRef>
-          <a:effectRef idx="0">
-            <a:schemeClr val="accent1"/>
-          </a:effectRef>
-          <a:fontRef idx="minor">
-            <a:schemeClr val="lt1"/>
-          </a:fontRef>
-        </p:style>
-        <p:txBody>
-          <a:bodyPr rtlCol="0" anchor="ctr"/>
-          <a:lstStyle/>
-          <a:p>
-            <a:pPr algn="ctr"/>
             <a:r>
               <a:rPr lang="ko-KR" altLang="en-US" dirty="0" smtClean="0">
                 <a:solidFill>
                   <a:schemeClr val="tx1"/>
                 </a:solidFill>
               </a:rPr>
-              <a:t>클릭해 보아요</a:t>
-            </a:r>
-            <a:r>
-              <a:rPr lang="en-US" altLang="ko-KR" dirty="0" smtClean="0">
-                <a:solidFill>
-                  <a:schemeClr val="tx1"/>
-                </a:solidFill>
-              </a:rPr>
-              <a:t>!</a:t>
-            </a:r>
-            <a:endParaRPr lang="ko-KR" altLang="en-US" dirty="0">
+              <a:t>클릭</a:t>
+            </a:r>
+            <a:endParaRPr lang="en-US" altLang="ko-KR" dirty="0" smtClean="0">
               <a:solidFill>
                 <a:schemeClr val="tx1"/>
               </a:solidFill>
             </a:endParaRPr>
-          </a:p>
-        </p:txBody>
-      </p:sp>
-      <p:pic>
-        <p:nvPicPr>
-          <p:cNvPr id="14" name="Picture 2" descr="C:\Documents and Settings\budlbaram\바탕 화면\git hub\github_new repository_click.jpg"/>
-          <p:cNvPicPr>
-            <a:picLocks noChangeAspect="1" noChangeArrowheads="1"/>
-          </p:cNvPicPr>
-          <p:nvPr/>
-        </p:nvPicPr>
-        <p:blipFill>
-          <a:blip r:embed="rId3" cstate="print"/>
-          <a:srcRect/>
-          <a:stretch>
-            <a:fillRect/>
-          </a:stretch>
-        </p:blipFill>
-        <p:spPr bwMode="auto">
-          <a:xfrm>
-            <a:off x="323528" y="2132856"/>
-            <a:ext cx="8503843" cy="3960440"/>
-          </a:xfrm>
-          <a:prstGeom prst="rect">
-            <a:avLst/>
-          </a:prstGeom>
-          <a:noFill/>
-        </p:spPr>
-      </p:pic>
-      <p:sp>
-        <p:nvSpPr>
-          <p:cNvPr id="16" name="직사각형 15"/>
-          <p:cNvSpPr/>
-          <p:nvPr/>
-        </p:nvSpPr>
-        <p:spPr>
-          <a:xfrm>
-            <a:off x="467544" y="2636912"/>
-            <a:ext cx="1944216" cy="2016224"/>
-          </a:xfrm>
-          <a:prstGeom prst="rect">
-            <a:avLst/>
-          </a:prstGeom>
-          <a:solidFill>
-            <a:schemeClr val="accent1">
-              <a:alpha val="0"/>
-            </a:schemeClr>
-          </a:solidFill>
-          <a:ln>
-            <a:solidFill>
-              <a:srgbClr val="FF0000"/>
-            </a:solidFill>
-          </a:ln>
-        </p:spPr>
-        <p:style>
-          <a:lnRef idx="2">
-            <a:schemeClr val="accent1">
-              <a:shade val="50000"/>
-            </a:schemeClr>
-          </a:lnRef>
-          <a:fillRef idx="1">
-            <a:schemeClr val="accent1"/>
-          </a:fillRef>
-          <a:effectRef idx="0">
-            <a:schemeClr val="accent1"/>
-          </a:effectRef>
-          <a:fontRef idx="minor">
-            <a:schemeClr val="lt1"/>
-          </a:fontRef>
-        </p:style>
-        <p:txBody>
-          <a:bodyPr rtlCol="0" anchor="ctr"/>
-          <a:lstStyle/>
-          <a:p>
-            <a:pPr algn="ctr"/>
-            <a:endParaRPr lang="ko-KR" altLang="en-US"/>
-          </a:p>
-        </p:txBody>
-      </p:sp>
-      <p:sp>
-        <p:nvSpPr>
-          <p:cNvPr id="11" name="TextBox 10"/>
-          <p:cNvSpPr txBox="1"/>
-          <p:nvPr/>
-        </p:nvSpPr>
-        <p:spPr>
-          <a:xfrm>
-            <a:off x="971600" y="1268760"/>
-            <a:ext cx="2613792" cy="369332"/>
-          </a:xfrm>
-          <a:prstGeom prst="rect">
-            <a:avLst/>
-          </a:prstGeom>
-          <a:noFill/>
-        </p:spPr>
-        <p:txBody>
-          <a:bodyPr wrap="none" rtlCol="0">
-            <a:spAutoFit/>
-          </a:bodyPr>
-          <a:lstStyle/>
-          <a:p>
-            <a:r>
-              <a:rPr lang="en-US" altLang="ko-KR" b="1" dirty="0" smtClean="0"/>
-              <a:t>Step</a:t>
-            </a:r>
-            <a:r>
-              <a:rPr lang="ko-KR" altLang="en-US" b="1" dirty="0" smtClean="0"/>
-              <a:t> </a:t>
-            </a:r>
-            <a:r>
-              <a:rPr lang="en-US" altLang="ko-KR" b="1" dirty="0" smtClean="0"/>
-              <a:t>2. </a:t>
-            </a:r>
-            <a:r>
-              <a:rPr lang="en-US" altLang="ko-KR" b="1" dirty="0"/>
-              <a:t>Create A Repo</a:t>
-            </a:r>
           </a:p>
         </p:txBody>
       </p:sp>
@@ -11767,44 +11330,6 @@
       </p:grpSpPr>
       <p:sp>
         <p:nvSpPr>
-          <p:cNvPr id="7" name="TextBox 6"/>
-          <p:cNvSpPr txBox="1"/>
-          <p:nvPr/>
-        </p:nvSpPr>
-        <p:spPr>
-          <a:xfrm>
-            <a:off x="1259632" y="2060848"/>
-            <a:ext cx="3430747" cy="338554"/>
-          </a:xfrm>
-          <a:prstGeom prst="rect">
-            <a:avLst/>
-          </a:prstGeom>
-          <a:noFill/>
-        </p:spPr>
-        <p:txBody>
-          <a:bodyPr wrap="none" rtlCol="0">
-            <a:spAutoFit/>
-          </a:bodyPr>
-          <a:lstStyle/>
-          <a:p>
-            <a:pPr>
-              <a:buFontTx/>
-              <a:buChar char="-"/>
-            </a:pPr>
-            <a:r>
-              <a:rPr lang="en-US" altLang="ko-KR" sz="1600" dirty="0" smtClean="0"/>
-              <a:t> </a:t>
-            </a:r>
-            <a:r>
-              <a:rPr lang="ko-KR" altLang="en-US" sz="1600" dirty="0" smtClean="0"/>
-              <a:t>새로운 저장소를 만들어 보입시다</a:t>
-            </a:r>
-            <a:endParaRPr lang="en-US" altLang="ko-KR" sz="1400" dirty="0" smtClean="0"/>
-          </a:p>
-        </p:txBody>
-      </p:sp>
-      <p:sp>
-        <p:nvSpPr>
           <p:cNvPr id="2" name="제목 1"/>
           <p:cNvSpPr>
             <a:spLocks noGrp="1"/>
@@ -11836,14 +11361,14 @@
       </p:sp>
       <p:sp>
         <p:nvSpPr>
-          <p:cNvPr id="8" name="TextBox 7"/>
+          <p:cNvPr id="12" name="TextBox 11"/>
           <p:cNvSpPr txBox="1"/>
           <p:nvPr/>
         </p:nvSpPr>
         <p:spPr>
           <a:xfrm>
-            <a:off x="971600" y="1628800"/>
-            <a:ext cx="2383538" cy="369332"/>
+            <a:off x="971600" y="1268760"/>
+            <a:ext cx="2259529" cy="369332"/>
           </a:xfrm>
           <a:prstGeom prst="rect">
             <a:avLst/>
@@ -11857,36 +11382,6 @@
           <a:lstStyle/>
           <a:p>
             <a:r>
-              <a:rPr lang="en-US" altLang="ko-KR" dirty="0" smtClean="0"/>
-              <a:t>1. Create a new repo</a:t>
-            </a:r>
-            <a:endParaRPr lang="ko-KR" altLang="en-US" dirty="0"/>
-          </a:p>
-        </p:txBody>
-      </p:sp>
-      <p:sp>
-        <p:nvSpPr>
-          <p:cNvPr id="12" name="TextBox 11"/>
-          <p:cNvSpPr txBox="1"/>
-          <p:nvPr/>
-        </p:nvSpPr>
-        <p:spPr>
-          <a:xfrm>
-            <a:off x="971600" y="1268760"/>
-            <a:ext cx="2613792" cy="369332"/>
-          </a:xfrm>
-          <a:prstGeom prst="rect">
-            <a:avLst/>
-          </a:prstGeom>
-          <a:noFill/>
-        </p:spPr>
-        <p:txBody>
-          <a:bodyPr wrap="none" rtlCol="0">
-            <a:spAutoFit/>
-          </a:bodyPr>
-          <a:lstStyle/>
-          <a:p>
-            <a:r>
               <a:rPr lang="en-US" altLang="ko-KR" b="1" dirty="0" smtClean="0"/>
               <a:t>Step</a:t>
             </a:r>
@@ -11899,15 +11394,16 @@
               <a:t>2. </a:t>
             </a:r>
             <a:r>
-              <a:rPr lang="en-US" altLang="ko-KR" b="1" dirty="0"/>
-              <a:t>Create A Repo</a:t>
-            </a:r>
+              <a:rPr lang="ko-KR" altLang="en-US" b="1" dirty="0" smtClean="0"/>
+              <a:t>저장소 복사</a:t>
+            </a:r>
+            <a:endParaRPr lang="en-US" altLang="ko-KR" b="1" dirty="0"/>
           </a:p>
         </p:txBody>
       </p:sp>
       <p:pic>
         <p:nvPicPr>
-          <p:cNvPr id="28674" name="Picture 2" descr="C:\Documents and Settings\budlbaram\바탕 화면\git hub\github_new repository_click.jpg"/>
+          <p:cNvPr id="3074" name="Picture 2"/>
           <p:cNvPicPr>
             <a:picLocks noChangeAspect="1" noChangeArrowheads="1"/>
           </p:cNvPicPr>
@@ -11922,32 +11418,74 @@
         </p:blipFill>
         <p:spPr bwMode="auto">
           <a:xfrm>
-            <a:off x="323528" y="2708920"/>
-            <a:ext cx="8503843" cy="3960440"/>
+            <a:off x="251520" y="1772816"/>
+            <a:ext cx="8784976" cy="4608512"/>
           </a:xfrm>
           <a:prstGeom prst="rect">
             <a:avLst/>
           </a:prstGeom>
           <a:noFill/>
+          <a:ln w="9525">
+            <a:noFill/>
+            <a:miter lim="800000"/>
+            <a:headEnd/>
+            <a:tailEnd/>
+          </a:ln>
         </p:spPr>
       </p:pic>
-      <p:sp>
-        <p:nvSpPr>
-          <p:cNvPr id="14" name="직사각형 13"/>
+      <p:cxnSp>
+        <p:nvCxnSpPr>
+          <p:cNvPr id="14" name="직선 화살표 연결선 13"/>
+          <p:cNvCxnSpPr/>
+          <p:nvPr/>
+        </p:nvCxnSpPr>
+        <p:spPr>
+          <a:xfrm flipH="1">
+            <a:off x="971600" y="1124744"/>
+            <a:ext cx="4824536" cy="3024336"/>
+          </a:xfrm>
+          <a:prstGeom prst="straightConnector1">
+            <a:avLst/>
+          </a:prstGeom>
+          <a:ln>
+            <a:solidFill>
+              <a:srgbClr val="FF0000"/>
+            </a:solidFill>
+            <a:tailEnd type="arrow"/>
+          </a:ln>
+        </p:spPr>
+        <p:style>
+          <a:lnRef idx="1">
+            <a:schemeClr val="accent1"/>
+          </a:lnRef>
+          <a:fillRef idx="0">
+            <a:schemeClr val="accent1"/>
+          </a:fillRef>
+          <a:effectRef idx="0">
+            <a:schemeClr val="accent1"/>
+          </a:effectRef>
+          <a:fontRef idx="minor">
+            <a:schemeClr val="tx1"/>
+          </a:fontRef>
+        </p:style>
+      </p:cxnSp>
+      <p:sp>
+        <p:nvSpPr>
+          <p:cNvPr id="15" name="모서리가 둥근 직사각형 14"/>
           <p:cNvSpPr/>
           <p:nvPr/>
         </p:nvSpPr>
         <p:spPr>
           <a:xfrm>
-            <a:off x="7596336" y="5517232"/>
-            <a:ext cx="1224136" cy="432048"/>
-          </a:xfrm>
-          <a:prstGeom prst="rect">
+            <a:off x="5796136" y="908720"/>
+            <a:ext cx="1224136" cy="576064"/>
+          </a:xfrm>
+          <a:prstGeom prst="roundRect">
             <a:avLst/>
           </a:prstGeom>
           <a:solidFill>
             <a:schemeClr val="accent1">
-              <a:alpha val="0"/>
+              <a:alpha val="18000"/>
             </a:schemeClr>
           </a:solidFill>
           <a:ln w="12700">
@@ -11977,112 +11515,15 @@
           <a:lstStyle/>
           <a:p>
             <a:pPr algn="ctr"/>
-            <a:endParaRPr lang="ko-KR" altLang="en-US"/>
-          </a:p>
-        </p:txBody>
-      </p:sp>
-      <p:cxnSp>
-        <p:nvCxnSpPr>
-          <p:cNvPr id="15" name="직선 화살표 연결선 14"/>
-          <p:cNvCxnSpPr>
-            <a:stCxn id="18" idx="2"/>
-            <a:endCxn id="14" idx="0"/>
-          </p:cNvCxnSpPr>
-          <p:nvPr/>
-        </p:nvCxnSpPr>
-        <p:spPr>
-          <a:xfrm rot="16200000" flipH="1">
-            <a:off x="6120172" y="3429000"/>
-            <a:ext cx="3024336" cy="1152128"/>
-          </a:xfrm>
-          <a:prstGeom prst="straightConnector1">
-            <a:avLst/>
-          </a:prstGeom>
-          <a:ln>
-            <a:solidFill>
-              <a:srgbClr val="FF0000"/>
-            </a:solidFill>
-            <a:tailEnd type="arrow"/>
-          </a:ln>
-        </p:spPr>
-        <p:style>
-          <a:lnRef idx="1">
-            <a:schemeClr val="accent1"/>
-          </a:lnRef>
-          <a:fillRef idx="0">
-            <a:schemeClr val="accent1"/>
-          </a:fillRef>
-          <a:effectRef idx="0">
-            <a:schemeClr val="accent1"/>
-          </a:effectRef>
-          <a:fontRef idx="minor">
-            <a:schemeClr val="tx1"/>
-          </a:fontRef>
-        </p:style>
-      </p:cxnSp>
-      <p:sp>
-        <p:nvSpPr>
-          <p:cNvPr id="18" name="모서리가 둥근 직사각형 17"/>
-          <p:cNvSpPr/>
-          <p:nvPr/>
-        </p:nvSpPr>
-        <p:spPr>
-          <a:xfrm>
-            <a:off x="6444208" y="1556792"/>
-            <a:ext cx="1224136" cy="936104"/>
-          </a:xfrm>
-          <a:prstGeom prst="roundRect">
-            <a:avLst/>
-          </a:prstGeom>
-          <a:solidFill>
-            <a:schemeClr val="accent1">
-              <a:alpha val="18000"/>
-            </a:schemeClr>
-          </a:solidFill>
-          <a:ln w="12700">
-            <a:solidFill>
-              <a:srgbClr val="FF0000"/>
-            </a:solidFill>
-          </a:ln>
-        </p:spPr>
-        <p:style>
-          <a:lnRef idx="2">
-            <a:schemeClr val="accent1">
-              <a:shade val="50000"/>
-            </a:schemeClr>
-          </a:lnRef>
-          <a:fillRef idx="1">
-            <a:schemeClr val="accent1"/>
-          </a:fillRef>
-          <a:effectRef idx="0">
-            <a:schemeClr val="accent1"/>
-          </a:effectRef>
-          <a:fontRef idx="minor">
-            <a:schemeClr val="lt1"/>
-          </a:fontRef>
-        </p:style>
-        <p:txBody>
-          <a:bodyPr rtlCol="0" anchor="ctr"/>
-          <a:lstStyle/>
-          <a:p>
-            <a:pPr algn="ctr"/>
-            <a:r>
-              <a:rPr lang="ko-KR" altLang="en-US" dirty="0" err="1" smtClean="0">
+            <a:r>
+              <a:rPr lang="ko-KR" altLang="en-US" dirty="0" smtClean="0">
                 <a:solidFill>
                   <a:schemeClr val="tx1"/>
                 </a:solidFill>
               </a:rPr>
-              <a:t>클리꾸</a:t>
-            </a:r>
-            <a:r>
-              <a:rPr lang="en-US" altLang="ko-KR" dirty="0" smtClean="0">
-                <a:solidFill>
-                  <a:schemeClr val="tx1"/>
-                </a:solidFill>
-              </a:rPr>
-              <a:t>~</a:t>
-            </a:r>
-            <a:endParaRPr lang="ko-KR" altLang="en-US" dirty="0">
+              <a:t>클릭</a:t>
+            </a:r>
+            <a:endParaRPr lang="en-US" altLang="ko-KR" dirty="0" smtClean="0">
               <a:solidFill>
                 <a:schemeClr val="tx1"/>
               </a:solidFill>
@@ -12122,70 +11563,6 @@
           <a:chExt cx="0" cy="0"/>
         </a:xfrm>
       </p:grpSpPr>
-      <p:pic>
-        <p:nvPicPr>
-          <p:cNvPr id="29698" name="Picture 2" descr="C:\Documents and Settings\budlbaram\바탕 화면\git hub\github_new repository_create.jpg"/>
-          <p:cNvPicPr>
-            <a:picLocks noChangeAspect="1" noChangeArrowheads="1"/>
-          </p:cNvPicPr>
-          <p:nvPr/>
-        </p:nvPicPr>
-        <p:blipFill>
-          <a:blip r:embed="rId2" cstate="print"/>
-          <a:srcRect/>
-          <a:stretch>
-            <a:fillRect/>
-          </a:stretch>
-        </p:blipFill>
-        <p:spPr bwMode="auto">
-          <a:xfrm>
-            <a:off x="251520" y="2708920"/>
-            <a:ext cx="8658225" cy="3771900"/>
-          </a:xfrm>
-          <a:prstGeom prst="rect">
-            <a:avLst/>
-          </a:prstGeom>
-          <a:noFill/>
-        </p:spPr>
-      </p:pic>
-      <p:sp>
-        <p:nvSpPr>
-          <p:cNvPr id="7" name="TextBox 6"/>
-          <p:cNvSpPr txBox="1"/>
-          <p:nvPr/>
-        </p:nvSpPr>
-        <p:spPr>
-          <a:xfrm>
-            <a:off x="1259632" y="2060848"/>
-            <a:ext cx="3430747" cy="338554"/>
-          </a:xfrm>
-          <a:prstGeom prst="rect">
-            <a:avLst/>
-          </a:prstGeom>
-          <a:noFill/>
-        </p:spPr>
-        <p:txBody>
-          <a:bodyPr wrap="none" rtlCol="0">
-            <a:spAutoFit/>
-          </a:bodyPr>
-          <a:lstStyle/>
-          <a:p>
-            <a:pPr>
-              <a:buFontTx/>
-              <a:buChar char="-"/>
-            </a:pPr>
-            <a:r>
-              <a:rPr lang="en-US" altLang="ko-KR" sz="1600" dirty="0" smtClean="0"/>
-              <a:t> </a:t>
-            </a:r>
-            <a:r>
-              <a:rPr lang="ko-KR" altLang="en-US" sz="1600" dirty="0" smtClean="0"/>
-              <a:t>새로운 저장소를 만들어 보입시다</a:t>
-            </a:r>
-            <a:endParaRPr lang="en-US" altLang="ko-KR" sz="1400" dirty="0" smtClean="0"/>
-          </a:p>
-        </p:txBody>
-      </p:sp>
       <p:sp>
         <p:nvSpPr>
           <p:cNvPr id="2" name="제목 1"/>
@@ -12211,7 +11588,7 @@
             </a:r>
             <a:r>
               <a:rPr lang="ko-KR" altLang="en-US" dirty="0" smtClean="0"/>
-              <a:t>사용</a:t>
+              <a:t>설치</a:t>
             </a:r>
             <a:endParaRPr lang="ko-KR" altLang="en-US" dirty="0"/>
           </a:p>
@@ -12219,14 +11596,14 @@
       </p:sp>
       <p:sp>
         <p:nvSpPr>
-          <p:cNvPr id="8" name="TextBox 7"/>
+          <p:cNvPr id="12" name="TextBox 11"/>
           <p:cNvSpPr txBox="1"/>
           <p:nvPr/>
         </p:nvSpPr>
         <p:spPr>
           <a:xfrm>
-            <a:off x="971600" y="1628800"/>
-            <a:ext cx="2383538" cy="369332"/>
+            <a:off x="971600" y="1268760"/>
+            <a:ext cx="2259529" cy="369332"/>
           </a:xfrm>
           <a:prstGeom prst="rect">
             <a:avLst/>
@@ -12240,36 +11617,6 @@
           <a:lstStyle/>
           <a:p>
             <a:r>
-              <a:rPr lang="en-US" altLang="ko-KR" dirty="0" smtClean="0"/>
-              <a:t>1. Create a new repo</a:t>
-            </a:r>
-            <a:endParaRPr lang="ko-KR" altLang="en-US" dirty="0"/>
-          </a:p>
-        </p:txBody>
-      </p:sp>
-      <p:sp>
-        <p:nvSpPr>
-          <p:cNvPr id="12" name="TextBox 11"/>
-          <p:cNvSpPr txBox="1"/>
-          <p:nvPr/>
-        </p:nvSpPr>
-        <p:spPr>
-          <a:xfrm>
-            <a:off x="971600" y="1268760"/>
-            <a:ext cx="2613792" cy="369332"/>
-          </a:xfrm>
-          <a:prstGeom prst="rect">
-            <a:avLst/>
-          </a:prstGeom>
-          <a:noFill/>
-        </p:spPr>
-        <p:txBody>
-          <a:bodyPr wrap="none" rtlCol="0">
-            <a:spAutoFit/>
-          </a:bodyPr>
-          <a:lstStyle/>
-          <a:p>
-            <a:r>
               <a:rPr lang="en-US" altLang="ko-KR" b="1" dirty="0" smtClean="0"/>
               <a:t>Step</a:t>
             </a:r>
@@ -12282,29 +11629,30 @@
               <a:t>2. </a:t>
             </a:r>
             <a:r>
-              <a:rPr lang="en-US" altLang="ko-KR" b="1" dirty="0"/>
-              <a:t>Create A Repo</a:t>
-            </a:r>
-          </a:p>
-        </p:txBody>
-      </p:sp>
-      <p:sp>
-        <p:nvSpPr>
-          <p:cNvPr id="14" name="직사각형 13"/>
+              <a:rPr lang="ko-KR" altLang="en-US" b="1" dirty="0" smtClean="0"/>
+              <a:t>저장소 복사</a:t>
+            </a:r>
+            <a:endParaRPr lang="en-US" altLang="ko-KR" b="1" dirty="0"/>
+          </a:p>
+        </p:txBody>
+      </p:sp>
+      <p:sp>
+        <p:nvSpPr>
+          <p:cNvPr id="15" name="모서리가 둥근 직사각형 14"/>
           <p:cNvSpPr/>
           <p:nvPr/>
         </p:nvSpPr>
         <p:spPr>
           <a:xfrm>
-            <a:off x="4472374" y="6003532"/>
-            <a:ext cx="1296144" cy="432048"/>
-          </a:xfrm>
-          <a:prstGeom prst="rect">
+            <a:off x="5796136" y="908720"/>
+            <a:ext cx="1224136" cy="576064"/>
+          </a:xfrm>
+          <a:prstGeom prst="roundRect">
             <a:avLst/>
           </a:prstGeom>
           <a:solidFill>
             <a:schemeClr val="accent1">
-              <a:alpha val="0"/>
+              <a:alpha val="18000"/>
             </a:schemeClr>
           </a:solidFill>
           <a:ln w="12700">
@@ -12334,23 +11682,64 @@
           <a:lstStyle/>
           <a:p>
             <a:pPr algn="ctr"/>
-            <a:endParaRPr lang="ko-KR" altLang="en-US"/>
-          </a:p>
-        </p:txBody>
-      </p:sp>
+            <a:r>
+              <a:rPr lang="ko-KR" altLang="en-US" dirty="0" smtClean="0">
+                <a:solidFill>
+                  <a:schemeClr val="tx1"/>
+                </a:solidFill>
+              </a:rPr>
+              <a:t>클릭</a:t>
+            </a:r>
+            <a:endParaRPr lang="en-US" altLang="ko-KR" dirty="0" smtClean="0">
+              <a:solidFill>
+                <a:schemeClr val="tx1"/>
+              </a:solidFill>
+            </a:endParaRPr>
+          </a:p>
+        </p:txBody>
+      </p:sp>
+      <p:pic>
+        <p:nvPicPr>
+          <p:cNvPr id="4098" name="Picture 2"/>
+          <p:cNvPicPr>
+            <a:picLocks noChangeAspect="1" noChangeArrowheads="1"/>
+          </p:cNvPicPr>
+          <p:nvPr/>
+        </p:nvPicPr>
+        <p:blipFill>
+          <a:blip r:embed="rId2" cstate="print"/>
+          <a:srcRect/>
+          <a:stretch>
+            <a:fillRect/>
+          </a:stretch>
+        </p:blipFill>
+        <p:spPr bwMode="auto">
+          <a:xfrm>
+            <a:off x="104775" y="1988840"/>
+            <a:ext cx="8932863" cy="4320479"/>
+          </a:xfrm>
+          <a:prstGeom prst="rect">
+            <a:avLst/>
+          </a:prstGeom>
+          <a:noFill/>
+          <a:ln w="9525">
+            <a:noFill/>
+            <a:miter lim="800000"/>
+            <a:headEnd/>
+            <a:tailEnd/>
+          </a:ln>
+        </p:spPr>
+      </p:pic>
       <p:cxnSp>
         <p:nvCxnSpPr>
-          <p:cNvPr id="15" name="직선 화살표 연결선 14"/>
-          <p:cNvCxnSpPr>
-            <a:stCxn id="18" idx="2"/>
-            <a:endCxn id="14" idx="0"/>
-          </p:cNvCxnSpPr>
+          <p:cNvPr id="9" name="직선 화살표 연결선 8"/>
+          <p:cNvCxnSpPr/>
           <p:nvPr/>
         </p:nvCxnSpPr>
         <p:spPr>
-          <a:xfrm rot="5400000">
-            <a:off x="4333043" y="3280299"/>
-            <a:ext cx="3510636" cy="1935830"/>
+          <a:xfrm>
+            <a:off x="6660232" y="1484784"/>
+            <a:ext cx="0" cy="1224136"/>
           </a:xfrm>
           <a:prstGeom prst="straightConnector1">
             <a:avLst/>
@@ -12377,76 +11766,6 @@
           </a:fontRef>
         </p:style>
       </p:cxnSp>
-      <p:sp>
-        <p:nvSpPr>
-          <p:cNvPr id="18" name="모서리가 둥근 직사각형 17"/>
-          <p:cNvSpPr/>
-          <p:nvPr/>
-        </p:nvSpPr>
-        <p:spPr>
-          <a:xfrm>
-            <a:off x="6444208" y="1556792"/>
-            <a:ext cx="1224136" cy="936104"/>
-          </a:xfrm>
-          <a:prstGeom prst="roundRect">
-            <a:avLst/>
-          </a:prstGeom>
-          <a:solidFill>
-            <a:schemeClr val="accent1">
-              <a:alpha val="18000"/>
-            </a:schemeClr>
-          </a:solidFill>
-          <a:ln w="12700">
-            <a:solidFill>
-              <a:srgbClr val="FF0000"/>
-            </a:solidFill>
-          </a:ln>
-        </p:spPr>
-        <p:style>
-          <a:lnRef idx="2">
-            <a:schemeClr val="accent1">
-              <a:shade val="50000"/>
-            </a:schemeClr>
-          </a:lnRef>
-          <a:fillRef idx="1">
-            <a:schemeClr val="accent1"/>
-          </a:fillRef>
-          <a:effectRef idx="0">
-            <a:schemeClr val="accent1"/>
-          </a:effectRef>
-          <a:fontRef idx="minor">
-            <a:schemeClr val="lt1"/>
-          </a:fontRef>
-        </p:style>
-        <p:txBody>
-          <a:bodyPr rtlCol="0" anchor="ctr"/>
-          <a:lstStyle/>
-          <a:p>
-            <a:pPr algn="ctr"/>
-            <a:r>
-              <a:rPr lang="ko-KR" altLang="en-US" dirty="0" err="1" smtClean="0">
-                <a:solidFill>
-                  <a:schemeClr val="tx1"/>
-                </a:solidFill>
-              </a:rPr>
-              <a:t>클리꾸</a:t>
-            </a:r>
-            <a:r>
-              <a:rPr lang="en-US" altLang="ko-KR" dirty="0" smtClean="0">
-                <a:solidFill>
-                  <a:schemeClr val="tx1"/>
-                </a:solidFill>
-              </a:rPr>
-              <a:t>~</a:t>
-            </a:r>
-            <a:endParaRPr lang="ko-KR" altLang="en-US" dirty="0">
-              <a:solidFill>
-                <a:schemeClr val="tx1"/>
-              </a:solidFill>
-            </a:endParaRPr>
-          </a:p>
-        </p:txBody>
-      </p:sp>
     </p:spTree>
   </p:cSld>
   <p:clrMapOvr>
@@ -12481,60 +11800,6 @@
       </p:grpSpPr>
       <p:sp>
         <p:nvSpPr>
-          <p:cNvPr id="7" name="TextBox 6"/>
-          <p:cNvSpPr txBox="1"/>
-          <p:nvPr/>
-        </p:nvSpPr>
-        <p:spPr>
-          <a:xfrm>
-            <a:off x="1259632" y="2060848"/>
-            <a:ext cx="3124573" cy="338554"/>
-          </a:xfrm>
-          <a:prstGeom prst="rect">
-            <a:avLst/>
-          </a:prstGeom>
-          <a:noFill/>
-        </p:spPr>
-        <p:txBody>
-          <a:bodyPr wrap="none" rtlCol="0">
-            <a:spAutoFit/>
-          </a:bodyPr>
-          <a:lstStyle/>
-          <a:p>
-            <a:pPr>
-              <a:buFontTx/>
-              <a:buChar char="-"/>
-            </a:pPr>
-            <a:r>
-              <a:rPr lang="en-US" altLang="ko-KR" sz="1600" dirty="0" smtClean="0"/>
-              <a:t> </a:t>
-            </a:r>
-            <a:r>
-              <a:rPr lang="ko-KR" altLang="en-US" sz="1600" dirty="0" smtClean="0"/>
-              <a:t>결과 화면입니다</a:t>
-            </a:r>
-            <a:r>
-              <a:rPr lang="en-US" altLang="ko-KR" sz="1600" dirty="0" smtClean="0"/>
-              <a:t>. </a:t>
-            </a:r>
-            <a:r>
-              <a:rPr lang="ko-KR" altLang="en-US" sz="1600" dirty="0" smtClean="0"/>
-              <a:t>검나 </a:t>
-            </a:r>
-            <a:r>
-              <a:rPr lang="ko-KR" altLang="en-US" sz="1600" dirty="0" err="1" smtClean="0"/>
-              <a:t>쉽죠잉</a:t>
-            </a:r>
-            <a:r>
-              <a:rPr lang="en-US" altLang="ko-KR" sz="1600" dirty="0" smtClean="0"/>
-              <a:t>!</a:t>
-            </a:r>
-            <a:endParaRPr lang="en-US" altLang="ko-KR" sz="1400" dirty="0" smtClean="0"/>
-          </a:p>
-        </p:txBody>
-      </p:sp>
-      <p:sp>
-        <p:nvSpPr>
           <p:cNvPr id="2" name="제목 1"/>
           <p:cNvSpPr>
             <a:spLocks noGrp="1"/>
@@ -12558,7 +11823,7 @@
             </a:r>
             <a:r>
               <a:rPr lang="ko-KR" altLang="en-US" dirty="0" smtClean="0"/>
-              <a:t>사용</a:t>
+              <a:t>설치</a:t>
             </a:r>
             <a:endParaRPr lang="ko-KR" altLang="en-US" dirty="0"/>
           </a:p>
@@ -12566,14 +11831,14 @@
       </p:sp>
       <p:sp>
         <p:nvSpPr>
-          <p:cNvPr id="8" name="TextBox 7"/>
+          <p:cNvPr id="12" name="TextBox 11"/>
           <p:cNvSpPr txBox="1"/>
           <p:nvPr/>
         </p:nvSpPr>
         <p:spPr>
           <a:xfrm>
-            <a:off x="971600" y="1628800"/>
-            <a:ext cx="2383538" cy="369332"/>
+            <a:off x="971600" y="1268760"/>
+            <a:ext cx="2259529" cy="369332"/>
           </a:xfrm>
           <a:prstGeom prst="rect">
             <a:avLst/>
@@ -12587,36 +11852,6 @@
           <a:lstStyle/>
           <a:p>
             <a:r>
-              <a:rPr lang="en-US" altLang="ko-KR" dirty="0" smtClean="0"/>
-              <a:t>1. Create a new repo</a:t>
-            </a:r>
-            <a:endParaRPr lang="ko-KR" altLang="en-US" dirty="0"/>
-          </a:p>
-        </p:txBody>
-      </p:sp>
-      <p:sp>
-        <p:nvSpPr>
-          <p:cNvPr id="12" name="TextBox 11"/>
-          <p:cNvSpPr txBox="1"/>
-          <p:nvPr/>
-        </p:nvSpPr>
-        <p:spPr>
-          <a:xfrm>
-            <a:off x="971600" y="1268760"/>
-            <a:ext cx="2613792" cy="369332"/>
-          </a:xfrm>
-          <a:prstGeom prst="rect">
-            <a:avLst/>
-          </a:prstGeom>
-          <a:noFill/>
-        </p:spPr>
-        <p:txBody>
-          <a:bodyPr wrap="none" rtlCol="0">
-            <a:spAutoFit/>
-          </a:bodyPr>
-          <a:lstStyle/>
-          <a:p>
-            <a:r>
               <a:rPr lang="en-US" altLang="ko-KR" b="1" dirty="0" smtClean="0"/>
               <a:t>Step</a:t>
             </a:r>
@@ -12629,15 +11864,16 @@
               <a:t>2. </a:t>
             </a:r>
             <a:r>
-              <a:rPr lang="en-US" altLang="ko-KR" b="1" dirty="0"/>
-              <a:t>Create A Repo</a:t>
-            </a:r>
+              <a:rPr lang="ko-KR" altLang="en-US" b="1" dirty="0" smtClean="0"/>
+              <a:t>저장소 복사</a:t>
+            </a:r>
+            <a:endParaRPr lang="en-US" altLang="ko-KR" b="1" dirty="0"/>
           </a:p>
         </p:txBody>
       </p:sp>
       <p:pic>
         <p:nvPicPr>
-          <p:cNvPr id="30722" name="Picture 2" descr="C:\Documents and Settings\budlbaram\바탕 화면\git hub\github_new repository_create_finish.jpg"/>
+          <p:cNvPr id="5122" name="Picture 2"/>
           <p:cNvPicPr>
             <a:picLocks noChangeAspect="1" noChangeArrowheads="1"/>
           </p:cNvPicPr>
@@ -12652,15 +11888,148 @@
         </p:blipFill>
         <p:spPr bwMode="auto">
           <a:xfrm>
-            <a:off x="899592" y="2492896"/>
-            <a:ext cx="5142022" cy="4248472"/>
+            <a:off x="1043608" y="2924944"/>
+            <a:ext cx="6446837" cy="3733800"/>
           </a:xfrm>
           <a:prstGeom prst="rect">
             <a:avLst/>
           </a:prstGeom>
           <a:noFill/>
+          <a:ln w="9525">
+            <a:noFill/>
+            <a:miter lim="800000"/>
+            <a:headEnd/>
+            <a:tailEnd/>
+          </a:ln>
         </p:spPr>
       </p:pic>
+      <p:sp>
+        <p:nvSpPr>
+          <p:cNvPr id="8" name="TextBox 7"/>
+          <p:cNvSpPr txBox="1"/>
+          <p:nvPr/>
+        </p:nvSpPr>
+        <p:spPr>
+          <a:xfrm>
+            <a:off x="1115616" y="1772816"/>
+            <a:ext cx="4176464" cy="646331"/>
+          </a:xfrm>
+          <a:prstGeom prst="rect">
+            <a:avLst/>
+          </a:prstGeom>
+          <a:noFill/>
+        </p:spPr>
+        <p:txBody>
+          <a:bodyPr wrap="square" rtlCol="0">
+            <a:spAutoFit/>
+          </a:bodyPr>
+          <a:lstStyle/>
+          <a:p>
+            <a:pPr>
+              <a:buFontTx/>
+              <a:buChar char="-"/>
+            </a:pPr>
+            <a:r>
+              <a:rPr lang="en-US" altLang="ko-KR" dirty="0" smtClean="0"/>
+              <a:t> </a:t>
+            </a:r>
+            <a:r>
+              <a:rPr lang="en-US" altLang="ko-KR" dirty="0" err="1" smtClean="0"/>
+              <a:t>Gitbash</a:t>
+            </a:r>
+            <a:r>
+              <a:rPr lang="en-US" altLang="ko-KR" dirty="0" smtClean="0"/>
+              <a:t> </a:t>
+            </a:r>
+            <a:r>
+              <a:rPr lang="ko-KR" altLang="en-US" dirty="0" smtClean="0"/>
+              <a:t>실행</a:t>
+            </a:r>
+            <a:endParaRPr lang="en-US" altLang="ko-KR" dirty="0" smtClean="0"/>
+          </a:p>
+          <a:p>
+            <a:pPr>
+              <a:buFontTx/>
+              <a:buChar char="-"/>
+            </a:pPr>
+            <a:r>
+              <a:rPr lang="en-US" altLang="ko-KR" dirty="0" smtClean="0"/>
+              <a:t> </a:t>
+            </a:r>
+            <a:r>
+              <a:rPr lang="ko-KR" altLang="en-US" dirty="0" smtClean="0"/>
+              <a:t>아래 명령어 입력</a:t>
+            </a:r>
+            <a:endParaRPr lang="en-US" altLang="ko-KR" dirty="0" smtClean="0"/>
+          </a:p>
+        </p:txBody>
+      </p:sp>
+      <p:cxnSp>
+        <p:nvCxnSpPr>
+          <p:cNvPr id="11" name="직선 화살표 연결선 10"/>
+          <p:cNvCxnSpPr/>
+          <p:nvPr/>
+        </p:nvCxnSpPr>
+        <p:spPr>
+          <a:xfrm flipH="1">
+            <a:off x="3491880" y="2564904"/>
+            <a:ext cx="1080120" cy="1656184"/>
+          </a:xfrm>
+          <a:prstGeom prst="straightConnector1">
+            <a:avLst/>
+          </a:prstGeom>
+          <a:ln>
+            <a:solidFill>
+              <a:srgbClr val="FF0000"/>
+            </a:solidFill>
+            <a:tailEnd type="arrow"/>
+          </a:ln>
+        </p:spPr>
+        <p:style>
+          <a:lnRef idx="1">
+            <a:schemeClr val="accent1"/>
+          </a:lnRef>
+          <a:fillRef idx="0">
+            <a:schemeClr val="accent1"/>
+          </a:fillRef>
+          <a:effectRef idx="0">
+            <a:schemeClr val="accent1"/>
+          </a:effectRef>
+          <a:fontRef idx="minor">
+            <a:schemeClr val="tx1"/>
+          </a:fontRef>
+        </p:style>
+      </p:cxnSp>
+      <p:sp>
+        <p:nvSpPr>
+          <p:cNvPr id="13" name="TextBox 12"/>
+          <p:cNvSpPr txBox="1"/>
+          <p:nvPr/>
+        </p:nvSpPr>
+        <p:spPr>
+          <a:xfrm>
+            <a:off x="4283968" y="2195572"/>
+            <a:ext cx="2376264" cy="369332"/>
+          </a:xfrm>
+          <a:prstGeom prst="rect">
+            <a:avLst/>
+          </a:prstGeom>
+          <a:noFill/>
+        </p:spPr>
+        <p:txBody>
+          <a:bodyPr wrap="square" rtlCol="0">
+            <a:spAutoFit/>
+          </a:bodyPr>
+          <a:lstStyle/>
+          <a:p>
+            <a:r>
+              <a:rPr lang="ko-KR" altLang="en-US" smtClean="0"/>
+              <a:t>자신의 계정아이디</a:t>
+            </a:r>
+            <a:endParaRPr lang="ko-KR" altLang="en-US"/>
+          </a:p>
+        </p:txBody>
+      </p:sp>
     </p:spTree>
   </p:cSld>
   <p:clrMapOvr>
@@ -12701,8 +12070,8 @@
         </p:nvSpPr>
         <p:spPr>
           <a:xfrm>
-            <a:off x="1259632" y="2060848"/>
-            <a:ext cx="5771132" cy="584775"/>
+            <a:off x="1068996" y="2060848"/>
+            <a:ext cx="7138493" cy="2062103"/>
           </a:xfrm>
           <a:prstGeom prst="rect">
             <a:avLst/>
@@ -12715,25 +12084,33 @@
           </a:bodyPr>
           <a:lstStyle/>
           <a:p>
-            <a:pPr>
+            <a:pPr marL="0" lvl="8">
               <a:buFontTx/>
               <a:buChar char="-"/>
             </a:pPr>
             <a:r>
+              <a:rPr lang="ko-KR" altLang="en-US" sz="1600" dirty="0" smtClean="0"/>
+              <a:t>프로젝트를 </a:t>
+            </a:r>
+            <a:r>
+              <a:rPr lang="ko-KR" altLang="en-US" sz="1600" dirty="0" smtClean="0"/>
+              <a:t>가져와서 개발하려면 </a:t>
+            </a:r>
+            <a:r>
+              <a:rPr lang="ko-KR" altLang="en-US" sz="1600" dirty="0" smtClean="0"/>
+              <a:t>자신의 </a:t>
+            </a:r>
+            <a:r>
+              <a:rPr lang="ko-KR" altLang="en-US" sz="1600" dirty="0" smtClean="0"/>
+              <a:t>컴퓨터에 </a:t>
+            </a:r>
+            <a:r>
               <a:rPr lang="en-US" altLang="ko-KR" sz="1600" dirty="0" smtClean="0"/>
-              <a:t> </a:t>
+              <a:t>clone </a:t>
             </a:r>
             <a:r>
               <a:rPr lang="ko-KR" altLang="en-US" sz="1600" dirty="0" smtClean="0"/>
-              <a:t>우선 프로젝트에 대한 </a:t>
-            </a:r>
-            <a:r>
-              <a:rPr lang="en-US" altLang="ko-KR" sz="1600" dirty="0" smtClean="0"/>
-              <a:t>README </a:t>
-            </a:r>
-            <a:r>
-              <a:rPr lang="ko-KR" altLang="en-US" sz="1600" dirty="0" smtClean="0"/>
-              <a:t>파일을 만들어야 합니다</a:t>
+              <a:t>이 있어야 합니다</a:t>
             </a:r>
             <a:r>
               <a:rPr lang="en-US" altLang="ko-KR" sz="1600" dirty="0" smtClean="0"/>
@@ -12741,31 +12118,32 @@
             </a:r>
           </a:p>
           <a:p>
-            <a:pPr>
-              <a:buFontTx/>
-              <a:buChar char="-"/>
-            </a:pPr>
-            <a:r>
-              <a:rPr lang="en-US" altLang="ko-KR" sz="1600" dirty="0"/>
-              <a:t> </a:t>
-            </a:r>
-            <a:r>
-              <a:rPr lang="ko-KR" altLang="en-US" sz="1600" dirty="0" smtClean="0"/>
-              <a:t>아래와 같이 </a:t>
-            </a:r>
-            <a:r>
-              <a:rPr lang="ko-KR" altLang="en-US" sz="1600" dirty="0" err="1" smtClean="0"/>
-              <a:t>쭈주죽</a:t>
-            </a:r>
-            <a:r>
-              <a:rPr lang="ko-KR" altLang="en-US" sz="1600" dirty="0" smtClean="0"/>
-              <a:t> 폴더를 만들어 저장소로 만들어 줍니다</a:t>
-            </a:r>
-            <a:r>
-              <a:rPr lang="en-US" altLang="ko-KR" sz="1600" dirty="0" smtClean="0"/>
-              <a:t>.</a:t>
-            </a:r>
-            <a:endParaRPr lang="en-US" altLang="ko-KR" sz="1400" dirty="0" smtClean="0"/>
+            <a:pPr marL="0" lvl="8"/>
+            <a:endParaRPr lang="en-US" altLang="ko-KR" sz="1600" dirty="0"/>
+          </a:p>
+          <a:p>
+            <a:pPr marL="0" lvl="8"/>
+            <a:endParaRPr lang="en-US" altLang="ko-KR" sz="1600" dirty="0" smtClean="0"/>
+          </a:p>
+          <a:p>
+            <a:pPr marL="0" lvl="8"/>
+            <a:endParaRPr lang="en-US" altLang="ko-KR" sz="1600" dirty="0"/>
+          </a:p>
+          <a:p>
+            <a:pPr marL="0" lvl="8"/>
+            <a:endParaRPr lang="en-US" altLang="ko-KR" sz="1600" dirty="0" smtClean="0"/>
+          </a:p>
+          <a:p>
+            <a:pPr marL="0" lvl="8"/>
+            <a:endParaRPr lang="en-US" altLang="ko-KR" sz="1600" dirty="0"/>
+          </a:p>
+          <a:p>
+            <a:pPr marL="0" lvl="8"/>
+            <a:endParaRPr lang="en-US" altLang="ko-KR" sz="1600" dirty="0" smtClean="0"/>
+          </a:p>
+          <a:p>
+            <a:pPr marL="0" lvl="8"/>
+            <a:endParaRPr lang="en-US" altLang="ko-KR" sz="1600" dirty="0"/>
           </a:p>
         </p:txBody>
       </p:sp>
@@ -12809,7 +12187,7 @@
         <p:spPr>
           <a:xfrm>
             <a:off x="971600" y="1628800"/>
-            <a:ext cx="2383538" cy="369332"/>
+            <a:ext cx="1745414" cy="369332"/>
           </a:xfrm>
           <a:prstGeom prst="rect">
             <a:avLst/>
@@ -12824,9 +12202,8 @@
           <a:p>
             <a:r>
               <a:rPr lang="en-US" altLang="ko-KR" dirty="0" smtClean="0"/>
-              <a:t>1. Create a new repo</a:t>
-            </a:r>
-            <a:endParaRPr lang="ko-KR" altLang="en-US" dirty="0"/>
+              <a:t>1. Fork A Repo</a:t>
+            </a:r>
           </a:p>
         </p:txBody>
       </p:sp>
@@ -12873,7 +12250,7 @@
       </p:sp>
       <p:pic>
         <p:nvPicPr>
-          <p:cNvPr id="31746" name="Picture 2"/>
+          <p:cNvPr id="6146" name="Picture 2"/>
           <p:cNvPicPr>
             <a:picLocks noChangeAspect="1" noChangeArrowheads="1"/>
           </p:cNvPicPr>
@@ -12888,8 +12265,8 @@
         </p:blipFill>
         <p:spPr bwMode="auto">
           <a:xfrm>
-            <a:off x="1115616" y="2852936"/>
-            <a:ext cx="6324600" cy="1905000"/>
+            <a:off x="539552" y="2708920"/>
+            <a:ext cx="8388424" cy="3672408"/>
           </a:xfrm>
           <a:prstGeom prst="rect">
             <a:avLst/>
@@ -12903,63 +12280,6 @@
           </a:ln>
         </p:spPr>
       </p:pic>
-      <p:sp>
-        <p:nvSpPr>
-          <p:cNvPr id="9" name="TextBox 8"/>
-          <p:cNvSpPr txBox="1"/>
-          <p:nvPr/>
-        </p:nvSpPr>
-        <p:spPr>
-          <a:xfrm>
-            <a:off x="1259632" y="4932457"/>
-            <a:ext cx="6375913" cy="338554"/>
-          </a:xfrm>
-          <a:prstGeom prst="rect">
-            <a:avLst/>
-          </a:prstGeom>
-          <a:noFill/>
-        </p:spPr>
-        <p:txBody>
-          <a:bodyPr wrap="none" rtlCol="0">
-            <a:spAutoFit/>
-          </a:bodyPr>
-          <a:lstStyle/>
-          <a:p>
-            <a:pPr>
-              <a:buFontTx/>
-              <a:buChar char="-"/>
-            </a:pPr>
-            <a:r>
-              <a:rPr lang="en-US" altLang="ko-KR" sz="1600" dirty="0" smtClean="0"/>
-              <a:t> touch</a:t>
-            </a:r>
-            <a:r>
-              <a:rPr lang="ko-KR" altLang="en-US" sz="1600" dirty="0" smtClean="0"/>
-              <a:t> </a:t>
-            </a:r>
-            <a:r>
-              <a:rPr lang="en-US" altLang="ko-KR" sz="1600" dirty="0" smtClean="0"/>
-              <a:t>README </a:t>
-            </a:r>
-            <a:r>
-              <a:rPr lang="ko-KR" altLang="en-US" sz="1600" dirty="0" smtClean="0"/>
-              <a:t>라고 입력하는 순간</a:t>
-            </a:r>
-            <a:r>
-              <a:rPr lang="en-US" altLang="ko-KR" sz="1600" dirty="0" smtClean="0"/>
-              <a:t>! README </a:t>
-            </a:r>
-            <a:r>
-              <a:rPr lang="ko-KR" altLang="en-US" sz="1600" dirty="0" smtClean="0"/>
-              <a:t>파일이 생성됩니다</a:t>
-            </a:r>
-            <a:r>
-              <a:rPr lang="en-US" altLang="ko-KR" sz="1600" dirty="0" smtClean="0"/>
-              <a:t>.</a:t>
-            </a:r>
-          </a:p>
-        </p:txBody>
-      </p:sp>
     </p:spTree>
   </p:cSld>
   <p:clrMapOvr>
@@ -12994,98 +12314,6 @@
       </p:grpSpPr>
       <p:sp>
         <p:nvSpPr>
-          <p:cNvPr id="7" name="TextBox 6"/>
-          <p:cNvSpPr txBox="1"/>
-          <p:nvPr/>
-        </p:nvSpPr>
-        <p:spPr>
-          <a:xfrm>
-            <a:off x="1259632" y="2060848"/>
-            <a:ext cx="7389139" cy="584775"/>
-          </a:xfrm>
-          <a:prstGeom prst="rect">
-            <a:avLst/>
-          </a:prstGeom>
-          <a:noFill/>
-        </p:spPr>
-        <p:txBody>
-          <a:bodyPr wrap="none" rtlCol="0">
-            <a:spAutoFit/>
-          </a:bodyPr>
-          <a:lstStyle/>
-          <a:p>
-            <a:pPr marL="0" lvl="8">
-              <a:buFontTx/>
-              <a:buChar char="-"/>
-            </a:pPr>
-            <a:r>
-              <a:rPr lang="en-US" altLang="ko-KR" sz="1600" dirty="0" smtClean="0"/>
-              <a:t> </a:t>
-            </a:r>
-            <a:r>
-              <a:rPr lang="ko-KR" altLang="en-US" sz="1600" dirty="0" smtClean="0"/>
-              <a:t>그럼 이제 간단히 </a:t>
-            </a:r>
-            <a:r>
-              <a:rPr lang="en-US" altLang="ko-KR" sz="1600" dirty="0" smtClean="0"/>
-              <a:t>Hello World!! </a:t>
-            </a:r>
-            <a:r>
-              <a:rPr lang="ko-KR" altLang="en-US" sz="1600" dirty="0" smtClean="0"/>
-              <a:t>라고 </a:t>
-            </a:r>
-            <a:r>
-              <a:rPr lang="en-US" altLang="ko-KR" sz="1600" dirty="0" smtClean="0"/>
-              <a:t>README </a:t>
-            </a:r>
-            <a:r>
-              <a:rPr lang="ko-KR" altLang="en-US" sz="1600" dirty="0" smtClean="0"/>
-              <a:t>파일을 열어 적고 저장합니다</a:t>
-            </a:r>
-            <a:r>
-              <a:rPr lang="en-US" altLang="ko-KR" sz="1600" dirty="0" smtClean="0"/>
-              <a:t>.</a:t>
-            </a:r>
-          </a:p>
-          <a:p>
-            <a:pPr marL="0" lvl="8">
-              <a:buFontTx/>
-              <a:buChar char="-"/>
-            </a:pPr>
-            <a:r>
-              <a:rPr lang="en-US" altLang="ko-KR" sz="1600" dirty="0"/>
-              <a:t> </a:t>
-            </a:r>
-            <a:r>
-              <a:rPr lang="ko-KR" altLang="en-US" sz="1600" dirty="0" smtClean="0"/>
-              <a:t>그럼 이제 </a:t>
-            </a:r>
-            <a:r>
-              <a:rPr lang="ko-KR" altLang="en-US" sz="1600" dirty="0" err="1" smtClean="0"/>
-              <a:t>커밋</a:t>
-            </a:r>
-            <a:r>
-              <a:rPr lang="ko-KR" altLang="en-US" sz="1600" dirty="0" smtClean="0"/>
-              <a:t> 할 차례</a:t>
-            </a:r>
-            <a:r>
-              <a:rPr lang="en-US" altLang="ko-KR" sz="1600" dirty="0" smtClean="0"/>
-              <a:t>…</a:t>
-            </a:r>
-            <a:r>
-              <a:rPr lang="en-US" altLang="ko-KR" sz="1600" dirty="0"/>
-              <a:t> </a:t>
-            </a:r>
-            <a:r>
-              <a:rPr lang="ko-KR" altLang="en-US" sz="1600" dirty="0" smtClean="0"/>
-              <a:t>아래와 같이 입력</a:t>
-            </a:r>
-            <a:endParaRPr lang="en-US" altLang="ko-KR" sz="1600" dirty="0" smtClean="0"/>
-          </a:p>
-        </p:txBody>
-      </p:sp>
-      <p:sp>
-        <p:nvSpPr>
           <p:cNvPr id="2" name="제목 1"/>
           <p:cNvSpPr>
             <a:spLocks noGrp="1"/>
@@ -13124,7 +12352,7 @@
         <p:spPr>
           <a:xfrm>
             <a:off x="971600" y="1628800"/>
-            <a:ext cx="2383538" cy="369332"/>
+            <a:ext cx="1745414" cy="369332"/>
           </a:xfrm>
           <a:prstGeom prst="rect">
             <a:avLst/>
@@ -13139,9 +12367,8 @@
           <a:p>
             <a:r>
               <a:rPr lang="en-US" altLang="ko-KR" dirty="0" smtClean="0"/>
-              <a:t>1. Create a new repo</a:t>
-            </a:r>
-            <a:endParaRPr lang="ko-KR" altLang="en-US" dirty="0"/>
+              <a:t>1. Fork A Repo</a:t>
+            </a:r>
           </a:p>
         </p:txBody>
       </p:sp>
@@ -13186,126 +12413,9 @@
           </a:p>
         </p:txBody>
       </p:sp>
-      <p:sp>
-        <p:nvSpPr>
-          <p:cNvPr id="9" name="TextBox 8"/>
-          <p:cNvSpPr txBox="1"/>
-          <p:nvPr/>
-        </p:nvSpPr>
-        <p:spPr>
-          <a:xfrm>
-            <a:off x="1259632" y="4653136"/>
-            <a:ext cx="6519221" cy="1077218"/>
-          </a:xfrm>
-          <a:prstGeom prst="rect">
-            <a:avLst/>
-          </a:prstGeom>
-          <a:noFill/>
-        </p:spPr>
-        <p:txBody>
-          <a:bodyPr wrap="none" rtlCol="0">
-            <a:spAutoFit/>
-          </a:bodyPr>
-          <a:lstStyle/>
-          <a:p>
-            <a:pPr>
-              <a:buFontTx/>
-              <a:buChar char="-"/>
-            </a:pPr>
-            <a:r>
-              <a:rPr lang="en-US" altLang="ko-KR" sz="1600" dirty="0" smtClean="0"/>
-              <a:t> </a:t>
-            </a:r>
-            <a:r>
-              <a:rPr lang="ko-KR" altLang="en-US" sz="1600" dirty="0" smtClean="0"/>
-              <a:t>한 것 없이 뭔가 일 낸 것 같습니다</a:t>
-            </a:r>
-            <a:r>
-              <a:rPr lang="en-US" altLang="ko-KR" sz="1600" dirty="0" smtClean="0"/>
-              <a:t>. C </a:t>
-            </a:r>
-            <a:r>
-              <a:rPr lang="ko-KR" altLang="en-US" sz="1600" dirty="0" smtClean="0"/>
-              <a:t>언어에서 </a:t>
-            </a:r>
-            <a:r>
-              <a:rPr lang="en-US" altLang="ko-KR" sz="1600" dirty="0" err="1" smtClean="0"/>
-              <a:t>hellow</a:t>
-            </a:r>
-            <a:r>
-              <a:rPr lang="ko-KR" altLang="en-US" sz="1600" dirty="0" smtClean="0"/>
-              <a:t> </a:t>
-            </a:r>
-            <a:r>
-              <a:rPr lang="en-US" altLang="ko-KR" sz="1600" dirty="0" smtClean="0"/>
-              <a:t>World </a:t>
-            </a:r>
-            <a:r>
-              <a:rPr lang="ko-KR" altLang="en-US" sz="1600" dirty="0" smtClean="0"/>
-              <a:t>라고 </a:t>
-            </a:r>
-            <a:endParaRPr lang="en-US" altLang="ko-KR" sz="1600" dirty="0" smtClean="0"/>
-          </a:p>
-          <a:p>
-            <a:r>
-              <a:rPr lang="ko-KR" altLang="en-US" sz="1600" dirty="0" smtClean="0"/>
-              <a:t>처음 화면에 표시 했을 때의 감동이</a:t>
-            </a:r>
-            <a:r>
-              <a:rPr lang="en-US" altLang="ko-KR" sz="1600" dirty="0" smtClean="0"/>
-              <a:t>…</a:t>
-            </a:r>
-          </a:p>
-          <a:p>
-            <a:pPr>
-              <a:buFontTx/>
-              <a:buChar char="-"/>
-            </a:pPr>
-            <a:r>
-              <a:rPr lang="ko-KR" altLang="en-US" sz="1600" dirty="0" smtClean="0"/>
-              <a:t>하지만 이것이 내 컴퓨터에서의 </a:t>
-            </a:r>
-            <a:r>
-              <a:rPr lang="ko-KR" altLang="en-US" sz="1600" dirty="0" err="1" smtClean="0"/>
-              <a:t>커밋일</a:t>
-            </a:r>
-            <a:r>
-              <a:rPr lang="ko-KR" altLang="en-US" sz="1600" dirty="0" smtClean="0"/>
-              <a:t> 뿐 여타의 </a:t>
-            </a:r>
-            <a:r>
-              <a:rPr lang="en-US" altLang="ko-KR" sz="1600" dirty="0" smtClean="0"/>
-              <a:t>SVN </a:t>
-            </a:r>
-            <a:r>
-              <a:rPr lang="ko-KR" altLang="en-US" sz="1600" dirty="0" smtClean="0"/>
-              <a:t>과 달리 </a:t>
-            </a:r>
-            <a:endParaRPr lang="en-US" altLang="ko-KR" sz="1600" dirty="0" smtClean="0"/>
-          </a:p>
-          <a:p>
-            <a:r>
-              <a:rPr lang="en-US" altLang="ko-KR" sz="1600" dirty="0" err="1" smtClean="0"/>
-              <a:t>Github</a:t>
-            </a:r>
-            <a:r>
-              <a:rPr lang="en-US" altLang="ko-KR" sz="1600" dirty="0" smtClean="0"/>
-              <a:t> </a:t>
-            </a:r>
-            <a:r>
-              <a:rPr lang="ko-KR" altLang="en-US" sz="1600" dirty="0" smtClean="0"/>
-              <a:t>내의 저장소에 달라진 점은 전혀 없습니다</a:t>
-            </a:r>
-            <a:r>
-              <a:rPr lang="en-US" altLang="ko-KR" sz="1600" dirty="0" smtClean="0"/>
-              <a:t>.</a:t>
-            </a:r>
-          </a:p>
-        </p:txBody>
-      </p:sp>
       <p:pic>
         <p:nvPicPr>
-          <p:cNvPr id="32770" name="Picture 2"/>
+          <p:cNvPr id="7170" name="Picture 2"/>
           <p:cNvPicPr>
             <a:picLocks noChangeAspect="1" noChangeArrowheads="1"/>
           </p:cNvPicPr>
@@ -13320,8 +12430,8 @@
         </p:blipFill>
         <p:spPr bwMode="auto">
           <a:xfrm>
-            <a:off x="1331640" y="2780928"/>
-            <a:ext cx="6267450" cy="1666875"/>
+            <a:off x="323528" y="2132856"/>
+            <a:ext cx="8532813" cy="4210447"/>
           </a:xfrm>
           <a:prstGeom prst="rect">
             <a:avLst/>
@@ -13335,48 +12445,52 @@
           </a:ln>
         </p:spPr>
       </p:pic>
-    </p:spTree>
-  </p:cSld>
-  <p:clrMapOvr>
-    <a:masterClrMapping/>
-  </p:clrMapOvr>
-  <p:timing>
-    <p:tnLst>
-      <p:par>
-        <p:cTn id="1" dur="indefinite" restart="never" nodeType="tmRoot"/>
-      </p:par>
-    </p:tnLst>
-  </p:timing>
-</p:sld>
-</file>
-
-<file path=ppt/slides/slide39.xml><?xml version="1.0" encoding="utf-8"?>
-<p:sld xmlns:a="http://schemas.openxmlformats.org/drawingml/2006/main" xmlns:r="http://schemas.openxmlformats.org/officeDocument/2006/relationships" xmlns:p="http://schemas.openxmlformats.org/presentationml/2006/main">
-  <p:cSld>
-    <p:spTree>
-      <p:nvGrpSpPr>
-        <p:cNvPr id="1" name=""/>
-        <p:cNvGrpSpPr/>
-        <p:nvPr/>
-      </p:nvGrpSpPr>
-      <p:grpSpPr>
-        <a:xfrm>
-          <a:off x="0" y="0"/>
-          <a:ext cx="0" cy="0"/>
-          <a:chOff x="0" y="0"/>
-          <a:chExt cx="0" cy="0"/>
-        </a:xfrm>
-      </p:grpSpPr>
-      <p:sp>
-        <p:nvSpPr>
-          <p:cNvPr id="7" name="TextBox 6"/>
+      <p:cxnSp>
+        <p:nvCxnSpPr>
+          <p:cNvPr id="10" name="직선 화살표 연결선 9"/>
+          <p:cNvCxnSpPr/>
+          <p:nvPr/>
+        </p:nvCxnSpPr>
+        <p:spPr>
+          <a:xfrm flipH="1">
+            <a:off x="3131840" y="1772816"/>
+            <a:ext cx="2520280" cy="2880320"/>
+          </a:xfrm>
+          <a:prstGeom prst="straightConnector1">
+            <a:avLst/>
+          </a:prstGeom>
+          <a:ln>
+            <a:solidFill>
+              <a:srgbClr val="FF0000"/>
+            </a:solidFill>
+            <a:tailEnd type="arrow"/>
+          </a:ln>
+        </p:spPr>
+        <p:style>
+          <a:lnRef idx="1">
+            <a:schemeClr val="accent1"/>
+          </a:lnRef>
+          <a:fillRef idx="0">
+            <a:schemeClr val="accent1"/>
+          </a:fillRef>
+          <a:effectRef idx="0">
+            <a:schemeClr val="accent1"/>
+          </a:effectRef>
+          <a:fontRef idx="minor">
+            <a:schemeClr val="tx1"/>
+          </a:fontRef>
+        </p:style>
+      </p:cxnSp>
+      <p:sp>
+        <p:nvSpPr>
+          <p:cNvPr id="11" name="TextBox 10"/>
           <p:cNvSpPr txBox="1"/>
           <p:nvPr/>
         </p:nvSpPr>
         <p:spPr>
           <a:xfrm>
-            <a:off x="1259632" y="2060848"/>
-            <a:ext cx="7713971" cy="584775"/>
+            <a:off x="5670782" y="1340768"/>
+            <a:ext cx="1872208" cy="646331"/>
           </a:xfrm>
           <a:prstGeom prst="rect">
             <a:avLst/>
@@ -13384,297 +12498,27 @@
           <a:noFill/>
         </p:spPr>
         <p:txBody>
-          <a:bodyPr wrap="none" rtlCol="0">
+          <a:bodyPr wrap="square" rtlCol="0">
             <a:spAutoFit/>
           </a:bodyPr>
           <a:lstStyle/>
           <a:p>
-            <a:pPr marL="0" lvl="8">
-              <a:buFontTx/>
-              <a:buChar char="-"/>
-            </a:pPr>
-            <a:r>
-              <a:rPr lang="en-US" altLang="ko-KR" sz="1600" dirty="0" smtClean="0"/>
-              <a:t> </a:t>
-            </a:r>
-            <a:r>
-              <a:rPr lang="ko-KR" altLang="en-US" sz="1600" dirty="0" smtClean="0"/>
-              <a:t>그럼 원격으로 </a:t>
-            </a:r>
-            <a:r>
-              <a:rPr lang="ko-KR" altLang="en-US" sz="1600" dirty="0" err="1" smtClean="0"/>
-              <a:t>푸시해</a:t>
-            </a:r>
-            <a:r>
-              <a:rPr lang="ko-KR" altLang="en-US" sz="1600" dirty="0" smtClean="0"/>
-              <a:t> 보도록 할까요</a:t>
-            </a:r>
-            <a:r>
-              <a:rPr lang="en-US" altLang="ko-KR" sz="1600" dirty="0" smtClean="0"/>
-              <a:t>?(</a:t>
-            </a:r>
-            <a:r>
-              <a:rPr lang="ko-KR" altLang="en-US" sz="1600" dirty="0" err="1" smtClean="0"/>
-              <a:t>커밋은</a:t>
-            </a:r>
-            <a:r>
-              <a:rPr lang="ko-KR" altLang="en-US" sz="1600" dirty="0" smtClean="0"/>
-              <a:t> 자신의 컴퓨터에 푸시는 원격으로 </a:t>
-            </a:r>
-            <a:endParaRPr lang="en-US" altLang="ko-KR" sz="1600" dirty="0" smtClean="0"/>
-          </a:p>
-          <a:p>
-            <a:pPr marL="0" lvl="8"/>
-            <a:r>
-              <a:rPr lang="en-US" altLang="ko-KR" sz="1600" dirty="0" err="1" smtClean="0"/>
-              <a:t>Github</a:t>
-            </a:r>
-            <a:r>
-              <a:rPr lang="en-US" altLang="ko-KR" sz="1600" dirty="0"/>
-              <a:t> </a:t>
-            </a:r>
-            <a:r>
-              <a:rPr lang="ko-KR" altLang="en-US" sz="1600" dirty="0" smtClean="0"/>
-              <a:t>의</a:t>
-            </a:r>
-            <a:r>
-              <a:rPr lang="en-US" altLang="ko-KR" sz="1600" dirty="0" smtClean="0"/>
-              <a:t> </a:t>
-            </a:r>
-            <a:r>
-              <a:rPr lang="ko-KR" altLang="en-US" sz="1600" dirty="0" smtClean="0"/>
-              <a:t>저장소에 업데이트 시키는 것임</a:t>
-            </a:r>
-            <a:r>
-              <a:rPr lang="en-US" altLang="ko-KR" sz="1600" dirty="0" smtClean="0"/>
-              <a:t>)</a:t>
-            </a:r>
-          </a:p>
-        </p:txBody>
-      </p:sp>
-      <p:sp>
-        <p:nvSpPr>
-          <p:cNvPr id="2" name="제목 1"/>
-          <p:cNvSpPr>
-            <a:spLocks noGrp="1"/>
-          </p:cNvSpPr>
-          <p:nvPr>
-            <p:ph type="title"/>
-          </p:nvPr>
-        </p:nvSpPr>
-        <p:spPr/>
-        <p:txBody>
-          <a:bodyPr/>
-          <a:lstStyle/>
-          <a:p>
-            <a:r>
-              <a:rPr lang="en-US" altLang="ko-KR" dirty="0" err="1" smtClean="0"/>
-              <a:t>Github</a:t>
+            <a:r>
+              <a:rPr lang="ko-KR" altLang="en-US" dirty="0" smtClean="0"/>
+              <a:t>자신의 </a:t>
             </a:r>
             <a:r>
               <a:rPr lang="en-US" altLang="ko-KR" dirty="0" smtClean="0"/>
-              <a:t> </a:t>
+              <a:t>PC</a:t>
             </a:r>
             <a:r>
               <a:rPr lang="ko-KR" altLang="en-US" dirty="0" smtClean="0"/>
-              <a:t>사용</a:t>
+              <a:t>에 디렉토리생성됨</a:t>
             </a:r>
             <a:endParaRPr lang="ko-KR" altLang="en-US" dirty="0"/>
           </a:p>
         </p:txBody>
       </p:sp>
-      <p:sp>
-        <p:nvSpPr>
-          <p:cNvPr id="8" name="TextBox 7"/>
-          <p:cNvSpPr txBox="1"/>
-          <p:nvPr/>
-        </p:nvSpPr>
-        <p:spPr>
-          <a:xfrm>
-            <a:off x="971600" y="1628800"/>
-            <a:ext cx="2383538" cy="369332"/>
-          </a:xfrm>
-          <a:prstGeom prst="rect">
-            <a:avLst/>
-          </a:prstGeom>
-          <a:noFill/>
-        </p:spPr>
-        <p:txBody>
-          <a:bodyPr wrap="none" rtlCol="0">
-            <a:spAutoFit/>
-          </a:bodyPr>
-          <a:lstStyle/>
-          <a:p>
-            <a:r>
-              <a:rPr lang="en-US" altLang="ko-KR" dirty="0" smtClean="0"/>
-              <a:t>1. Create a new repo</a:t>
-            </a:r>
-            <a:endParaRPr lang="ko-KR" altLang="en-US" dirty="0"/>
-          </a:p>
-        </p:txBody>
-      </p:sp>
-      <p:sp>
-        <p:nvSpPr>
-          <p:cNvPr id="12" name="TextBox 11"/>
-          <p:cNvSpPr txBox="1"/>
-          <p:nvPr/>
-        </p:nvSpPr>
-        <p:spPr>
-          <a:xfrm>
-            <a:off x="971600" y="1268760"/>
-            <a:ext cx="2613792" cy="369332"/>
-          </a:xfrm>
-          <a:prstGeom prst="rect">
-            <a:avLst/>
-          </a:prstGeom>
-          <a:noFill/>
-        </p:spPr>
-        <p:txBody>
-          <a:bodyPr wrap="none" rtlCol="0">
-            <a:spAutoFit/>
-          </a:bodyPr>
-          <a:lstStyle/>
-          <a:p>
-            <a:r>
-              <a:rPr lang="en-US" altLang="ko-KR" b="1" dirty="0" smtClean="0"/>
-              <a:t>Step</a:t>
-            </a:r>
-            <a:r>
-              <a:rPr lang="ko-KR" altLang="en-US" b="1" dirty="0" smtClean="0"/>
-              <a:t> </a:t>
-            </a:r>
-            <a:r>
-              <a:rPr lang="en-US" altLang="ko-KR" b="1" dirty="0" smtClean="0"/>
-              <a:t>2. </a:t>
-            </a:r>
-            <a:r>
-              <a:rPr lang="en-US" altLang="ko-KR" b="1" dirty="0"/>
-              <a:t>Create A Repo</a:t>
-            </a:r>
-          </a:p>
-        </p:txBody>
-      </p:sp>
-      <p:sp>
-        <p:nvSpPr>
-          <p:cNvPr id="9" name="TextBox 8"/>
-          <p:cNvSpPr txBox="1"/>
-          <p:nvPr/>
-        </p:nvSpPr>
-        <p:spPr>
-          <a:xfrm>
-            <a:off x="1259632" y="4149080"/>
-            <a:ext cx="4544834" cy="338554"/>
-          </a:xfrm>
-          <a:prstGeom prst="rect">
-            <a:avLst/>
-          </a:prstGeom>
-          <a:noFill/>
-        </p:spPr>
-        <p:txBody>
-          <a:bodyPr wrap="none" rtlCol="0">
-            <a:spAutoFit/>
-          </a:bodyPr>
-          <a:lstStyle/>
-          <a:p>
-            <a:pPr>
-              <a:buFontTx/>
-              <a:buChar char="-"/>
-            </a:pPr>
-            <a:r>
-              <a:rPr lang="en-US" altLang="ko-KR" sz="1600" dirty="0" smtClean="0"/>
-              <a:t> </a:t>
-            </a:r>
-            <a:r>
-              <a:rPr lang="ko-KR" altLang="en-US" sz="1600" dirty="0" smtClean="0"/>
-              <a:t>오타도 알아봅니다</a:t>
-            </a:r>
-            <a:r>
-              <a:rPr lang="en-US" altLang="ko-KR" sz="1600" dirty="0" smtClean="0"/>
-              <a:t>… </a:t>
-            </a:r>
-            <a:r>
-              <a:rPr lang="ko-KR" altLang="en-US" sz="1600" dirty="0" err="1" smtClean="0"/>
-              <a:t>허어</a:t>
-            </a:r>
-            <a:r>
-              <a:rPr lang="en-US" altLang="ko-KR" sz="1600" dirty="0" smtClean="0"/>
-              <a:t>~~</a:t>
-            </a:r>
-            <a:r>
-              <a:rPr lang="ko-KR" altLang="en-US" sz="1600" dirty="0" smtClean="0"/>
-              <a:t>얼 그리고 </a:t>
-            </a:r>
-            <a:r>
-              <a:rPr lang="en-US" altLang="ko-KR" sz="1600" dirty="0" smtClean="0"/>
-              <a:t>push…</a:t>
-            </a:r>
-          </a:p>
-        </p:txBody>
-      </p:sp>
-      <p:pic>
-        <p:nvPicPr>
-          <p:cNvPr id="33794" name="Picture 2"/>
-          <p:cNvPicPr>
-            <a:picLocks noChangeAspect="1" noChangeArrowheads="1"/>
-          </p:cNvPicPr>
-          <p:nvPr/>
-        </p:nvPicPr>
-        <p:blipFill>
-          <a:blip r:embed="rId2" cstate="print"/>
-          <a:srcRect/>
-          <a:stretch>
-            <a:fillRect/>
-          </a:stretch>
-        </p:blipFill>
-        <p:spPr bwMode="auto">
-          <a:xfrm>
-            <a:off x="1331640" y="2780928"/>
-            <a:ext cx="6305550" cy="1285875"/>
-          </a:xfrm>
-          <a:prstGeom prst="rect">
-            <a:avLst/>
-          </a:prstGeom>
-          <a:noFill/>
-          <a:ln w="9525">
-            <a:noFill/>
-            <a:miter lim="800000"/>
-            <a:headEnd/>
-            <a:tailEnd/>
-          </a:ln>
-        </p:spPr>
-      </p:pic>
-      <p:pic>
-        <p:nvPicPr>
-          <p:cNvPr id="33795" name="Picture 3"/>
-          <p:cNvPicPr>
-            <a:picLocks noChangeAspect="1" noChangeArrowheads="1"/>
-          </p:cNvPicPr>
-          <p:nvPr/>
-        </p:nvPicPr>
-        <p:blipFill>
-          <a:blip r:embed="rId3" cstate="print"/>
-          <a:srcRect/>
-          <a:stretch>
-            <a:fillRect/>
-          </a:stretch>
-        </p:blipFill>
-        <p:spPr bwMode="auto">
-          <a:xfrm>
-            <a:off x="1259632" y="4653136"/>
-            <a:ext cx="6305550" cy="1247775"/>
-          </a:xfrm>
-          <a:prstGeom prst="rect">
-            <a:avLst/>
-          </a:prstGeom>
-          <a:noFill/>
-          <a:ln w="9525">
-            <a:noFill/>
-            <a:miter lim="800000"/>
-            <a:headEnd/>
-            <a:tailEnd/>
-          </a:ln>
-        </p:spPr>
-      </p:pic>
     </p:spTree>
   </p:cSld>
   <p:clrMapOvr>
@@ -13828,1928 +12672,6 @@
             <a:avLst/>
           </a:prstGeom>
           <a:noFill/>
-        </p:spPr>
-      </p:pic>
-    </p:spTree>
-  </p:cSld>
-  <p:clrMapOvr>
-    <a:masterClrMapping/>
-  </p:clrMapOvr>
-  <p:timing>
-    <p:tnLst>
-      <p:par>
-        <p:cTn id="1" dur="indefinite" restart="never" nodeType="tmRoot"/>
-      </p:par>
-    </p:tnLst>
-  </p:timing>
-</p:sld>
-</file>
-
-<file path=ppt/slides/slide40.xml><?xml version="1.0" encoding="utf-8"?>
-<p:sld xmlns:a="http://schemas.openxmlformats.org/drawingml/2006/main" xmlns:r="http://schemas.openxmlformats.org/officeDocument/2006/relationships" xmlns:p="http://schemas.openxmlformats.org/presentationml/2006/main">
-  <p:cSld>
-    <p:spTree>
-      <p:nvGrpSpPr>
-        <p:cNvPr id="1" name=""/>
-        <p:cNvGrpSpPr/>
-        <p:nvPr/>
-      </p:nvGrpSpPr>
-      <p:grpSpPr>
-        <a:xfrm>
-          <a:off x="0" y="0"/>
-          <a:ext cx="0" cy="0"/>
-          <a:chOff x="0" y="0"/>
-          <a:chExt cx="0" cy="0"/>
-        </a:xfrm>
-      </p:grpSpPr>
-      <p:sp>
-        <p:nvSpPr>
-          <p:cNvPr id="7" name="TextBox 6"/>
-          <p:cNvSpPr txBox="1"/>
-          <p:nvPr/>
-        </p:nvSpPr>
-        <p:spPr>
-          <a:xfrm>
-            <a:off x="1259632" y="2060848"/>
-            <a:ext cx="6093335" cy="338554"/>
-          </a:xfrm>
-          <a:prstGeom prst="rect">
-            <a:avLst/>
-          </a:prstGeom>
-          <a:noFill/>
-        </p:spPr>
-        <p:txBody>
-          <a:bodyPr wrap="none" rtlCol="0">
-            <a:spAutoFit/>
-          </a:bodyPr>
-          <a:lstStyle/>
-          <a:p>
-            <a:pPr marL="0" lvl="8">
-              <a:buFontTx/>
-              <a:buChar char="-"/>
-            </a:pPr>
-            <a:r>
-              <a:rPr lang="en-US" altLang="ko-KR" sz="1600" dirty="0" smtClean="0"/>
-              <a:t> </a:t>
-            </a:r>
-            <a:r>
-              <a:rPr lang="ko-KR" altLang="en-US" sz="1600" dirty="0" smtClean="0"/>
-              <a:t>이번에는 저장소에 있는 것을 포크로 콕 집어서 가져와 봅시다</a:t>
-            </a:r>
-            <a:r>
-              <a:rPr lang="en-US" altLang="ko-KR" sz="1600" dirty="0" smtClean="0"/>
-              <a:t>.</a:t>
-            </a:r>
-            <a:endParaRPr lang="en-US" altLang="ko-KR" sz="1600" dirty="0"/>
-          </a:p>
-        </p:txBody>
-      </p:sp>
-      <p:sp>
-        <p:nvSpPr>
-          <p:cNvPr id="2" name="제목 1"/>
-          <p:cNvSpPr>
-            <a:spLocks noGrp="1"/>
-          </p:cNvSpPr>
-          <p:nvPr>
-            <p:ph type="title"/>
-          </p:nvPr>
-        </p:nvSpPr>
-        <p:spPr/>
-        <p:txBody>
-          <a:bodyPr/>
-          <a:lstStyle/>
-          <a:p>
-            <a:r>
-              <a:rPr lang="en-US" altLang="ko-KR" dirty="0" err="1" smtClean="0"/>
-              <a:t>Github</a:t>
-            </a:r>
-            <a:r>
-              <a:rPr lang="en-US" altLang="ko-KR" dirty="0" smtClean="0"/>
-              <a:t> </a:t>
-            </a:r>
-            <a:r>
-              <a:rPr lang="ko-KR" altLang="en-US" dirty="0" smtClean="0"/>
-              <a:t>사용</a:t>
-            </a:r>
-            <a:endParaRPr lang="ko-KR" altLang="en-US" dirty="0"/>
-          </a:p>
-        </p:txBody>
-      </p:sp>
-      <p:sp>
-        <p:nvSpPr>
-          <p:cNvPr id="8" name="TextBox 7"/>
-          <p:cNvSpPr txBox="1"/>
-          <p:nvPr/>
-        </p:nvSpPr>
-        <p:spPr>
-          <a:xfrm>
-            <a:off x="971600" y="1628800"/>
-            <a:ext cx="1745414" cy="369332"/>
-          </a:xfrm>
-          <a:prstGeom prst="rect">
-            <a:avLst/>
-          </a:prstGeom>
-          <a:noFill/>
-        </p:spPr>
-        <p:txBody>
-          <a:bodyPr wrap="none" rtlCol="0">
-            <a:spAutoFit/>
-          </a:bodyPr>
-          <a:lstStyle/>
-          <a:p>
-            <a:r>
-              <a:rPr lang="en-US" altLang="ko-KR" dirty="0" smtClean="0"/>
-              <a:t>1. Fork A Repo</a:t>
-            </a:r>
-          </a:p>
-        </p:txBody>
-      </p:sp>
-      <p:sp>
-        <p:nvSpPr>
-          <p:cNvPr id="12" name="TextBox 11"/>
-          <p:cNvSpPr txBox="1"/>
-          <p:nvPr/>
-        </p:nvSpPr>
-        <p:spPr>
-          <a:xfrm>
-            <a:off x="971600" y="1268760"/>
-            <a:ext cx="2613792" cy="369332"/>
-          </a:xfrm>
-          <a:prstGeom prst="rect">
-            <a:avLst/>
-          </a:prstGeom>
-          <a:noFill/>
-        </p:spPr>
-        <p:txBody>
-          <a:bodyPr wrap="none" rtlCol="0">
-            <a:spAutoFit/>
-          </a:bodyPr>
-          <a:lstStyle/>
-          <a:p>
-            <a:r>
-              <a:rPr lang="en-US" altLang="ko-KR" b="1" dirty="0" smtClean="0"/>
-              <a:t>Step</a:t>
-            </a:r>
-            <a:r>
-              <a:rPr lang="ko-KR" altLang="en-US" b="1" dirty="0" smtClean="0"/>
-              <a:t> </a:t>
-            </a:r>
-            <a:r>
-              <a:rPr lang="en-US" altLang="ko-KR" b="1" dirty="0" smtClean="0"/>
-              <a:t>2. </a:t>
-            </a:r>
-            <a:r>
-              <a:rPr lang="en-US" altLang="ko-KR" b="1" dirty="0"/>
-              <a:t>Create A Repo</a:t>
-            </a:r>
-          </a:p>
-        </p:txBody>
-      </p:sp>
-      <p:pic>
-        <p:nvPicPr>
-          <p:cNvPr id="35843" name="Picture 3"/>
-          <p:cNvPicPr>
-            <a:picLocks noChangeAspect="1" noChangeArrowheads="1"/>
-          </p:cNvPicPr>
-          <p:nvPr/>
-        </p:nvPicPr>
-        <p:blipFill>
-          <a:blip r:embed="rId2" cstate="print"/>
-          <a:srcRect/>
-          <a:stretch>
-            <a:fillRect/>
-          </a:stretch>
-        </p:blipFill>
-        <p:spPr bwMode="auto">
-          <a:xfrm>
-            <a:off x="1043608" y="2420888"/>
-            <a:ext cx="6861557" cy="4344686"/>
-          </a:xfrm>
-          <a:prstGeom prst="rect">
-            <a:avLst/>
-          </a:prstGeom>
-          <a:noFill/>
-          <a:ln w="9525">
-            <a:noFill/>
-            <a:miter lim="800000"/>
-            <a:headEnd/>
-            <a:tailEnd/>
-          </a:ln>
-        </p:spPr>
-      </p:pic>
-      <p:sp>
-        <p:nvSpPr>
-          <p:cNvPr id="13" name="직사각형 12"/>
-          <p:cNvSpPr/>
-          <p:nvPr/>
-        </p:nvSpPr>
-        <p:spPr>
-          <a:xfrm>
-            <a:off x="7542084" y="3024570"/>
-            <a:ext cx="333406" cy="233780"/>
-          </a:xfrm>
-          <a:prstGeom prst="rect">
-            <a:avLst/>
-          </a:prstGeom>
-          <a:solidFill>
-            <a:schemeClr val="accent1">
-              <a:alpha val="0"/>
-            </a:schemeClr>
-          </a:solidFill>
-          <a:ln w="12700">
-            <a:solidFill>
-              <a:srgbClr val="FF0000"/>
-            </a:solidFill>
-          </a:ln>
-        </p:spPr>
-        <p:style>
-          <a:lnRef idx="2">
-            <a:schemeClr val="accent1">
-              <a:shade val="50000"/>
-            </a:schemeClr>
-          </a:lnRef>
-          <a:fillRef idx="1">
-            <a:schemeClr val="accent1"/>
-          </a:fillRef>
-          <a:effectRef idx="0">
-            <a:schemeClr val="accent1"/>
-          </a:effectRef>
-          <a:fontRef idx="minor">
-            <a:schemeClr val="lt1"/>
-          </a:fontRef>
-        </p:style>
-        <p:txBody>
-          <a:bodyPr rtlCol="0" anchor="ctr"/>
-          <a:lstStyle/>
-          <a:p>
-            <a:pPr algn="ctr"/>
-            <a:endParaRPr lang="ko-KR" altLang="en-US"/>
-          </a:p>
-        </p:txBody>
-      </p:sp>
-      <p:cxnSp>
-        <p:nvCxnSpPr>
-          <p:cNvPr id="14" name="직선 화살표 연결선 13"/>
-          <p:cNvCxnSpPr>
-            <a:stCxn id="15" idx="2"/>
-            <a:endCxn id="13" idx="0"/>
-          </p:cNvCxnSpPr>
-          <p:nvPr/>
-        </p:nvCxnSpPr>
-        <p:spPr>
-          <a:xfrm rot="5400000">
-            <a:off x="7476735" y="2292901"/>
-            <a:ext cx="963722" cy="499617"/>
-          </a:xfrm>
-          <a:prstGeom prst="straightConnector1">
-            <a:avLst/>
-          </a:prstGeom>
-          <a:ln>
-            <a:solidFill>
-              <a:srgbClr val="FF0000"/>
-            </a:solidFill>
-            <a:tailEnd type="arrow"/>
-          </a:ln>
-        </p:spPr>
-        <p:style>
-          <a:lnRef idx="1">
-            <a:schemeClr val="accent1"/>
-          </a:lnRef>
-          <a:fillRef idx="0">
-            <a:schemeClr val="accent1"/>
-          </a:fillRef>
-          <a:effectRef idx="0">
-            <a:schemeClr val="accent1"/>
-          </a:effectRef>
-          <a:fontRef idx="minor">
-            <a:schemeClr val="tx1"/>
-          </a:fontRef>
-        </p:style>
-      </p:cxnSp>
-      <p:sp>
-        <p:nvSpPr>
-          <p:cNvPr id="15" name="모서리가 둥근 직사각형 14"/>
-          <p:cNvSpPr/>
-          <p:nvPr/>
-        </p:nvSpPr>
-        <p:spPr>
-          <a:xfrm>
-            <a:off x="7596336" y="1124744"/>
-            <a:ext cx="1224136" cy="936104"/>
-          </a:xfrm>
-          <a:prstGeom prst="roundRect">
-            <a:avLst/>
-          </a:prstGeom>
-          <a:solidFill>
-            <a:schemeClr val="accent1">
-              <a:alpha val="18000"/>
-            </a:schemeClr>
-          </a:solidFill>
-          <a:ln w="12700">
-            <a:solidFill>
-              <a:srgbClr val="FF0000"/>
-            </a:solidFill>
-          </a:ln>
-        </p:spPr>
-        <p:style>
-          <a:lnRef idx="2">
-            <a:schemeClr val="accent1">
-              <a:shade val="50000"/>
-            </a:schemeClr>
-          </a:lnRef>
-          <a:fillRef idx="1">
-            <a:schemeClr val="accent1"/>
-          </a:fillRef>
-          <a:effectRef idx="0">
-            <a:schemeClr val="accent1"/>
-          </a:effectRef>
-          <a:fontRef idx="minor">
-            <a:schemeClr val="lt1"/>
-          </a:fontRef>
-        </p:style>
-        <p:txBody>
-          <a:bodyPr rtlCol="0" anchor="ctr"/>
-          <a:lstStyle/>
-          <a:p>
-            <a:pPr algn="ctr"/>
-            <a:r>
-              <a:rPr lang="ko-KR" altLang="en-US" dirty="0" smtClean="0">
-                <a:solidFill>
-                  <a:schemeClr val="tx1"/>
-                </a:solidFill>
-              </a:rPr>
-              <a:t>살포시 클릭</a:t>
-            </a:r>
-            <a:endParaRPr lang="ko-KR" altLang="en-US" dirty="0">
-              <a:solidFill>
-                <a:schemeClr val="tx1"/>
-              </a:solidFill>
-            </a:endParaRPr>
-          </a:p>
-        </p:txBody>
-      </p:sp>
-    </p:spTree>
-  </p:cSld>
-  <p:clrMapOvr>
-    <a:masterClrMapping/>
-  </p:clrMapOvr>
-  <p:timing>
-    <p:tnLst>
-      <p:par>
-        <p:cTn id="1" dur="indefinite" restart="never" nodeType="tmRoot"/>
-      </p:par>
-    </p:tnLst>
-  </p:timing>
-</p:sld>
-</file>
-
-<file path=ppt/slides/slide41.xml><?xml version="1.0" encoding="utf-8"?>
-<p:sld xmlns:a="http://schemas.openxmlformats.org/drawingml/2006/main" xmlns:r="http://schemas.openxmlformats.org/officeDocument/2006/relationships" xmlns:p="http://schemas.openxmlformats.org/presentationml/2006/main">
-  <p:cSld>
-    <p:spTree>
-      <p:nvGrpSpPr>
-        <p:cNvPr id="1" name=""/>
-        <p:cNvGrpSpPr/>
-        <p:nvPr/>
-      </p:nvGrpSpPr>
-      <p:grpSpPr>
-        <a:xfrm>
-          <a:off x="0" y="0"/>
-          <a:ext cx="0" cy="0"/>
-          <a:chOff x="0" y="0"/>
-          <a:chExt cx="0" cy="0"/>
-        </a:xfrm>
-      </p:grpSpPr>
-      <p:pic>
-        <p:nvPicPr>
-          <p:cNvPr id="10" name="Picture 3"/>
-          <p:cNvPicPr>
-            <a:picLocks noChangeAspect="1" noChangeArrowheads="1"/>
-          </p:cNvPicPr>
-          <p:nvPr/>
-        </p:nvPicPr>
-        <p:blipFill>
-          <a:blip r:embed="rId2" cstate="print"/>
-          <a:srcRect/>
-          <a:stretch>
-            <a:fillRect/>
-          </a:stretch>
-        </p:blipFill>
-        <p:spPr bwMode="auto">
-          <a:xfrm>
-            <a:off x="107504" y="2636912"/>
-            <a:ext cx="8867775" cy="3276600"/>
-          </a:xfrm>
-          <a:prstGeom prst="rect">
-            <a:avLst/>
-          </a:prstGeom>
-          <a:noFill/>
-          <a:ln w="9525">
-            <a:noFill/>
-            <a:miter lim="800000"/>
-            <a:headEnd/>
-            <a:tailEnd/>
-          </a:ln>
-        </p:spPr>
-      </p:pic>
-      <p:sp>
-        <p:nvSpPr>
-          <p:cNvPr id="7" name="TextBox 6"/>
-          <p:cNvSpPr txBox="1"/>
-          <p:nvPr/>
-        </p:nvSpPr>
-        <p:spPr>
-          <a:xfrm>
-            <a:off x="1259632" y="2060848"/>
-            <a:ext cx="7479933" cy="338554"/>
-          </a:xfrm>
-          <a:prstGeom prst="rect">
-            <a:avLst/>
-          </a:prstGeom>
-          <a:noFill/>
-        </p:spPr>
-        <p:txBody>
-          <a:bodyPr wrap="none" rtlCol="0">
-            <a:spAutoFit/>
-          </a:bodyPr>
-          <a:lstStyle/>
-          <a:p>
-            <a:pPr marL="0" lvl="8">
-              <a:buFontTx/>
-              <a:buChar char="-"/>
-            </a:pPr>
-            <a:r>
-              <a:rPr lang="en-US" altLang="ko-KR" sz="1600" dirty="0" smtClean="0"/>
-              <a:t> </a:t>
-            </a:r>
-            <a:r>
-              <a:rPr lang="ko-KR" altLang="en-US" sz="1600" dirty="0" smtClean="0"/>
-              <a:t>아래와 같이 그래프로 표시가 되는 군요</a:t>
-            </a:r>
-            <a:r>
-              <a:rPr lang="en-US" altLang="ko-KR" sz="1600" dirty="0" smtClean="0"/>
-              <a:t>. </a:t>
-            </a:r>
-            <a:r>
-              <a:rPr lang="ko-KR" altLang="en-US" sz="1600" dirty="0" smtClean="0"/>
-              <a:t>한 것 없이 다시 뭔가 한 것 같습니다</a:t>
-            </a:r>
-            <a:r>
-              <a:rPr lang="en-US" altLang="ko-KR" sz="1600" dirty="0" smtClean="0"/>
-              <a:t>.</a:t>
-            </a:r>
-            <a:endParaRPr lang="en-US" altLang="ko-KR" sz="1600" dirty="0"/>
-          </a:p>
-        </p:txBody>
-      </p:sp>
-      <p:sp>
-        <p:nvSpPr>
-          <p:cNvPr id="2" name="제목 1"/>
-          <p:cNvSpPr>
-            <a:spLocks noGrp="1"/>
-          </p:cNvSpPr>
-          <p:nvPr>
-            <p:ph type="title"/>
-          </p:nvPr>
-        </p:nvSpPr>
-        <p:spPr/>
-        <p:txBody>
-          <a:bodyPr/>
-          <a:lstStyle/>
-          <a:p>
-            <a:r>
-              <a:rPr lang="en-US" altLang="ko-KR" dirty="0" err="1" smtClean="0"/>
-              <a:t>Github</a:t>
-            </a:r>
-            <a:r>
-              <a:rPr lang="en-US" altLang="ko-KR" dirty="0" smtClean="0"/>
-              <a:t> </a:t>
-            </a:r>
-            <a:r>
-              <a:rPr lang="ko-KR" altLang="en-US" dirty="0" smtClean="0"/>
-              <a:t>사용</a:t>
-            </a:r>
-            <a:endParaRPr lang="ko-KR" altLang="en-US" dirty="0"/>
-          </a:p>
-        </p:txBody>
-      </p:sp>
-      <p:sp>
-        <p:nvSpPr>
-          <p:cNvPr id="8" name="TextBox 7"/>
-          <p:cNvSpPr txBox="1"/>
-          <p:nvPr/>
-        </p:nvSpPr>
-        <p:spPr>
-          <a:xfrm>
-            <a:off x="971600" y="1628800"/>
-            <a:ext cx="1745414" cy="369332"/>
-          </a:xfrm>
-          <a:prstGeom prst="rect">
-            <a:avLst/>
-          </a:prstGeom>
-          <a:noFill/>
-        </p:spPr>
-        <p:txBody>
-          <a:bodyPr wrap="none" rtlCol="0">
-            <a:spAutoFit/>
-          </a:bodyPr>
-          <a:lstStyle/>
-          <a:p>
-            <a:r>
-              <a:rPr lang="en-US" altLang="ko-KR" dirty="0" smtClean="0"/>
-              <a:t>1. Fork A Repo</a:t>
-            </a:r>
-          </a:p>
-        </p:txBody>
-      </p:sp>
-      <p:sp>
-        <p:nvSpPr>
-          <p:cNvPr id="12" name="TextBox 11"/>
-          <p:cNvSpPr txBox="1"/>
-          <p:nvPr/>
-        </p:nvSpPr>
-        <p:spPr>
-          <a:xfrm>
-            <a:off x="971600" y="1268760"/>
-            <a:ext cx="2613792" cy="369332"/>
-          </a:xfrm>
-          <a:prstGeom prst="rect">
-            <a:avLst/>
-          </a:prstGeom>
-          <a:noFill/>
-        </p:spPr>
-        <p:txBody>
-          <a:bodyPr wrap="none" rtlCol="0">
-            <a:spAutoFit/>
-          </a:bodyPr>
-          <a:lstStyle/>
-          <a:p>
-            <a:r>
-              <a:rPr lang="en-US" altLang="ko-KR" b="1" dirty="0" smtClean="0"/>
-              <a:t>Step</a:t>
-            </a:r>
-            <a:r>
-              <a:rPr lang="ko-KR" altLang="en-US" b="1" dirty="0" smtClean="0"/>
-              <a:t> </a:t>
-            </a:r>
-            <a:r>
-              <a:rPr lang="en-US" altLang="ko-KR" b="1" dirty="0" smtClean="0"/>
-              <a:t>2. </a:t>
-            </a:r>
-            <a:r>
-              <a:rPr lang="en-US" altLang="ko-KR" b="1" dirty="0"/>
-              <a:t>Create A Repo</a:t>
-            </a:r>
-          </a:p>
-        </p:txBody>
-      </p:sp>
-      <p:sp>
-        <p:nvSpPr>
-          <p:cNvPr id="11" name="직사각형 10"/>
-          <p:cNvSpPr/>
-          <p:nvPr/>
-        </p:nvSpPr>
-        <p:spPr>
-          <a:xfrm>
-            <a:off x="4860032" y="4797152"/>
-            <a:ext cx="333406" cy="1152128"/>
-          </a:xfrm>
-          <a:prstGeom prst="rect">
-            <a:avLst/>
-          </a:prstGeom>
-          <a:solidFill>
-            <a:schemeClr val="accent1">
-              <a:alpha val="0"/>
-            </a:schemeClr>
-          </a:solidFill>
-          <a:ln w="12700">
-            <a:solidFill>
-              <a:srgbClr val="FF0000"/>
-            </a:solidFill>
-          </a:ln>
-        </p:spPr>
-        <p:style>
-          <a:lnRef idx="2">
-            <a:schemeClr val="accent1">
-              <a:shade val="50000"/>
-            </a:schemeClr>
-          </a:lnRef>
-          <a:fillRef idx="1">
-            <a:schemeClr val="accent1"/>
-          </a:fillRef>
-          <a:effectRef idx="0">
-            <a:schemeClr val="accent1"/>
-          </a:effectRef>
-          <a:fontRef idx="minor">
-            <a:schemeClr val="lt1"/>
-          </a:fontRef>
-        </p:style>
-        <p:txBody>
-          <a:bodyPr rtlCol="0" anchor="ctr"/>
-          <a:lstStyle/>
-          <a:p>
-            <a:pPr algn="ctr"/>
-            <a:endParaRPr lang="ko-KR" altLang="en-US"/>
-          </a:p>
-        </p:txBody>
-      </p:sp>
-    </p:spTree>
-  </p:cSld>
-  <p:clrMapOvr>
-    <a:masterClrMapping/>
-  </p:clrMapOvr>
-  <p:timing>
-    <p:tnLst>
-      <p:par>
-        <p:cTn id="1" dur="indefinite" restart="never" nodeType="tmRoot"/>
-      </p:par>
-    </p:tnLst>
-  </p:timing>
-</p:sld>
-</file>
-
-<file path=ppt/slides/slide42.xml><?xml version="1.0" encoding="utf-8"?>
-<p:sld xmlns:a="http://schemas.openxmlformats.org/drawingml/2006/main" xmlns:r="http://schemas.openxmlformats.org/officeDocument/2006/relationships" xmlns:p="http://schemas.openxmlformats.org/presentationml/2006/main">
-  <p:cSld>
-    <p:spTree>
-      <p:nvGrpSpPr>
-        <p:cNvPr id="1" name=""/>
-        <p:cNvGrpSpPr/>
-        <p:nvPr/>
-      </p:nvGrpSpPr>
-      <p:grpSpPr>
-        <a:xfrm>
-          <a:off x="0" y="0"/>
-          <a:ext cx="0" cy="0"/>
-          <a:chOff x="0" y="0"/>
-          <a:chExt cx="0" cy="0"/>
-        </a:xfrm>
-      </p:grpSpPr>
-      <p:sp>
-        <p:nvSpPr>
-          <p:cNvPr id="7" name="TextBox 6"/>
-          <p:cNvSpPr txBox="1"/>
-          <p:nvPr/>
-        </p:nvSpPr>
-        <p:spPr>
-          <a:xfrm>
-            <a:off x="1068996" y="2060848"/>
-            <a:ext cx="7746031" cy="2800767"/>
-          </a:xfrm>
-          <a:prstGeom prst="rect">
-            <a:avLst/>
-          </a:prstGeom>
-          <a:noFill/>
-        </p:spPr>
-        <p:txBody>
-          <a:bodyPr wrap="none" rtlCol="0">
-            <a:spAutoFit/>
-          </a:bodyPr>
-          <a:lstStyle/>
-          <a:p>
-            <a:pPr marL="0" lvl="8">
-              <a:buFontTx/>
-              <a:buChar char="-"/>
-            </a:pPr>
-            <a:r>
-              <a:rPr lang="en-US" altLang="ko-KR" sz="1600" dirty="0" smtClean="0"/>
-              <a:t> </a:t>
-            </a:r>
-            <a:r>
-              <a:rPr lang="ko-KR" altLang="en-US" sz="1600" dirty="0" smtClean="0"/>
-              <a:t>버튼 한 번 을로 끝나면 얼마나 좋을까마는 프로젝트를 가져와서 개발하려면 </a:t>
-            </a:r>
-            <a:endParaRPr lang="en-US" altLang="ko-KR" sz="1600" dirty="0" smtClean="0"/>
-          </a:p>
-          <a:p>
-            <a:pPr marL="0" lvl="8"/>
-            <a:r>
-              <a:rPr lang="ko-KR" altLang="en-US" sz="1600" dirty="0" smtClean="0"/>
-              <a:t>자신의 컴퓨터에 </a:t>
-            </a:r>
-            <a:r>
-              <a:rPr lang="en-US" altLang="ko-KR" sz="1600" dirty="0" smtClean="0"/>
-              <a:t>clone </a:t>
-            </a:r>
-            <a:r>
-              <a:rPr lang="ko-KR" altLang="en-US" sz="1600" dirty="0" smtClean="0"/>
-              <a:t>이 있어야 합니다</a:t>
-            </a:r>
-            <a:r>
-              <a:rPr lang="en-US" altLang="ko-KR" sz="1600" dirty="0" smtClean="0"/>
-              <a:t>.</a:t>
-            </a:r>
-          </a:p>
-          <a:p>
-            <a:pPr marL="0" lvl="8"/>
-            <a:endParaRPr lang="en-US" altLang="ko-KR" sz="1600" dirty="0"/>
-          </a:p>
-          <a:p>
-            <a:pPr marL="0" lvl="8"/>
-            <a:endParaRPr lang="en-US" altLang="ko-KR" sz="1600" dirty="0" smtClean="0"/>
-          </a:p>
-          <a:p>
-            <a:pPr marL="0" lvl="8"/>
-            <a:endParaRPr lang="en-US" altLang="ko-KR" sz="1600" dirty="0"/>
-          </a:p>
-          <a:p>
-            <a:pPr marL="0" lvl="8"/>
-            <a:endParaRPr lang="en-US" altLang="ko-KR" sz="1600" dirty="0" smtClean="0"/>
-          </a:p>
-          <a:p>
-            <a:pPr marL="0" lvl="8"/>
-            <a:endParaRPr lang="en-US" altLang="ko-KR" sz="1600" dirty="0"/>
-          </a:p>
-          <a:p>
-            <a:pPr marL="0" lvl="8"/>
-            <a:endParaRPr lang="en-US" altLang="ko-KR" sz="1600" dirty="0" smtClean="0"/>
-          </a:p>
-          <a:p>
-            <a:pPr marL="0" lvl="8"/>
-            <a:endParaRPr lang="en-US" altLang="ko-KR" sz="1600" dirty="0"/>
-          </a:p>
-          <a:p>
-            <a:pPr marL="0" lvl="8">
-              <a:buFontTx/>
-              <a:buChar char="-"/>
-            </a:pPr>
-            <a:r>
-              <a:rPr lang="ko-KR" altLang="en-US" sz="1600" dirty="0" smtClean="0"/>
-              <a:t>이렇게 해서 포크로 폭 집어 왔습니다</a:t>
-            </a:r>
-            <a:r>
-              <a:rPr lang="en-US" altLang="ko-KR" sz="1600" dirty="0" smtClean="0"/>
-              <a:t>. </a:t>
-            </a:r>
-            <a:r>
-              <a:rPr lang="ko-KR" altLang="en-US" sz="1600" dirty="0" smtClean="0"/>
-              <a:t>현재 위치에 복사된 프로젝트가 들어온 걸 </a:t>
-            </a:r>
-            <a:endParaRPr lang="en-US" altLang="ko-KR" sz="1600" dirty="0" smtClean="0"/>
-          </a:p>
-          <a:p>
-            <a:pPr marL="0" lvl="8"/>
-            <a:r>
-              <a:rPr lang="ko-KR" altLang="en-US" sz="1600" dirty="0" smtClean="0"/>
-              <a:t>알 수 있습니다</a:t>
-            </a:r>
-            <a:r>
-              <a:rPr lang="en-US" altLang="ko-KR" sz="1600" dirty="0" smtClean="0"/>
-              <a:t>.</a:t>
-            </a:r>
-          </a:p>
-        </p:txBody>
-      </p:sp>
-      <p:sp>
-        <p:nvSpPr>
-          <p:cNvPr id="2" name="제목 1"/>
-          <p:cNvSpPr>
-            <a:spLocks noGrp="1"/>
-          </p:cNvSpPr>
-          <p:nvPr>
-            <p:ph type="title"/>
-          </p:nvPr>
-        </p:nvSpPr>
-        <p:spPr/>
-        <p:txBody>
-          <a:bodyPr/>
-          <a:lstStyle/>
-          <a:p>
-            <a:r>
-              <a:rPr lang="en-US" altLang="ko-KR" dirty="0" err="1" smtClean="0"/>
-              <a:t>Github</a:t>
-            </a:r>
-            <a:r>
-              <a:rPr lang="en-US" altLang="ko-KR" dirty="0" smtClean="0"/>
-              <a:t> </a:t>
-            </a:r>
-            <a:r>
-              <a:rPr lang="ko-KR" altLang="en-US" dirty="0" smtClean="0"/>
-              <a:t>사용</a:t>
-            </a:r>
-            <a:endParaRPr lang="ko-KR" altLang="en-US" dirty="0"/>
-          </a:p>
-        </p:txBody>
-      </p:sp>
-      <p:sp>
-        <p:nvSpPr>
-          <p:cNvPr id="8" name="TextBox 7"/>
-          <p:cNvSpPr txBox="1"/>
-          <p:nvPr/>
-        </p:nvSpPr>
-        <p:spPr>
-          <a:xfrm>
-            <a:off x="971600" y="1628800"/>
-            <a:ext cx="1745414" cy="369332"/>
-          </a:xfrm>
-          <a:prstGeom prst="rect">
-            <a:avLst/>
-          </a:prstGeom>
-          <a:noFill/>
-        </p:spPr>
-        <p:txBody>
-          <a:bodyPr wrap="none" rtlCol="0">
-            <a:spAutoFit/>
-          </a:bodyPr>
-          <a:lstStyle/>
-          <a:p>
-            <a:r>
-              <a:rPr lang="en-US" altLang="ko-KR" dirty="0" smtClean="0"/>
-              <a:t>1. Fork A Repo</a:t>
-            </a:r>
-          </a:p>
-        </p:txBody>
-      </p:sp>
-      <p:sp>
-        <p:nvSpPr>
-          <p:cNvPr id="12" name="TextBox 11"/>
-          <p:cNvSpPr txBox="1"/>
-          <p:nvPr/>
-        </p:nvSpPr>
-        <p:spPr>
-          <a:xfrm>
-            <a:off x="971600" y="1268760"/>
-            <a:ext cx="2613792" cy="369332"/>
-          </a:xfrm>
-          <a:prstGeom prst="rect">
-            <a:avLst/>
-          </a:prstGeom>
-          <a:noFill/>
-        </p:spPr>
-        <p:txBody>
-          <a:bodyPr wrap="none" rtlCol="0">
-            <a:spAutoFit/>
-          </a:bodyPr>
-          <a:lstStyle/>
-          <a:p>
-            <a:r>
-              <a:rPr lang="en-US" altLang="ko-KR" b="1" dirty="0" smtClean="0"/>
-              <a:t>Step</a:t>
-            </a:r>
-            <a:r>
-              <a:rPr lang="ko-KR" altLang="en-US" b="1" dirty="0" smtClean="0"/>
-              <a:t> </a:t>
-            </a:r>
-            <a:r>
-              <a:rPr lang="en-US" altLang="ko-KR" b="1" dirty="0" smtClean="0"/>
-              <a:t>2. </a:t>
-            </a:r>
-            <a:r>
-              <a:rPr lang="en-US" altLang="ko-KR" b="1" dirty="0"/>
-              <a:t>Create A Repo</a:t>
-            </a:r>
-          </a:p>
-        </p:txBody>
-      </p:sp>
-      <p:pic>
-        <p:nvPicPr>
-          <p:cNvPr id="36866" name="Picture 2"/>
-          <p:cNvPicPr>
-            <a:picLocks noChangeAspect="1" noChangeArrowheads="1"/>
-          </p:cNvPicPr>
-          <p:nvPr/>
-        </p:nvPicPr>
-        <p:blipFill>
-          <a:blip r:embed="rId2" cstate="print"/>
-          <a:srcRect/>
-          <a:stretch>
-            <a:fillRect/>
-          </a:stretch>
-        </p:blipFill>
-        <p:spPr bwMode="auto">
-          <a:xfrm>
-            <a:off x="1187624" y="2708920"/>
-            <a:ext cx="6305550" cy="1409700"/>
-          </a:xfrm>
-          <a:prstGeom prst="rect">
-            <a:avLst/>
-          </a:prstGeom>
-          <a:noFill/>
-          <a:ln w="9525">
-            <a:noFill/>
-            <a:miter lim="800000"/>
-            <a:headEnd/>
-            <a:tailEnd/>
-          </a:ln>
-        </p:spPr>
-      </p:pic>
-      <p:pic>
-        <p:nvPicPr>
-          <p:cNvPr id="36867" name="Picture 3"/>
-          <p:cNvPicPr>
-            <a:picLocks noChangeAspect="1" noChangeArrowheads="1"/>
-          </p:cNvPicPr>
-          <p:nvPr/>
-        </p:nvPicPr>
-        <p:blipFill>
-          <a:blip r:embed="rId3" cstate="print"/>
-          <a:srcRect/>
-          <a:stretch>
-            <a:fillRect/>
-          </a:stretch>
-        </p:blipFill>
-        <p:spPr bwMode="auto">
-          <a:xfrm>
-            <a:off x="1115617" y="5013176"/>
-            <a:ext cx="6410625" cy="1512168"/>
-          </a:xfrm>
-          <a:prstGeom prst="rect">
-            <a:avLst/>
-          </a:prstGeom>
-          <a:noFill/>
-          <a:ln w="9525">
-            <a:noFill/>
-            <a:miter lim="800000"/>
-            <a:headEnd/>
-            <a:tailEnd/>
-          </a:ln>
-        </p:spPr>
-      </p:pic>
-    </p:spTree>
-  </p:cSld>
-  <p:clrMapOvr>
-    <a:masterClrMapping/>
-  </p:clrMapOvr>
-  <p:timing>
-    <p:tnLst>
-      <p:par>
-        <p:cTn id="1" dur="indefinite" restart="never" nodeType="tmRoot"/>
-      </p:par>
-    </p:tnLst>
-  </p:timing>
-</p:sld>
-</file>
-
-<file path=ppt/slides/slide43.xml><?xml version="1.0" encoding="utf-8"?>
-<p:sld xmlns:a="http://schemas.openxmlformats.org/drawingml/2006/main" xmlns:r="http://schemas.openxmlformats.org/officeDocument/2006/relationships" xmlns:p="http://schemas.openxmlformats.org/presentationml/2006/main">
-  <p:cSld>
-    <p:spTree>
-      <p:nvGrpSpPr>
-        <p:cNvPr id="1" name=""/>
-        <p:cNvGrpSpPr/>
-        <p:nvPr/>
-      </p:nvGrpSpPr>
-      <p:grpSpPr>
-        <a:xfrm>
-          <a:off x="0" y="0"/>
-          <a:ext cx="0" cy="0"/>
-          <a:chOff x="0" y="0"/>
-          <a:chExt cx="0" cy="0"/>
-        </a:xfrm>
-      </p:grpSpPr>
-      <p:sp>
-        <p:nvSpPr>
-          <p:cNvPr id="7" name="TextBox 6"/>
-          <p:cNvSpPr txBox="1"/>
-          <p:nvPr/>
-        </p:nvSpPr>
-        <p:spPr>
-          <a:xfrm>
-            <a:off x="1068996" y="2060848"/>
-            <a:ext cx="7746031" cy="2800767"/>
-          </a:xfrm>
-          <a:prstGeom prst="rect">
-            <a:avLst/>
-          </a:prstGeom>
-          <a:noFill/>
-        </p:spPr>
-        <p:txBody>
-          <a:bodyPr wrap="none" rtlCol="0">
-            <a:spAutoFit/>
-          </a:bodyPr>
-          <a:lstStyle/>
-          <a:p>
-            <a:pPr marL="0" lvl="8">
-              <a:buFontTx/>
-              <a:buChar char="-"/>
-            </a:pPr>
-            <a:r>
-              <a:rPr lang="en-US" altLang="ko-KR" sz="1600" dirty="0" smtClean="0"/>
-              <a:t> </a:t>
-            </a:r>
-            <a:r>
-              <a:rPr lang="ko-KR" altLang="en-US" sz="1600" dirty="0" smtClean="0"/>
-              <a:t>버튼 한 번 을로 끝나면 얼마나 좋을까마는 프로젝트를 가져와서 개발하려면 </a:t>
-            </a:r>
-            <a:endParaRPr lang="en-US" altLang="ko-KR" sz="1600" dirty="0" smtClean="0"/>
-          </a:p>
-          <a:p>
-            <a:pPr marL="0" lvl="8"/>
-            <a:r>
-              <a:rPr lang="ko-KR" altLang="en-US" sz="1600" dirty="0" smtClean="0"/>
-              <a:t>자신의 컴퓨터에 </a:t>
-            </a:r>
-            <a:r>
-              <a:rPr lang="en-US" altLang="ko-KR" sz="1600" dirty="0" smtClean="0"/>
-              <a:t>clone </a:t>
-            </a:r>
-            <a:r>
-              <a:rPr lang="ko-KR" altLang="en-US" sz="1600" dirty="0" smtClean="0"/>
-              <a:t>이 있어야 합니다</a:t>
-            </a:r>
-            <a:r>
-              <a:rPr lang="en-US" altLang="ko-KR" sz="1600" dirty="0" smtClean="0"/>
-              <a:t>.</a:t>
-            </a:r>
-          </a:p>
-          <a:p>
-            <a:pPr marL="0" lvl="8"/>
-            <a:endParaRPr lang="en-US" altLang="ko-KR" sz="1600" dirty="0"/>
-          </a:p>
-          <a:p>
-            <a:pPr marL="0" lvl="8"/>
-            <a:endParaRPr lang="en-US" altLang="ko-KR" sz="1600" dirty="0" smtClean="0"/>
-          </a:p>
-          <a:p>
-            <a:pPr marL="0" lvl="8"/>
-            <a:endParaRPr lang="en-US" altLang="ko-KR" sz="1600" dirty="0"/>
-          </a:p>
-          <a:p>
-            <a:pPr marL="0" lvl="8"/>
-            <a:endParaRPr lang="en-US" altLang="ko-KR" sz="1600" dirty="0" smtClean="0"/>
-          </a:p>
-          <a:p>
-            <a:pPr marL="0" lvl="8"/>
-            <a:endParaRPr lang="en-US" altLang="ko-KR" sz="1600" dirty="0"/>
-          </a:p>
-          <a:p>
-            <a:pPr marL="0" lvl="8"/>
-            <a:endParaRPr lang="en-US" altLang="ko-KR" sz="1600" dirty="0" smtClean="0"/>
-          </a:p>
-          <a:p>
-            <a:pPr marL="0" lvl="8"/>
-            <a:endParaRPr lang="en-US" altLang="ko-KR" sz="1600" dirty="0"/>
-          </a:p>
-          <a:p>
-            <a:pPr marL="0" lvl="8">
-              <a:buFontTx/>
-              <a:buChar char="-"/>
-            </a:pPr>
-            <a:r>
-              <a:rPr lang="ko-KR" altLang="en-US" sz="1600" dirty="0" smtClean="0"/>
-              <a:t>이렇게 해서 포크로 폭 집어 왔습니다</a:t>
-            </a:r>
-            <a:r>
-              <a:rPr lang="en-US" altLang="ko-KR" sz="1600" dirty="0" smtClean="0"/>
-              <a:t>. </a:t>
-            </a:r>
-            <a:r>
-              <a:rPr lang="ko-KR" altLang="en-US" sz="1600" dirty="0" smtClean="0"/>
-              <a:t>현재 위치에 복사된 프로젝트가 들어온 걸 </a:t>
-            </a:r>
-            <a:endParaRPr lang="en-US" altLang="ko-KR" sz="1600" dirty="0" smtClean="0"/>
-          </a:p>
-          <a:p>
-            <a:pPr marL="0" lvl="8"/>
-            <a:r>
-              <a:rPr lang="ko-KR" altLang="en-US" sz="1600" dirty="0" smtClean="0"/>
-              <a:t>알 수 있습니다</a:t>
-            </a:r>
-            <a:r>
-              <a:rPr lang="en-US" altLang="ko-KR" sz="1600" dirty="0" smtClean="0"/>
-              <a:t>.</a:t>
-            </a:r>
-          </a:p>
-        </p:txBody>
-      </p:sp>
-      <p:sp>
-        <p:nvSpPr>
-          <p:cNvPr id="2" name="제목 1"/>
-          <p:cNvSpPr>
-            <a:spLocks noGrp="1"/>
-          </p:cNvSpPr>
-          <p:nvPr>
-            <p:ph type="title"/>
-          </p:nvPr>
-        </p:nvSpPr>
-        <p:spPr/>
-        <p:txBody>
-          <a:bodyPr/>
-          <a:lstStyle/>
-          <a:p>
-            <a:r>
-              <a:rPr lang="en-US" altLang="ko-KR" dirty="0" err="1" smtClean="0"/>
-              <a:t>Github</a:t>
-            </a:r>
-            <a:r>
-              <a:rPr lang="en-US" altLang="ko-KR" dirty="0" smtClean="0"/>
-              <a:t> </a:t>
-            </a:r>
-            <a:r>
-              <a:rPr lang="ko-KR" altLang="en-US" dirty="0" smtClean="0"/>
-              <a:t>사용</a:t>
-            </a:r>
-            <a:endParaRPr lang="ko-KR" altLang="en-US" dirty="0"/>
-          </a:p>
-        </p:txBody>
-      </p:sp>
-      <p:sp>
-        <p:nvSpPr>
-          <p:cNvPr id="8" name="TextBox 7"/>
-          <p:cNvSpPr txBox="1"/>
-          <p:nvPr/>
-        </p:nvSpPr>
-        <p:spPr>
-          <a:xfrm>
-            <a:off x="971600" y="1628800"/>
-            <a:ext cx="1745414" cy="369332"/>
-          </a:xfrm>
-          <a:prstGeom prst="rect">
-            <a:avLst/>
-          </a:prstGeom>
-          <a:noFill/>
-        </p:spPr>
-        <p:txBody>
-          <a:bodyPr wrap="none" rtlCol="0">
-            <a:spAutoFit/>
-          </a:bodyPr>
-          <a:lstStyle/>
-          <a:p>
-            <a:r>
-              <a:rPr lang="en-US" altLang="ko-KR" dirty="0" smtClean="0"/>
-              <a:t>1. Fork A Repo</a:t>
-            </a:r>
-          </a:p>
-        </p:txBody>
-      </p:sp>
-      <p:sp>
-        <p:nvSpPr>
-          <p:cNvPr id="12" name="TextBox 11"/>
-          <p:cNvSpPr txBox="1"/>
-          <p:nvPr/>
-        </p:nvSpPr>
-        <p:spPr>
-          <a:xfrm>
-            <a:off x="971600" y="1268760"/>
-            <a:ext cx="2613792" cy="369332"/>
-          </a:xfrm>
-          <a:prstGeom prst="rect">
-            <a:avLst/>
-          </a:prstGeom>
-          <a:noFill/>
-        </p:spPr>
-        <p:txBody>
-          <a:bodyPr wrap="none" rtlCol="0">
-            <a:spAutoFit/>
-          </a:bodyPr>
-          <a:lstStyle/>
-          <a:p>
-            <a:r>
-              <a:rPr lang="en-US" altLang="ko-KR" b="1" dirty="0" smtClean="0"/>
-              <a:t>Step</a:t>
-            </a:r>
-            <a:r>
-              <a:rPr lang="ko-KR" altLang="en-US" b="1" dirty="0" smtClean="0"/>
-              <a:t> </a:t>
-            </a:r>
-            <a:r>
-              <a:rPr lang="en-US" altLang="ko-KR" b="1" dirty="0" smtClean="0"/>
-              <a:t>2. </a:t>
-            </a:r>
-            <a:r>
-              <a:rPr lang="en-US" altLang="ko-KR" b="1" dirty="0"/>
-              <a:t>Create A Repo</a:t>
-            </a:r>
-          </a:p>
-        </p:txBody>
-      </p:sp>
-      <p:pic>
-        <p:nvPicPr>
-          <p:cNvPr id="36866" name="Picture 2"/>
-          <p:cNvPicPr>
-            <a:picLocks noChangeAspect="1" noChangeArrowheads="1"/>
-          </p:cNvPicPr>
-          <p:nvPr/>
-        </p:nvPicPr>
-        <p:blipFill>
-          <a:blip r:embed="rId2" cstate="print"/>
-          <a:srcRect/>
-          <a:stretch>
-            <a:fillRect/>
-          </a:stretch>
-        </p:blipFill>
-        <p:spPr bwMode="auto">
-          <a:xfrm>
-            <a:off x="1187624" y="2708920"/>
-            <a:ext cx="6305550" cy="1409700"/>
-          </a:xfrm>
-          <a:prstGeom prst="rect">
-            <a:avLst/>
-          </a:prstGeom>
-          <a:noFill/>
-          <a:ln w="9525">
-            <a:noFill/>
-            <a:miter lim="800000"/>
-            <a:headEnd/>
-            <a:tailEnd/>
-          </a:ln>
-        </p:spPr>
-      </p:pic>
-      <p:pic>
-        <p:nvPicPr>
-          <p:cNvPr id="36867" name="Picture 3"/>
-          <p:cNvPicPr>
-            <a:picLocks noChangeAspect="1" noChangeArrowheads="1"/>
-          </p:cNvPicPr>
-          <p:nvPr/>
-        </p:nvPicPr>
-        <p:blipFill>
-          <a:blip r:embed="rId3" cstate="print"/>
-          <a:srcRect/>
-          <a:stretch>
-            <a:fillRect/>
-          </a:stretch>
-        </p:blipFill>
-        <p:spPr bwMode="auto">
-          <a:xfrm>
-            <a:off x="1115617" y="5013176"/>
-            <a:ext cx="6410625" cy="1512168"/>
-          </a:xfrm>
-          <a:prstGeom prst="rect">
-            <a:avLst/>
-          </a:prstGeom>
-          <a:noFill/>
-          <a:ln w="9525">
-            <a:noFill/>
-            <a:miter lim="800000"/>
-            <a:headEnd/>
-            <a:tailEnd/>
-          </a:ln>
-        </p:spPr>
-      </p:pic>
-    </p:spTree>
-  </p:cSld>
-  <p:clrMapOvr>
-    <a:masterClrMapping/>
-  </p:clrMapOvr>
-  <p:timing>
-    <p:tnLst>
-      <p:par>
-        <p:cTn id="1" dur="indefinite" restart="never" nodeType="tmRoot"/>
-      </p:par>
-    </p:tnLst>
-  </p:timing>
-</p:sld>
-</file>
-
-<file path=ppt/slides/slide44.xml><?xml version="1.0" encoding="utf-8"?>
-<p:sld xmlns:a="http://schemas.openxmlformats.org/drawingml/2006/main" xmlns:r="http://schemas.openxmlformats.org/officeDocument/2006/relationships" xmlns:p="http://schemas.openxmlformats.org/presentationml/2006/main">
-  <p:cSld>
-    <p:spTree>
-      <p:nvGrpSpPr>
-        <p:cNvPr id="1" name=""/>
-        <p:cNvGrpSpPr/>
-        <p:nvPr/>
-      </p:nvGrpSpPr>
-      <p:grpSpPr>
-        <a:xfrm>
-          <a:off x="0" y="0"/>
-          <a:ext cx="0" cy="0"/>
-          <a:chOff x="0" y="0"/>
-          <a:chExt cx="0" cy="0"/>
-        </a:xfrm>
-      </p:grpSpPr>
-      <p:sp>
-        <p:nvSpPr>
-          <p:cNvPr id="7" name="TextBox 6"/>
-          <p:cNvSpPr txBox="1"/>
-          <p:nvPr/>
-        </p:nvSpPr>
-        <p:spPr>
-          <a:xfrm>
-            <a:off x="1068996" y="2060848"/>
-            <a:ext cx="7239674" cy="2062103"/>
-          </a:xfrm>
-          <a:prstGeom prst="rect">
-            <a:avLst/>
-          </a:prstGeom>
-          <a:noFill/>
-        </p:spPr>
-        <p:txBody>
-          <a:bodyPr wrap="none" rtlCol="0">
-            <a:spAutoFit/>
-          </a:bodyPr>
-          <a:lstStyle/>
-          <a:p>
-            <a:pPr marL="0" lvl="8">
-              <a:buFontTx/>
-              <a:buChar char="-"/>
-            </a:pPr>
-            <a:r>
-              <a:rPr lang="en-US" altLang="ko-KR" sz="1600" dirty="0" smtClean="0"/>
-              <a:t> </a:t>
-            </a:r>
-            <a:r>
-              <a:rPr lang="ko-KR" altLang="en-US" sz="1600" dirty="0" smtClean="0"/>
-              <a:t>원본 저장소를 보존하기 위해서 다른 </a:t>
-            </a:r>
-            <a:r>
-              <a:rPr lang="en-US" altLang="ko-KR" sz="1600" dirty="0" smtClean="0"/>
-              <a:t>remote </a:t>
-            </a:r>
-            <a:r>
-              <a:rPr lang="ko-KR" altLang="en-US" sz="1600" dirty="0" smtClean="0"/>
-              <a:t>이름이 필요합니다</a:t>
-            </a:r>
-            <a:r>
-              <a:rPr lang="en-US" altLang="ko-KR" sz="1600" dirty="0" smtClean="0"/>
-              <a:t>. </a:t>
-            </a:r>
-            <a:r>
-              <a:rPr lang="ko-KR" altLang="en-US" sz="1600" dirty="0" smtClean="0"/>
-              <a:t>여기서는 </a:t>
-            </a:r>
-            <a:endParaRPr lang="en-US" altLang="ko-KR" sz="1600" dirty="0" smtClean="0"/>
-          </a:p>
-          <a:p>
-            <a:pPr marL="0" lvl="8"/>
-            <a:r>
-              <a:rPr lang="en-US" altLang="ko-KR" sz="1600" dirty="0" smtClean="0"/>
-              <a:t>Upstream </a:t>
-            </a:r>
-            <a:r>
-              <a:rPr lang="ko-KR" altLang="en-US" sz="1600" dirty="0" smtClean="0"/>
-              <a:t>이라고 지정하겠습니다</a:t>
-            </a:r>
-            <a:r>
-              <a:rPr lang="en-US" altLang="ko-KR" sz="1600" dirty="0" smtClean="0"/>
-              <a:t>.</a:t>
-            </a:r>
-          </a:p>
-          <a:p>
-            <a:pPr marL="0" lvl="8"/>
-            <a:endParaRPr lang="en-US" altLang="ko-KR" sz="1600" dirty="0"/>
-          </a:p>
-          <a:p>
-            <a:pPr marL="0" lvl="8"/>
-            <a:r>
-              <a:rPr lang="en-US" altLang="ko-KR" sz="1600" dirty="0" smtClean="0"/>
-              <a:t> </a:t>
-            </a:r>
-          </a:p>
-          <a:p>
-            <a:pPr marL="0" lvl="8"/>
-            <a:endParaRPr lang="en-US" altLang="ko-KR" sz="1600" dirty="0"/>
-          </a:p>
-          <a:p>
-            <a:pPr marL="0" lvl="8"/>
-            <a:endParaRPr lang="en-US" altLang="ko-KR" sz="1600" dirty="0" smtClean="0"/>
-          </a:p>
-          <a:p>
-            <a:pPr marL="0" lvl="8"/>
-            <a:endParaRPr lang="en-US" altLang="ko-KR" sz="1600" dirty="0"/>
-          </a:p>
-          <a:p>
-            <a:pPr marL="0" lvl="8"/>
-            <a:endParaRPr lang="en-US" altLang="ko-KR" sz="1600" dirty="0" smtClean="0"/>
-          </a:p>
-        </p:txBody>
-      </p:sp>
-      <p:sp>
-        <p:nvSpPr>
-          <p:cNvPr id="2" name="제목 1"/>
-          <p:cNvSpPr>
-            <a:spLocks noGrp="1"/>
-          </p:cNvSpPr>
-          <p:nvPr>
-            <p:ph type="title"/>
-          </p:nvPr>
-        </p:nvSpPr>
-        <p:spPr/>
-        <p:txBody>
-          <a:bodyPr/>
-          <a:lstStyle/>
-          <a:p>
-            <a:r>
-              <a:rPr lang="en-US" altLang="ko-KR" dirty="0" err="1" smtClean="0"/>
-              <a:t>Github</a:t>
-            </a:r>
-            <a:r>
-              <a:rPr lang="en-US" altLang="ko-KR" dirty="0" smtClean="0"/>
-              <a:t> </a:t>
-            </a:r>
-            <a:r>
-              <a:rPr lang="ko-KR" altLang="en-US" dirty="0" smtClean="0"/>
-              <a:t>사용</a:t>
-            </a:r>
-            <a:endParaRPr lang="ko-KR" altLang="en-US" dirty="0"/>
-          </a:p>
-        </p:txBody>
-      </p:sp>
-      <p:sp>
-        <p:nvSpPr>
-          <p:cNvPr id="8" name="TextBox 7"/>
-          <p:cNvSpPr txBox="1"/>
-          <p:nvPr/>
-        </p:nvSpPr>
-        <p:spPr>
-          <a:xfrm>
-            <a:off x="971600" y="1628800"/>
-            <a:ext cx="1745414" cy="369332"/>
-          </a:xfrm>
-          <a:prstGeom prst="rect">
-            <a:avLst/>
-          </a:prstGeom>
-          <a:noFill/>
-        </p:spPr>
-        <p:txBody>
-          <a:bodyPr wrap="none" rtlCol="0">
-            <a:spAutoFit/>
-          </a:bodyPr>
-          <a:lstStyle/>
-          <a:p>
-            <a:r>
-              <a:rPr lang="en-US" altLang="ko-KR" dirty="0" smtClean="0"/>
-              <a:t>1. Fork A Repo</a:t>
-            </a:r>
-          </a:p>
-        </p:txBody>
-      </p:sp>
-      <p:sp>
-        <p:nvSpPr>
-          <p:cNvPr id="12" name="TextBox 11"/>
-          <p:cNvSpPr txBox="1"/>
-          <p:nvPr/>
-        </p:nvSpPr>
-        <p:spPr>
-          <a:xfrm>
-            <a:off x="971600" y="1268760"/>
-            <a:ext cx="2613792" cy="369332"/>
-          </a:xfrm>
-          <a:prstGeom prst="rect">
-            <a:avLst/>
-          </a:prstGeom>
-          <a:noFill/>
-        </p:spPr>
-        <p:txBody>
-          <a:bodyPr wrap="none" rtlCol="0">
-            <a:spAutoFit/>
-          </a:bodyPr>
-          <a:lstStyle/>
-          <a:p>
-            <a:r>
-              <a:rPr lang="en-US" altLang="ko-KR" b="1" dirty="0" smtClean="0"/>
-              <a:t>Step</a:t>
-            </a:r>
-            <a:r>
-              <a:rPr lang="ko-KR" altLang="en-US" b="1" dirty="0" smtClean="0"/>
-              <a:t> </a:t>
-            </a:r>
-            <a:r>
-              <a:rPr lang="en-US" altLang="ko-KR" b="1" dirty="0" smtClean="0"/>
-              <a:t>2. </a:t>
-            </a:r>
-            <a:r>
-              <a:rPr lang="en-US" altLang="ko-KR" b="1" dirty="0"/>
-              <a:t>Create A Repo</a:t>
-            </a:r>
-          </a:p>
-        </p:txBody>
-      </p:sp>
-      <p:pic>
-        <p:nvPicPr>
-          <p:cNvPr id="37890" name="Picture 2"/>
-          <p:cNvPicPr>
-            <a:picLocks noChangeAspect="1" noChangeArrowheads="1"/>
-          </p:cNvPicPr>
-          <p:nvPr/>
-        </p:nvPicPr>
-        <p:blipFill>
-          <a:blip r:embed="rId2" cstate="print"/>
-          <a:srcRect/>
-          <a:stretch>
-            <a:fillRect/>
-          </a:stretch>
-        </p:blipFill>
-        <p:spPr bwMode="auto">
-          <a:xfrm>
-            <a:off x="1187624" y="2852936"/>
-            <a:ext cx="6324600" cy="447675"/>
-          </a:xfrm>
-          <a:prstGeom prst="rect">
-            <a:avLst/>
-          </a:prstGeom>
-          <a:noFill/>
-          <a:ln w="9525">
-            <a:noFill/>
-            <a:miter lim="800000"/>
-            <a:headEnd/>
-            <a:tailEnd/>
-          </a:ln>
-        </p:spPr>
-      </p:pic>
-      <p:pic>
-        <p:nvPicPr>
-          <p:cNvPr id="37891" name="Picture 3"/>
-          <p:cNvPicPr>
-            <a:picLocks noChangeAspect="1" noChangeArrowheads="1"/>
-          </p:cNvPicPr>
-          <p:nvPr/>
-        </p:nvPicPr>
-        <p:blipFill>
-          <a:blip r:embed="rId3" cstate="print"/>
-          <a:srcRect/>
-          <a:stretch>
-            <a:fillRect/>
-          </a:stretch>
-        </p:blipFill>
-        <p:spPr bwMode="auto">
-          <a:xfrm>
-            <a:off x="1187624" y="3284984"/>
-            <a:ext cx="6324600" cy="628650"/>
-          </a:xfrm>
-          <a:prstGeom prst="rect">
-            <a:avLst/>
-          </a:prstGeom>
-          <a:noFill/>
-          <a:ln w="9525">
-            <a:noFill/>
-            <a:miter lim="800000"/>
-            <a:headEnd/>
-            <a:tailEnd/>
-          </a:ln>
-        </p:spPr>
-      </p:pic>
-      <p:pic>
-        <p:nvPicPr>
-          <p:cNvPr id="1026" name="Picture 2"/>
-          <p:cNvPicPr>
-            <a:picLocks noChangeAspect="1" noChangeArrowheads="1"/>
-          </p:cNvPicPr>
-          <p:nvPr/>
-        </p:nvPicPr>
-        <p:blipFill>
-          <a:blip r:embed="rId4" cstate="print"/>
-          <a:srcRect/>
-          <a:stretch>
-            <a:fillRect/>
-          </a:stretch>
-        </p:blipFill>
-        <p:spPr bwMode="auto">
-          <a:xfrm>
-            <a:off x="1187624" y="4077072"/>
-            <a:ext cx="6324600" cy="628650"/>
-          </a:xfrm>
-          <a:prstGeom prst="rect">
-            <a:avLst/>
-          </a:prstGeom>
-          <a:noFill/>
-          <a:ln w="9525">
-            <a:noFill/>
-            <a:miter lim="800000"/>
-            <a:headEnd/>
-            <a:tailEnd/>
-          </a:ln>
-        </p:spPr>
-      </p:pic>
-      <p:pic>
-        <p:nvPicPr>
-          <p:cNvPr id="1027" name="Picture 3"/>
-          <p:cNvPicPr>
-            <a:picLocks noChangeAspect="1" noChangeArrowheads="1"/>
-          </p:cNvPicPr>
-          <p:nvPr/>
-        </p:nvPicPr>
-        <p:blipFill>
-          <a:blip r:embed="rId5" cstate="print"/>
-          <a:srcRect/>
-          <a:stretch>
-            <a:fillRect/>
-          </a:stretch>
-        </p:blipFill>
-        <p:spPr bwMode="auto">
-          <a:xfrm>
-            <a:off x="1187624" y="4869160"/>
-            <a:ext cx="6324600" cy="628650"/>
-          </a:xfrm>
-          <a:prstGeom prst="rect">
-            <a:avLst/>
-          </a:prstGeom>
-          <a:noFill/>
-          <a:ln w="9525">
-            <a:noFill/>
-            <a:miter lim="800000"/>
-            <a:headEnd/>
-            <a:tailEnd/>
-          </a:ln>
-        </p:spPr>
-      </p:pic>
-    </p:spTree>
-  </p:cSld>
-  <p:clrMapOvr>
-    <a:masterClrMapping/>
-  </p:clrMapOvr>
-  <p:timing>
-    <p:tnLst>
-      <p:par>
-        <p:cTn id="1" dur="indefinite" restart="never" nodeType="tmRoot"/>
-      </p:par>
-    </p:tnLst>
-  </p:timing>
-</p:sld>
-</file>
-
-<file path=ppt/slides/slide45.xml><?xml version="1.0" encoding="utf-8"?>
-<p:sld xmlns:a="http://schemas.openxmlformats.org/drawingml/2006/main" xmlns:r="http://schemas.openxmlformats.org/officeDocument/2006/relationships" xmlns:p="http://schemas.openxmlformats.org/presentationml/2006/main">
-  <p:cSld>
-    <p:spTree>
-      <p:nvGrpSpPr>
-        <p:cNvPr id="1" name=""/>
-        <p:cNvGrpSpPr/>
-        <p:nvPr/>
-      </p:nvGrpSpPr>
-      <p:grpSpPr>
-        <a:xfrm>
-          <a:off x="0" y="0"/>
-          <a:ext cx="0" cy="0"/>
-          <a:chOff x="0" y="0"/>
-          <a:chExt cx="0" cy="0"/>
-        </a:xfrm>
-      </p:grpSpPr>
-      <p:sp>
-        <p:nvSpPr>
-          <p:cNvPr id="7" name="TextBox 6"/>
-          <p:cNvSpPr txBox="1"/>
-          <p:nvPr/>
-        </p:nvSpPr>
-        <p:spPr>
-          <a:xfrm>
-            <a:off x="1068996" y="2060848"/>
-            <a:ext cx="341760" cy="1569660"/>
-          </a:xfrm>
-          <a:prstGeom prst="rect">
-            <a:avLst/>
-          </a:prstGeom>
-          <a:noFill/>
-        </p:spPr>
-        <p:txBody>
-          <a:bodyPr wrap="none" rtlCol="0">
-            <a:spAutoFit/>
-          </a:bodyPr>
-          <a:lstStyle/>
-          <a:p>
-            <a:pPr marL="0" lvl="8">
-              <a:buFontTx/>
-              <a:buChar char="-"/>
-            </a:pPr>
-            <a:r>
-              <a:rPr lang="en-US" altLang="ko-KR" sz="1600" dirty="0" smtClean="0"/>
-              <a:t> </a:t>
-            </a:r>
-            <a:endParaRPr lang="en-US" altLang="ko-KR" sz="1600" dirty="0"/>
-          </a:p>
-          <a:p>
-            <a:pPr marL="0" lvl="8"/>
-            <a:r>
-              <a:rPr lang="en-US" altLang="ko-KR" sz="1600" dirty="0" smtClean="0"/>
-              <a:t> </a:t>
-            </a:r>
-          </a:p>
-          <a:p>
-            <a:pPr marL="0" lvl="8"/>
-            <a:endParaRPr lang="en-US" altLang="ko-KR" sz="1600" dirty="0"/>
-          </a:p>
-          <a:p>
-            <a:pPr marL="0" lvl="8"/>
-            <a:endParaRPr lang="en-US" altLang="ko-KR" sz="1600" dirty="0" smtClean="0"/>
-          </a:p>
-          <a:p>
-            <a:pPr marL="0" lvl="8"/>
-            <a:endParaRPr lang="en-US" altLang="ko-KR" sz="1600" dirty="0"/>
-          </a:p>
-          <a:p>
-            <a:pPr marL="0" lvl="8"/>
-            <a:endParaRPr lang="en-US" altLang="ko-KR" sz="1600" dirty="0" smtClean="0"/>
-          </a:p>
-        </p:txBody>
-      </p:sp>
-      <p:sp>
-        <p:nvSpPr>
-          <p:cNvPr id="2" name="제목 1"/>
-          <p:cNvSpPr>
-            <a:spLocks noGrp="1"/>
-          </p:cNvSpPr>
-          <p:nvPr>
-            <p:ph type="title"/>
-          </p:nvPr>
-        </p:nvSpPr>
-        <p:spPr/>
-        <p:txBody>
-          <a:bodyPr/>
-          <a:lstStyle/>
-          <a:p>
-            <a:r>
-              <a:rPr lang="en-US" altLang="ko-KR" dirty="0" err="1" smtClean="0"/>
-              <a:t>Github</a:t>
-            </a:r>
-            <a:r>
-              <a:rPr lang="en-US" altLang="ko-KR" dirty="0" smtClean="0"/>
-              <a:t> </a:t>
-            </a:r>
-            <a:r>
-              <a:rPr lang="ko-KR" altLang="en-US" dirty="0" smtClean="0"/>
-              <a:t>사용</a:t>
-            </a:r>
-            <a:endParaRPr lang="ko-KR" altLang="en-US" dirty="0"/>
-          </a:p>
-        </p:txBody>
-      </p:sp>
-      <p:sp>
-        <p:nvSpPr>
-          <p:cNvPr id="8" name="TextBox 7"/>
-          <p:cNvSpPr txBox="1"/>
-          <p:nvPr/>
-        </p:nvSpPr>
-        <p:spPr>
-          <a:xfrm>
-            <a:off x="971600" y="1628800"/>
-            <a:ext cx="1745414" cy="369332"/>
-          </a:xfrm>
-          <a:prstGeom prst="rect">
-            <a:avLst/>
-          </a:prstGeom>
-          <a:noFill/>
-        </p:spPr>
-        <p:txBody>
-          <a:bodyPr wrap="none" rtlCol="0">
-            <a:spAutoFit/>
-          </a:bodyPr>
-          <a:lstStyle/>
-          <a:p>
-            <a:r>
-              <a:rPr lang="en-US" altLang="ko-KR" dirty="0" smtClean="0"/>
-              <a:t>1. Fork A Repo</a:t>
-            </a:r>
-          </a:p>
-        </p:txBody>
-      </p:sp>
-      <p:sp>
-        <p:nvSpPr>
-          <p:cNvPr id="12" name="TextBox 11"/>
-          <p:cNvSpPr txBox="1"/>
-          <p:nvPr/>
-        </p:nvSpPr>
-        <p:spPr>
-          <a:xfrm>
-            <a:off x="971600" y="1268760"/>
-            <a:ext cx="2613792" cy="369332"/>
-          </a:xfrm>
-          <a:prstGeom prst="rect">
-            <a:avLst/>
-          </a:prstGeom>
-          <a:noFill/>
-        </p:spPr>
-        <p:txBody>
-          <a:bodyPr wrap="none" rtlCol="0">
-            <a:spAutoFit/>
-          </a:bodyPr>
-          <a:lstStyle/>
-          <a:p>
-            <a:r>
-              <a:rPr lang="en-US" altLang="ko-KR" b="1" dirty="0" smtClean="0"/>
-              <a:t>Step</a:t>
-            </a:r>
-            <a:r>
-              <a:rPr lang="ko-KR" altLang="en-US" b="1" dirty="0" smtClean="0"/>
-              <a:t> </a:t>
-            </a:r>
-            <a:r>
-              <a:rPr lang="en-US" altLang="ko-KR" b="1" dirty="0" smtClean="0"/>
-              <a:t>2. </a:t>
-            </a:r>
-            <a:r>
-              <a:rPr lang="en-US" altLang="ko-KR" b="1" dirty="0"/>
-              <a:t>Create A Repo</a:t>
-            </a:r>
-          </a:p>
-        </p:txBody>
-      </p:sp>
-      <p:pic>
-        <p:nvPicPr>
-          <p:cNvPr id="37890" name="Picture 2"/>
-          <p:cNvPicPr>
-            <a:picLocks noChangeAspect="1" noChangeArrowheads="1"/>
-          </p:cNvPicPr>
-          <p:nvPr/>
-        </p:nvPicPr>
-        <p:blipFill>
-          <a:blip r:embed="rId2" cstate="print"/>
-          <a:srcRect/>
-          <a:stretch>
-            <a:fillRect/>
-          </a:stretch>
-        </p:blipFill>
-        <p:spPr bwMode="auto">
-          <a:xfrm>
-            <a:off x="1187624" y="2852936"/>
-            <a:ext cx="6324600" cy="447675"/>
-          </a:xfrm>
-          <a:prstGeom prst="rect">
-            <a:avLst/>
-          </a:prstGeom>
-          <a:noFill/>
-          <a:ln w="9525">
-            <a:noFill/>
-            <a:miter lim="800000"/>
-            <a:headEnd/>
-            <a:tailEnd/>
-          </a:ln>
-        </p:spPr>
-      </p:pic>
-      <p:pic>
-        <p:nvPicPr>
-          <p:cNvPr id="37891" name="Picture 3"/>
-          <p:cNvPicPr>
-            <a:picLocks noChangeAspect="1" noChangeArrowheads="1"/>
-          </p:cNvPicPr>
-          <p:nvPr/>
-        </p:nvPicPr>
-        <p:blipFill>
-          <a:blip r:embed="rId3" cstate="print"/>
-          <a:srcRect/>
-          <a:stretch>
-            <a:fillRect/>
-          </a:stretch>
-        </p:blipFill>
-        <p:spPr bwMode="auto">
-          <a:xfrm>
-            <a:off x="1187624" y="3284984"/>
-            <a:ext cx="6324600" cy="628650"/>
-          </a:xfrm>
-          <a:prstGeom prst="rect">
-            <a:avLst/>
-          </a:prstGeom>
-          <a:noFill/>
-          <a:ln w="9525">
-            <a:noFill/>
-            <a:miter lim="800000"/>
-            <a:headEnd/>
-            <a:tailEnd/>
-          </a:ln>
-        </p:spPr>
-      </p:pic>
-      <p:pic>
-        <p:nvPicPr>
-          <p:cNvPr id="1026" name="Picture 2"/>
-          <p:cNvPicPr>
-            <a:picLocks noChangeAspect="1" noChangeArrowheads="1"/>
-          </p:cNvPicPr>
-          <p:nvPr/>
-        </p:nvPicPr>
-        <p:blipFill>
-          <a:blip r:embed="rId4" cstate="print"/>
-          <a:srcRect/>
-          <a:stretch>
-            <a:fillRect/>
-          </a:stretch>
-        </p:blipFill>
-        <p:spPr bwMode="auto">
-          <a:xfrm>
-            <a:off x="1187624" y="4077072"/>
-            <a:ext cx="6324600" cy="628650"/>
-          </a:xfrm>
-          <a:prstGeom prst="rect">
-            <a:avLst/>
-          </a:prstGeom>
-          <a:noFill/>
-          <a:ln w="9525">
-            <a:noFill/>
-            <a:miter lim="800000"/>
-            <a:headEnd/>
-            <a:tailEnd/>
-          </a:ln>
-        </p:spPr>
-      </p:pic>
-      <p:pic>
-        <p:nvPicPr>
-          <p:cNvPr id="1027" name="Picture 3"/>
-          <p:cNvPicPr>
-            <a:picLocks noChangeAspect="1" noChangeArrowheads="1"/>
-          </p:cNvPicPr>
-          <p:nvPr/>
-        </p:nvPicPr>
-        <p:blipFill>
-          <a:blip r:embed="rId5" cstate="print"/>
-          <a:srcRect/>
-          <a:stretch>
-            <a:fillRect/>
-          </a:stretch>
-        </p:blipFill>
-        <p:spPr bwMode="auto">
-          <a:xfrm>
-            <a:off x="1187624" y="4869160"/>
-            <a:ext cx="6324600" cy="628650"/>
-          </a:xfrm>
-          <a:prstGeom prst="rect">
-            <a:avLst/>
-          </a:prstGeom>
-          <a:noFill/>
-          <a:ln w="9525">
-            <a:noFill/>
-            <a:miter lim="800000"/>
-            <a:headEnd/>
-            <a:tailEnd/>
-          </a:ln>
         </p:spPr>
       </p:pic>
     </p:spTree>
@@ -17837,287 +14759,4 @@
   <a:objectDefaults/>
   <a:extraClrSchemeLst/>
 </a:theme>
-</file>
-
-<file path=ppt/theme/theme3.xml><?xml version="1.0" encoding="utf-8"?>
-<a:theme xmlns:a="http://schemas.openxmlformats.org/drawingml/2006/main" name="Office 테마">
-  <a:themeElements>
-    <a:clrScheme name="Office">
-      <a:dk1>
-        <a:sysClr val="windowText" lastClr="000000"/>
-      </a:dk1>
-      <a:lt1>
-        <a:sysClr val="window" lastClr="FFFFFF"/>
-      </a:lt1>
-      <a:dk2>
-        <a:srgbClr val="1F497D"/>
-      </a:dk2>
-      <a:lt2>
-        <a:srgbClr val="EEECE1"/>
-      </a:lt2>
-      <a:accent1>
-        <a:srgbClr val="4F81BD"/>
-      </a:accent1>
-      <a:accent2>
-        <a:srgbClr val="C0504D"/>
-      </a:accent2>
-      <a:accent3>
-        <a:srgbClr val="9BBB59"/>
-      </a:accent3>
-      <a:accent4>
-        <a:srgbClr val="8064A2"/>
-      </a:accent4>
-      <a:accent5>
-        <a:srgbClr val="4BACC6"/>
-      </a:accent5>
-      <a:accent6>
-        <a:srgbClr val="F79646"/>
-      </a:accent6>
-      <a:hlink>
-        <a:srgbClr val="0000FF"/>
-      </a:hlink>
-      <a:folHlink>
-        <a:srgbClr val="800080"/>
-      </a:folHlink>
-    </a:clrScheme>
-    <a:fontScheme name="Office">
-      <a:majorFont>
-        <a:latin typeface="맑은 고딕"/>
-        <a:ea typeface=""/>
-        <a:cs typeface=""/>
-        <a:font script="Jpan" typeface="ＭＳ Ｐゴシック"/>
-        <a:font script="Hang" typeface="맑은 고딕"/>
-        <a:font script="Hans" typeface="宋体"/>
-        <a:font script="Hant" typeface="新細明體"/>
-        <a:font script="Arab" typeface="Times New Roman"/>
-        <a:font script="Hebr" typeface="Times New Roman"/>
-        <a:font script="Thai" typeface="Angsana New"/>
-        <a:font script="Ethi" typeface="Nyala"/>
-        <a:font script="Beng" typeface="Vrinda"/>
-        <a:font script="Gujr" typeface="Shruti"/>
-        <a:font script="Khmr" typeface="MoolBoran"/>
-        <a:font script="Knda" typeface="Tunga"/>
-        <a:font script="Guru" typeface="Raavi"/>
-        <a:font script="Cans" typeface="Euphemia"/>
-        <a:font script="Cher" typeface="Plantagenet Cherokee"/>
-        <a:font script="Yiii" typeface="Microsoft Yi Baiti"/>
-        <a:font script="Tibt" typeface="Microsoft Himalaya"/>
-        <a:font script="Thaa" typeface="MV Boli"/>
-        <a:font script="Deva" typeface="Mangal"/>
-        <a:font script="Telu" typeface="Gautami"/>
-        <a:font script="Taml" typeface="Latha"/>
-        <a:font script="Syrc" typeface="Estrangelo Edessa"/>
-        <a:font script="Orya" typeface="Kalinga"/>
-        <a:font script="Mlym" typeface="Kartika"/>
-        <a:font script="Laoo" typeface="DokChampa"/>
-        <a:font script="Sinh" typeface="Iskoola Pota"/>
-        <a:font script="Mong" typeface="Mongolian Baiti"/>
-        <a:font script="Viet" typeface="Times New Roman"/>
-        <a:font script="Uigh" typeface="Microsoft Uighur"/>
-      </a:majorFont>
-      <a:minorFont>
-        <a:latin typeface="맑은 고딕"/>
-        <a:ea typeface=""/>
-        <a:cs typeface=""/>
-        <a:font script="Jpan" typeface="ＭＳ Ｐゴシック"/>
-        <a:font script="Hang" typeface="맑은 고딕"/>
-        <a:font script="Hans" typeface="宋体"/>
-        <a:font script="Hant" typeface="新細明體"/>
-        <a:font script="Arab" typeface="Arial"/>
-        <a:font script="Hebr" typeface="Arial"/>
-        <a:font script="Thai" typeface="Cordia New"/>
-        <a:font script="Ethi" typeface="Nyala"/>
-        <a:font script="Beng" typeface="Vrinda"/>
-        <a:font script="Gujr" typeface="Shruti"/>
-        <a:font script="Khmr" typeface="DaunPenh"/>
-        <a:font script="Knda" typeface="Tunga"/>
-        <a:font script="Guru" typeface="Raavi"/>
-        <a:font script="Cans" typeface="Euphemia"/>
-        <a:font script="Cher" typeface="Plantagenet Cherokee"/>
-        <a:font script="Yiii" typeface="Microsoft Yi Baiti"/>
-        <a:font script="Tibt" typeface="Microsoft Himalaya"/>
-        <a:font script="Thaa" typeface="MV Boli"/>
-        <a:font script="Deva" typeface="Mangal"/>
-        <a:font script="Telu" typeface="Gautami"/>
-        <a:font script="Taml" typeface="Latha"/>
-        <a:font script="Syrc" typeface="Estrangelo Edessa"/>
-        <a:font script="Orya" typeface="Kalinga"/>
-        <a:font script="Mlym" typeface="Kartika"/>
-        <a:font script="Laoo" typeface="DokChampa"/>
-        <a:font script="Sinh" typeface="Iskoola Pota"/>
-        <a:font script="Mong" typeface="Mongolian Baiti"/>
-        <a:font script="Viet" typeface="Arial"/>
-        <a:font script="Uigh" typeface="Microsoft Uighur"/>
-      </a:minorFont>
-    </a:fontScheme>
-    <a:fmtScheme name="Office">
-      <a:fillStyleLst>
-        <a:solidFill>
-          <a:schemeClr val="phClr"/>
-        </a:solidFill>
-        <a:gradFill rotWithShape="1">
-          <a:gsLst>
-            <a:gs pos="0">
-              <a:schemeClr val="phClr">
-                <a:tint val="50000"/>
-                <a:satMod val="300000"/>
-              </a:schemeClr>
-            </a:gs>
-            <a:gs pos="35000">
-              <a:schemeClr val="phClr">
-                <a:tint val="37000"/>
-                <a:satMod val="300000"/>
-              </a:schemeClr>
-            </a:gs>
-            <a:gs pos="100000">
-              <a:schemeClr val="phClr">
-                <a:tint val="15000"/>
-                <a:satMod val="350000"/>
-              </a:schemeClr>
-            </a:gs>
-          </a:gsLst>
-          <a:lin ang="16200000" scaled="1"/>
-        </a:gradFill>
-        <a:gradFill rotWithShape="1">
-          <a:gsLst>
-            <a:gs pos="0">
-              <a:schemeClr val="phClr">
-                <a:shade val="51000"/>
-                <a:satMod val="130000"/>
-              </a:schemeClr>
-            </a:gs>
-            <a:gs pos="80000">
-              <a:schemeClr val="phClr">
-                <a:shade val="93000"/>
-                <a:satMod val="130000"/>
-              </a:schemeClr>
-            </a:gs>
-            <a:gs pos="100000">
-              <a:schemeClr val="phClr">
-                <a:shade val="94000"/>
-                <a:satMod val="135000"/>
-              </a:schemeClr>
-            </a:gs>
-          </a:gsLst>
-          <a:lin ang="16200000" scaled="0"/>
-        </a:gradFill>
-      </a:fillStyleLst>
-      <a:lnStyleLst>
-        <a:ln w="9525" cap="flat" cmpd="sng" algn="ctr">
-          <a:solidFill>
-            <a:schemeClr val="phClr">
-              <a:shade val="95000"/>
-              <a:satMod val="105000"/>
-            </a:schemeClr>
-          </a:solidFill>
-          <a:prstDash val="solid"/>
-        </a:ln>
-        <a:ln w="25400" cap="flat" cmpd="sng" algn="ctr">
-          <a:solidFill>
-            <a:schemeClr val="phClr"/>
-          </a:solidFill>
-          <a:prstDash val="solid"/>
-        </a:ln>
-        <a:ln w="38100" cap="flat" cmpd="sng" algn="ctr">
-          <a:solidFill>
-            <a:schemeClr val="phClr"/>
-          </a:solidFill>
-          <a:prstDash val="solid"/>
-        </a:ln>
-      </a:lnStyleLst>
-      <a:effectStyleLst>
-        <a:effectStyle>
-          <a:effectLst>
-            <a:outerShdw blurRad="40000" dist="20000" dir="5400000" rotWithShape="0">
-              <a:srgbClr val="000000">
-                <a:alpha val="38000"/>
-              </a:srgbClr>
-            </a:outerShdw>
-          </a:effectLst>
-        </a:effectStyle>
-        <a:effectStyle>
-          <a:effectLst>
-            <a:outerShdw blurRad="40000" dist="23000" dir="5400000" rotWithShape="0">
-              <a:srgbClr val="000000">
-                <a:alpha val="35000"/>
-              </a:srgbClr>
-            </a:outerShdw>
-          </a:effectLst>
-        </a:effectStyle>
-        <a:effectStyle>
-          <a:effectLst>
-            <a:outerShdw blurRad="40000" dist="23000" dir="5400000" rotWithShape="0">
-              <a:srgbClr val="000000">
-                <a:alpha val="35000"/>
-              </a:srgbClr>
-            </a:outerShdw>
-          </a:effectLst>
-          <a:scene3d>
-            <a:camera prst="orthographicFront">
-              <a:rot lat="0" lon="0" rev="0"/>
-            </a:camera>
-            <a:lightRig rig="threePt" dir="t">
-              <a:rot lat="0" lon="0" rev="1200000"/>
-            </a:lightRig>
-          </a:scene3d>
-          <a:sp3d>
-            <a:bevelT w="63500" h="25400"/>
-          </a:sp3d>
-        </a:effectStyle>
-      </a:effectStyleLst>
-      <a:bgFillStyleLst>
-        <a:solidFill>
-          <a:schemeClr val="phClr"/>
-        </a:solidFill>
-        <a:gradFill rotWithShape="1">
-          <a:gsLst>
-            <a:gs pos="0">
-              <a:schemeClr val="phClr">
-                <a:tint val="40000"/>
-                <a:satMod val="350000"/>
-              </a:schemeClr>
-            </a:gs>
-            <a:gs pos="40000">
-              <a:schemeClr val="phClr">
-                <a:tint val="45000"/>
-                <a:shade val="99000"/>
-                <a:satMod val="350000"/>
-              </a:schemeClr>
-            </a:gs>
-            <a:gs pos="100000">
-              <a:schemeClr val="phClr">
-                <a:shade val="20000"/>
-                <a:satMod val="255000"/>
-              </a:schemeClr>
-            </a:gs>
-          </a:gsLst>
-          <a:path path="circle">
-            <a:fillToRect l="50000" t="-80000" r="50000" b="180000"/>
-          </a:path>
-        </a:gradFill>
-        <a:gradFill rotWithShape="1">
-          <a:gsLst>
-            <a:gs pos="0">
-              <a:schemeClr val="phClr">
-                <a:tint val="80000"/>
-                <a:satMod val="300000"/>
-              </a:schemeClr>
-            </a:gs>
-            <a:gs pos="100000">
-              <a:schemeClr val="phClr">
-                <a:shade val="30000"/>
-                <a:satMod val="200000"/>
-              </a:schemeClr>
-            </a:gs>
-          </a:gsLst>
-          <a:path path="circle">
-            <a:fillToRect l="50000" t="50000" r="50000" b="50000"/>
-          </a:path>
-        </a:gradFill>
-      </a:bgFillStyleLst>
-    </a:fmtScheme>
-  </a:themeElements>
-  <a:objectDefaults/>
-  <a:extraClrSchemeLst/>
-</a:theme>
 </file>